--- a/for_lyceum/Презентация.pptx
+++ b/for_lyceum/Презентация.pptx
@@ -1,14 +1,15 @@
 
 <file path=ppt/presentation.xml><?xml version="1.0" encoding="utf-8"?>
-<p:presentation xmlns:a="http://schemas.openxmlformats.org/drawingml/2006/main" xmlns:p="http://schemas.openxmlformats.org/presentationml/2006/main" xmlns:r="http://schemas.openxmlformats.org/officeDocument/2006/relationships" xmlns:p14="http://schemas.microsoft.com/office/powerpoint/2010/main" xmlns:p15="http://schemas.microsoft.com/office/powerpoint/2012/main" xmlns:mc="http://schemas.openxmlformats.org/markup-compatibility/2006">
+<p:presentation xmlns:a="http://schemas.openxmlformats.org/drawingml/2006/main" xmlns:r="http://schemas.openxmlformats.org/officeDocument/2006/relationships" xmlns:p="http://schemas.openxmlformats.org/presentationml/2006/main">
   <p:sldMasterIdLst>
-    <p:sldMasterId id="2147483648" r:id="rId2"/>
-    <p:sldMasterId id="2147483661" r:id="rId3"/>
+    <p:sldMasterId id="2147483648" r:id="rId1"/>
+    <p:sldMasterId id="2147483661" r:id="rId2"/>
   </p:sldMasterIdLst>
   <p:sldIdLst>
-    <p:sldId id="256" r:id="rId4"/>
-    <p:sldId id="257" r:id="rId5"/>
-    <p:sldId id="258" r:id="rId6"/>
+    <p:sldId id="256" r:id="rId3"/>
+    <p:sldId id="257" r:id="rId4"/>
+    <p:sldId id="258" r:id="rId5"/>
+    <p:sldId id="264" r:id="rId6"/>
     <p:sldId id="259" r:id="rId7"/>
     <p:sldId id="260" r:id="rId8"/>
     <p:sldId id="261" r:id="rId9"/>
@@ -16,12 +17,107 @@
     <p:sldId id="263" r:id="rId11"/>
   </p:sldIdLst>
   <p:sldSz cx="10080625" cy="5670550"/>
-  <p:notesSz cx="7559675" cy="10691812"/>
+  <p:notesSz cx="7559675" cy="10691813"/>
+  <p:defaultTextStyle>
+    <a:defPPr>
+      <a:defRPr lang="ru-RU"/>
+    </a:defPPr>
+    <a:lvl1pPr marL="0" algn="l" defTabSz="914400" rtl="0" eaLnBrk="1" latinLnBrk="0" hangingPunct="1">
+      <a:defRPr sz="1800" kern="1200">
+        <a:solidFill>
+          <a:schemeClr val="tx1"/>
+        </a:solidFill>
+        <a:latin typeface="+mn-lt"/>
+        <a:ea typeface="+mn-ea"/>
+        <a:cs typeface="+mn-cs"/>
+      </a:defRPr>
+    </a:lvl1pPr>
+    <a:lvl2pPr marL="457200" algn="l" defTabSz="914400" rtl="0" eaLnBrk="1" latinLnBrk="0" hangingPunct="1">
+      <a:defRPr sz="1800" kern="1200">
+        <a:solidFill>
+          <a:schemeClr val="tx1"/>
+        </a:solidFill>
+        <a:latin typeface="+mn-lt"/>
+        <a:ea typeface="+mn-ea"/>
+        <a:cs typeface="+mn-cs"/>
+      </a:defRPr>
+    </a:lvl2pPr>
+    <a:lvl3pPr marL="914400" algn="l" defTabSz="914400" rtl="0" eaLnBrk="1" latinLnBrk="0" hangingPunct="1">
+      <a:defRPr sz="1800" kern="1200">
+        <a:solidFill>
+          <a:schemeClr val="tx1"/>
+        </a:solidFill>
+        <a:latin typeface="+mn-lt"/>
+        <a:ea typeface="+mn-ea"/>
+        <a:cs typeface="+mn-cs"/>
+      </a:defRPr>
+    </a:lvl3pPr>
+    <a:lvl4pPr marL="1371600" algn="l" defTabSz="914400" rtl="0" eaLnBrk="1" latinLnBrk="0" hangingPunct="1">
+      <a:defRPr sz="1800" kern="1200">
+        <a:solidFill>
+          <a:schemeClr val="tx1"/>
+        </a:solidFill>
+        <a:latin typeface="+mn-lt"/>
+        <a:ea typeface="+mn-ea"/>
+        <a:cs typeface="+mn-cs"/>
+      </a:defRPr>
+    </a:lvl4pPr>
+    <a:lvl5pPr marL="1828800" algn="l" defTabSz="914400" rtl="0" eaLnBrk="1" latinLnBrk="0" hangingPunct="1">
+      <a:defRPr sz="1800" kern="1200">
+        <a:solidFill>
+          <a:schemeClr val="tx1"/>
+        </a:solidFill>
+        <a:latin typeface="+mn-lt"/>
+        <a:ea typeface="+mn-ea"/>
+        <a:cs typeface="+mn-cs"/>
+      </a:defRPr>
+    </a:lvl5pPr>
+    <a:lvl6pPr marL="2286000" algn="l" defTabSz="914400" rtl="0" eaLnBrk="1" latinLnBrk="0" hangingPunct="1">
+      <a:defRPr sz="1800" kern="1200">
+        <a:solidFill>
+          <a:schemeClr val="tx1"/>
+        </a:solidFill>
+        <a:latin typeface="+mn-lt"/>
+        <a:ea typeface="+mn-ea"/>
+        <a:cs typeface="+mn-cs"/>
+      </a:defRPr>
+    </a:lvl6pPr>
+    <a:lvl7pPr marL="2743200" algn="l" defTabSz="914400" rtl="0" eaLnBrk="1" latinLnBrk="0" hangingPunct="1">
+      <a:defRPr sz="1800" kern="1200">
+        <a:solidFill>
+          <a:schemeClr val="tx1"/>
+        </a:solidFill>
+        <a:latin typeface="+mn-lt"/>
+        <a:ea typeface="+mn-ea"/>
+        <a:cs typeface="+mn-cs"/>
+      </a:defRPr>
+    </a:lvl7pPr>
+    <a:lvl8pPr marL="3200400" algn="l" defTabSz="914400" rtl="0" eaLnBrk="1" latinLnBrk="0" hangingPunct="1">
+      <a:defRPr sz="1800" kern="1200">
+        <a:solidFill>
+          <a:schemeClr val="tx1"/>
+        </a:solidFill>
+        <a:latin typeface="+mn-lt"/>
+        <a:ea typeface="+mn-ea"/>
+        <a:cs typeface="+mn-cs"/>
+      </a:defRPr>
+    </a:lvl8pPr>
+    <a:lvl9pPr marL="3657600" algn="l" defTabSz="914400" rtl="0" eaLnBrk="1" latinLnBrk="0" hangingPunct="1">
+      <a:defRPr sz="1800" kern="1200">
+        <a:solidFill>
+          <a:schemeClr val="tx1"/>
+        </a:solidFill>
+        <a:latin typeface="+mn-lt"/>
+        <a:ea typeface="+mn-ea"/>
+        <a:cs typeface="+mn-cs"/>
+      </a:defRPr>
+    </a:lvl9pPr>
+  </p:defaultTextStyle>
 </p:presentation>
 </file>
 
 <file path=ppt/slideLayouts/slideLayout1.xml><?xml version="1.0" encoding="utf-8"?>
-<p:sldLayout xmlns:a="http://schemas.openxmlformats.org/drawingml/2006/main" xmlns:p="http://schemas.openxmlformats.org/presentationml/2006/main" xmlns:r="http://schemas.openxmlformats.org/officeDocument/2006/relationships" xmlns:p14="http://schemas.microsoft.com/office/powerpoint/2010/main" xmlns:p15="http://schemas.microsoft.com/office/powerpoint/2012/main" xmlns:mc="http://schemas.openxmlformats.org/markup-compatibility/2006" type="blank" preserve="1">
+<p:sldLayout xmlns:a="http://schemas.openxmlformats.org/drawingml/2006/main" xmlns:r="http://schemas.openxmlformats.org/officeDocument/2006/relationships" xmlns:p="http://schemas.openxmlformats.org/presentationml/2006/main" type="blank" preserve="1">
   <p:cSld name="Blank Slide">
     <p:spTree>
       <p:nvGrpSpPr>
@@ -39,11 +135,14 @@
       </p:grpSpPr>
     </p:spTree>
   </p:cSld>
+  <p:clrMapOvr>
+    <a:masterClrMapping/>
+  </p:clrMapOvr>
 </p:sldLayout>
 </file>
 
 <file path=ppt/slideLayouts/slideLayout10.xml><?xml version="1.0" encoding="utf-8"?>
-<p:sldLayout xmlns:a="http://schemas.openxmlformats.org/drawingml/2006/main" xmlns:p="http://schemas.openxmlformats.org/presentationml/2006/main" xmlns:r="http://schemas.openxmlformats.org/officeDocument/2006/relationships" xmlns:p14="http://schemas.microsoft.com/office/powerpoint/2010/main" xmlns:p15="http://schemas.microsoft.com/office/powerpoint/2012/main" xmlns:mc="http://schemas.openxmlformats.org/markup-compatibility/2006" type="objOverTx" preserve="1">
+<p:sldLayout xmlns:a="http://schemas.openxmlformats.org/drawingml/2006/main" xmlns:r="http://schemas.openxmlformats.org/officeDocument/2006/relationships" xmlns:p="http://schemas.openxmlformats.org/presentationml/2006/main" type="objOverTx" preserve="1">
   <p:cSld name="Title, Content over Content">
     <p:spTree>
       <p:nvGrpSpPr>
@@ -79,11 +178,12 @@
           </a:prstGeom>
         </p:spPr>
         <p:txBody>
-          <a:bodyPr lIns="0" rIns="0" tIns="0" bIns="0" anchor="ctr">
-            <a:noAutofit/>
-          </a:bodyPr>
-          <a:p>
-            <a:endParaRPr b="1" lang="ru-RU" sz="3300" spc="-1" strike="noStrike">
+          <a:bodyPr lIns="0" tIns="0" rIns="0" bIns="0" anchor="ctr">
+            <a:noAutofit/>
+          </a:bodyPr>
+          <a:lstStyle/>
+          <a:p>
+            <a:endParaRPr lang="ru-RU" sz="3300" b="1" strike="noStrike" spc="-1">
               <a:solidFill>
                 <a:srgbClr val="333333"/>
               </a:solidFill>
@@ -112,11 +212,12 @@
           </a:prstGeom>
         </p:spPr>
         <p:txBody>
-          <a:bodyPr lIns="0" rIns="0" tIns="0" bIns="0">
-            <a:noAutofit/>
-          </a:bodyPr>
-          <a:p>
-            <a:endParaRPr b="0" lang="ru-RU" sz="2100" spc="-1" strike="noStrike">
+          <a:bodyPr lIns="0" tIns="0" rIns="0" bIns="0">
+            <a:noAutofit/>
+          </a:bodyPr>
+          <a:lstStyle/>
+          <a:p>
+            <a:endParaRPr lang="ru-RU" sz="2100" b="0" strike="noStrike" spc="-1">
               <a:solidFill>
                 <a:srgbClr val="333333"/>
               </a:solidFill>
@@ -145,11 +246,12 @@
           </a:prstGeom>
         </p:spPr>
         <p:txBody>
-          <a:bodyPr lIns="0" rIns="0" tIns="0" bIns="0">
-            <a:noAutofit/>
-          </a:bodyPr>
-          <a:p>
-            <a:endParaRPr b="0" lang="ru-RU" sz="2100" spc="-1" strike="noStrike">
+          <a:bodyPr lIns="0" tIns="0" rIns="0" bIns="0">
+            <a:noAutofit/>
+          </a:bodyPr>
+          <a:lstStyle/>
+          <a:p>
+            <a:endParaRPr lang="ru-RU" sz="2100" b="0" strike="noStrike" spc="-1">
               <a:solidFill>
                 <a:srgbClr val="333333"/>
               </a:solidFill>
@@ -160,11 +262,14 @@
       </p:sp>
     </p:spTree>
   </p:cSld>
+  <p:clrMapOvr>
+    <a:masterClrMapping/>
+  </p:clrMapOvr>
 </p:sldLayout>
 </file>
 
 <file path=ppt/slideLayouts/slideLayout11.xml><?xml version="1.0" encoding="utf-8"?>
-<p:sldLayout xmlns:a="http://schemas.openxmlformats.org/drawingml/2006/main" xmlns:p="http://schemas.openxmlformats.org/presentationml/2006/main" xmlns:r="http://schemas.openxmlformats.org/officeDocument/2006/relationships" xmlns:p14="http://schemas.microsoft.com/office/powerpoint/2010/main" xmlns:p15="http://schemas.microsoft.com/office/powerpoint/2012/main" xmlns:mc="http://schemas.openxmlformats.org/markup-compatibility/2006" type="fourObj" preserve="1">
+<p:sldLayout xmlns:a="http://schemas.openxmlformats.org/drawingml/2006/main" xmlns:r="http://schemas.openxmlformats.org/officeDocument/2006/relationships" xmlns:p="http://schemas.openxmlformats.org/presentationml/2006/main" type="fourObj" preserve="1">
   <p:cSld name="Title, 4 Content">
     <p:spTree>
       <p:nvGrpSpPr>
@@ -200,11 +305,12 @@
           </a:prstGeom>
         </p:spPr>
         <p:txBody>
-          <a:bodyPr lIns="0" rIns="0" tIns="0" bIns="0" anchor="ctr">
-            <a:noAutofit/>
-          </a:bodyPr>
-          <a:p>
-            <a:endParaRPr b="1" lang="ru-RU" sz="3300" spc="-1" strike="noStrike">
+          <a:bodyPr lIns="0" tIns="0" rIns="0" bIns="0" anchor="ctr">
+            <a:noAutofit/>
+          </a:bodyPr>
+          <a:lstStyle/>
+          <a:p>
+            <a:endParaRPr lang="ru-RU" sz="3300" b="1" strike="noStrike" spc="-1">
               <a:solidFill>
                 <a:srgbClr val="333333"/>
               </a:solidFill>
@@ -233,11 +339,12 @@
           </a:prstGeom>
         </p:spPr>
         <p:txBody>
-          <a:bodyPr lIns="0" rIns="0" tIns="0" bIns="0">
-            <a:noAutofit/>
-          </a:bodyPr>
-          <a:p>
-            <a:endParaRPr b="0" lang="ru-RU" sz="2100" spc="-1" strike="noStrike">
+          <a:bodyPr lIns="0" tIns="0" rIns="0" bIns="0">
+            <a:noAutofit/>
+          </a:bodyPr>
+          <a:lstStyle/>
+          <a:p>
+            <a:endParaRPr lang="ru-RU" sz="2100" b="0" strike="noStrike" spc="-1">
               <a:solidFill>
                 <a:srgbClr val="333333"/>
               </a:solidFill>
@@ -266,11 +373,12 @@
           </a:prstGeom>
         </p:spPr>
         <p:txBody>
-          <a:bodyPr lIns="0" rIns="0" tIns="0" bIns="0">
-            <a:noAutofit/>
-          </a:bodyPr>
-          <a:p>
-            <a:endParaRPr b="0" lang="ru-RU" sz="2100" spc="-1" strike="noStrike">
+          <a:bodyPr lIns="0" tIns="0" rIns="0" bIns="0">
+            <a:noAutofit/>
+          </a:bodyPr>
+          <a:lstStyle/>
+          <a:p>
+            <a:endParaRPr lang="ru-RU" sz="2100" b="0" strike="noStrike" spc="-1">
               <a:solidFill>
                 <a:srgbClr val="333333"/>
               </a:solidFill>
@@ -299,11 +407,12 @@
           </a:prstGeom>
         </p:spPr>
         <p:txBody>
-          <a:bodyPr lIns="0" rIns="0" tIns="0" bIns="0">
-            <a:noAutofit/>
-          </a:bodyPr>
-          <a:p>
-            <a:endParaRPr b="0" lang="ru-RU" sz="2100" spc="-1" strike="noStrike">
+          <a:bodyPr lIns="0" tIns="0" rIns="0" bIns="0">
+            <a:noAutofit/>
+          </a:bodyPr>
+          <a:lstStyle/>
+          <a:p>
+            <a:endParaRPr lang="ru-RU" sz="2100" b="0" strike="noStrike" spc="-1">
               <a:solidFill>
                 <a:srgbClr val="333333"/>
               </a:solidFill>
@@ -332,11 +441,12 @@
           </a:prstGeom>
         </p:spPr>
         <p:txBody>
-          <a:bodyPr lIns="0" rIns="0" tIns="0" bIns="0">
-            <a:noAutofit/>
-          </a:bodyPr>
-          <a:p>
-            <a:endParaRPr b="0" lang="ru-RU" sz="2100" spc="-1" strike="noStrike">
+          <a:bodyPr lIns="0" tIns="0" rIns="0" bIns="0">
+            <a:noAutofit/>
+          </a:bodyPr>
+          <a:lstStyle/>
+          <a:p>
+            <a:endParaRPr lang="ru-RU" sz="2100" b="0" strike="noStrike" spc="-1">
               <a:solidFill>
                 <a:srgbClr val="333333"/>
               </a:solidFill>
@@ -347,11 +457,14 @@
       </p:sp>
     </p:spTree>
   </p:cSld>
+  <p:clrMapOvr>
+    <a:masterClrMapping/>
+  </p:clrMapOvr>
 </p:sldLayout>
 </file>
 
 <file path=ppt/slideLayouts/slideLayout12.xml><?xml version="1.0" encoding="utf-8"?>
-<p:sldLayout xmlns:a="http://schemas.openxmlformats.org/drawingml/2006/main" xmlns:p="http://schemas.openxmlformats.org/presentationml/2006/main" xmlns:r="http://schemas.openxmlformats.org/officeDocument/2006/relationships" xmlns:p14="http://schemas.microsoft.com/office/powerpoint/2010/main" xmlns:p15="http://schemas.microsoft.com/office/powerpoint/2012/main" xmlns:mc="http://schemas.openxmlformats.org/markup-compatibility/2006" type="blank" preserve="1">
+<p:sldLayout xmlns:a="http://schemas.openxmlformats.org/drawingml/2006/main" xmlns:r="http://schemas.openxmlformats.org/officeDocument/2006/relationships" xmlns:p="http://schemas.openxmlformats.org/presentationml/2006/main" type="blank" preserve="1">
   <p:cSld name="Title, 6 Content">
     <p:spTree>
       <p:nvGrpSpPr>
@@ -387,11 +500,12 @@
           </a:prstGeom>
         </p:spPr>
         <p:txBody>
-          <a:bodyPr lIns="0" rIns="0" tIns="0" bIns="0" anchor="ctr">
-            <a:noAutofit/>
-          </a:bodyPr>
-          <a:p>
-            <a:endParaRPr b="1" lang="ru-RU" sz="3300" spc="-1" strike="noStrike">
+          <a:bodyPr lIns="0" tIns="0" rIns="0" bIns="0" anchor="ctr">
+            <a:noAutofit/>
+          </a:bodyPr>
+          <a:lstStyle/>
+          <a:p>
+            <a:endParaRPr lang="ru-RU" sz="3300" b="1" strike="noStrike" spc="-1">
               <a:solidFill>
                 <a:srgbClr val="333333"/>
               </a:solidFill>
@@ -420,11 +534,12 @@
           </a:prstGeom>
         </p:spPr>
         <p:txBody>
-          <a:bodyPr lIns="0" rIns="0" tIns="0" bIns="0">
-            <a:noAutofit/>
-          </a:bodyPr>
-          <a:p>
-            <a:endParaRPr b="0" lang="ru-RU" sz="2100" spc="-1" strike="noStrike">
+          <a:bodyPr lIns="0" tIns="0" rIns="0" bIns="0">
+            <a:noAutofit/>
+          </a:bodyPr>
+          <a:lstStyle/>
+          <a:p>
+            <a:endParaRPr lang="ru-RU" sz="2100" b="0" strike="noStrike" spc="-1">
               <a:solidFill>
                 <a:srgbClr val="333333"/>
               </a:solidFill>
@@ -453,11 +568,12 @@
           </a:prstGeom>
         </p:spPr>
         <p:txBody>
-          <a:bodyPr lIns="0" rIns="0" tIns="0" bIns="0">
-            <a:noAutofit/>
-          </a:bodyPr>
-          <a:p>
-            <a:endParaRPr b="0" lang="ru-RU" sz="2100" spc="-1" strike="noStrike">
+          <a:bodyPr lIns="0" tIns="0" rIns="0" bIns="0">
+            <a:noAutofit/>
+          </a:bodyPr>
+          <a:lstStyle/>
+          <a:p>
+            <a:endParaRPr lang="ru-RU" sz="2100" b="0" strike="noStrike" spc="-1">
               <a:solidFill>
                 <a:srgbClr val="333333"/>
               </a:solidFill>
@@ -486,11 +602,12 @@
           </a:prstGeom>
         </p:spPr>
         <p:txBody>
-          <a:bodyPr lIns="0" rIns="0" tIns="0" bIns="0">
-            <a:noAutofit/>
-          </a:bodyPr>
-          <a:p>
-            <a:endParaRPr b="0" lang="ru-RU" sz="2100" spc="-1" strike="noStrike">
+          <a:bodyPr lIns="0" tIns="0" rIns="0" bIns="0">
+            <a:noAutofit/>
+          </a:bodyPr>
+          <a:lstStyle/>
+          <a:p>
+            <a:endParaRPr lang="ru-RU" sz="2100" b="0" strike="noStrike" spc="-1">
               <a:solidFill>
                 <a:srgbClr val="333333"/>
               </a:solidFill>
@@ -519,11 +636,12 @@
           </a:prstGeom>
         </p:spPr>
         <p:txBody>
-          <a:bodyPr lIns="0" rIns="0" tIns="0" bIns="0">
-            <a:noAutofit/>
-          </a:bodyPr>
-          <a:p>
-            <a:endParaRPr b="0" lang="ru-RU" sz="2100" spc="-1" strike="noStrike">
+          <a:bodyPr lIns="0" tIns="0" rIns="0" bIns="0">
+            <a:noAutofit/>
+          </a:bodyPr>
+          <a:lstStyle/>
+          <a:p>
+            <a:endParaRPr lang="ru-RU" sz="2100" b="0" strike="noStrike" spc="-1">
               <a:solidFill>
                 <a:srgbClr val="333333"/>
               </a:solidFill>
@@ -552,11 +670,12 @@
           </a:prstGeom>
         </p:spPr>
         <p:txBody>
-          <a:bodyPr lIns="0" rIns="0" tIns="0" bIns="0">
-            <a:noAutofit/>
-          </a:bodyPr>
-          <a:p>
-            <a:endParaRPr b="0" lang="ru-RU" sz="2100" spc="-1" strike="noStrike">
+          <a:bodyPr lIns="0" tIns="0" rIns="0" bIns="0">
+            <a:noAutofit/>
+          </a:bodyPr>
+          <a:lstStyle/>
+          <a:p>
+            <a:endParaRPr lang="ru-RU" sz="2100" b="0" strike="noStrike" spc="-1">
               <a:solidFill>
                 <a:srgbClr val="333333"/>
               </a:solidFill>
@@ -585,11 +704,12 @@
           </a:prstGeom>
         </p:spPr>
         <p:txBody>
-          <a:bodyPr lIns="0" rIns="0" tIns="0" bIns="0">
-            <a:noAutofit/>
-          </a:bodyPr>
-          <a:p>
-            <a:endParaRPr b="0" lang="ru-RU" sz="2100" spc="-1" strike="noStrike">
+          <a:bodyPr lIns="0" tIns="0" rIns="0" bIns="0">
+            <a:noAutofit/>
+          </a:bodyPr>
+          <a:lstStyle/>
+          <a:p>
+            <a:endParaRPr lang="ru-RU" sz="2100" b="0" strike="noStrike" spc="-1">
               <a:solidFill>
                 <a:srgbClr val="333333"/>
               </a:solidFill>
@@ -600,11 +720,14 @@
       </p:sp>
     </p:spTree>
   </p:cSld>
+  <p:clrMapOvr>
+    <a:masterClrMapping/>
+  </p:clrMapOvr>
 </p:sldLayout>
 </file>
 
 <file path=ppt/slideLayouts/slideLayout13.xml><?xml version="1.0" encoding="utf-8"?>
-<p:sldLayout xmlns:a="http://schemas.openxmlformats.org/drawingml/2006/main" xmlns:p="http://schemas.openxmlformats.org/presentationml/2006/main" xmlns:r="http://schemas.openxmlformats.org/officeDocument/2006/relationships" xmlns:p14="http://schemas.microsoft.com/office/powerpoint/2010/main" xmlns:p15="http://schemas.microsoft.com/office/powerpoint/2012/main" xmlns:mc="http://schemas.openxmlformats.org/markup-compatibility/2006" type="blank" preserve="1">
+<p:sldLayout xmlns:a="http://schemas.openxmlformats.org/drawingml/2006/main" xmlns:r="http://schemas.openxmlformats.org/officeDocument/2006/relationships" xmlns:p="http://schemas.openxmlformats.org/presentationml/2006/main" type="blank" preserve="1">
   <p:cSld name="Blank Slide">
     <p:spTree>
       <p:nvGrpSpPr>
@@ -622,11 +745,14 @@
       </p:grpSpPr>
     </p:spTree>
   </p:cSld>
+  <p:clrMapOvr>
+    <a:masterClrMapping/>
+  </p:clrMapOvr>
 </p:sldLayout>
 </file>
 
 <file path=ppt/slideLayouts/slideLayout14.xml><?xml version="1.0" encoding="utf-8"?>
-<p:sldLayout xmlns:a="http://schemas.openxmlformats.org/drawingml/2006/main" xmlns:p="http://schemas.openxmlformats.org/presentationml/2006/main" xmlns:r="http://schemas.openxmlformats.org/officeDocument/2006/relationships" xmlns:p14="http://schemas.microsoft.com/office/powerpoint/2010/main" xmlns:p15="http://schemas.microsoft.com/office/powerpoint/2012/main" xmlns:mc="http://schemas.openxmlformats.org/markup-compatibility/2006" type="tx" preserve="1">
+<p:sldLayout xmlns:a="http://schemas.openxmlformats.org/drawingml/2006/main" xmlns:r="http://schemas.openxmlformats.org/officeDocument/2006/relationships" xmlns:p="http://schemas.openxmlformats.org/presentationml/2006/main" type="tx" preserve="1">
   <p:cSld name="Title Slide">
     <p:spTree>
       <p:nvGrpSpPr>
@@ -662,11 +788,12 @@
           </a:prstGeom>
         </p:spPr>
         <p:txBody>
-          <a:bodyPr lIns="0" rIns="0" tIns="0" bIns="0" anchor="ctr">
-            <a:noAutofit/>
-          </a:bodyPr>
-          <a:p>
-            <a:endParaRPr b="1" lang="ru-RU" sz="3300" spc="-1" strike="noStrike">
+          <a:bodyPr lIns="0" tIns="0" rIns="0" bIns="0" anchor="ctr">
+            <a:noAutofit/>
+          </a:bodyPr>
+          <a:lstStyle/>
+          <a:p>
+            <a:endParaRPr lang="ru-RU" sz="3300" b="1" strike="noStrike" spc="-1">
               <a:solidFill>
                 <a:srgbClr val="333333"/>
               </a:solidFill>
@@ -695,12 +822,13 @@
           </a:prstGeom>
         </p:spPr>
         <p:txBody>
-          <a:bodyPr lIns="0" rIns="0" tIns="0" bIns="0" anchor="ctr">
-            <a:noAutofit/>
-          </a:bodyPr>
+          <a:bodyPr lIns="0" tIns="0" rIns="0" bIns="0" anchor="ctr">
+            <a:noAutofit/>
+          </a:bodyPr>
+          <a:lstStyle/>
           <a:p>
             <a:pPr algn="ctr"/>
-            <a:endParaRPr b="0" lang="ru-RU" sz="3200" spc="-1" strike="noStrike">
+            <a:endParaRPr lang="ru-RU" sz="3200" b="0" strike="noStrike" spc="-1">
               <a:latin typeface="Arial"/>
             </a:endParaRPr>
           </a:p>
@@ -708,11 +836,14 @@
       </p:sp>
     </p:spTree>
   </p:cSld>
+  <p:clrMapOvr>
+    <a:masterClrMapping/>
+  </p:clrMapOvr>
 </p:sldLayout>
 </file>
 
 <file path=ppt/slideLayouts/slideLayout15.xml><?xml version="1.0" encoding="utf-8"?>
-<p:sldLayout xmlns:a="http://schemas.openxmlformats.org/drawingml/2006/main" xmlns:p="http://schemas.openxmlformats.org/presentationml/2006/main" xmlns:r="http://schemas.openxmlformats.org/officeDocument/2006/relationships" xmlns:p14="http://schemas.microsoft.com/office/powerpoint/2010/main" xmlns:p15="http://schemas.microsoft.com/office/powerpoint/2012/main" xmlns:mc="http://schemas.openxmlformats.org/markup-compatibility/2006" type="obj" preserve="1">
+<p:sldLayout xmlns:a="http://schemas.openxmlformats.org/drawingml/2006/main" xmlns:r="http://schemas.openxmlformats.org/officeDocument/2006/relationships" xmlns:p="http://schemas.openxmlformats.org/presentationml/2006/main" type="obj" preserve="1">
   <p:cSld name="Title, Content">
     <p:spTree>
       <p:nvGrpSpPr>
@@ -748,11 +879,12 @@
           </a:prstGeom>
         </p:spPr>
         <p:txBody>
-          <a:bodyPr lIns="0" rIns="0" tIns="0" bIns="0" anchor="ctr">
-            <a:noAutofit/>
-          </a:bodyPr>
-          <a:p>
-            <a:endParaRPr b="1" lang="ru-RU" sz="3300" spc="-1" strike="noStrike">
+          <a:bodyPr lIns="0" tIns="0" rIns="0" bIns="0" anchor="ctr">
+            <a:noAutofit/>
+          </a:bodyPr>
+          <a:lstStyle/>
+          <a:p>
+            <a:endParaRPr lang="ru-RU" sz="3300" b="1" strike="noStrike" spc="-1">
               <a:solidFill>
                 <a:srgbClr val="333333"/>
               </a:solidFill>
@@ -781,11 +913,12 @@
           </a:prstGeom>
         </p:spPr>
         <p:txBody>
-          <a:bodyPr lIns="0" rIns="0" tIns="0" bIns="0">
-            <a:noAutofit/>
-          </a:bodyPr>
-          <a:p>
-            <a:endParaRPr b="0" lang="ru-RU" sz="2100" spc="-1" strike="noStrike">
+          <a:bodyPr lIns="0" tIns="0" rIns="0" bIns="0">
+            <a:noAutofit/>
+          </a:bodyPr>
+          <a:lstStyle/>
+          <a:p>
+            <a:endParaRPr lang="ru-RU" sz="2100" b="0" strike="noStrike" spc="-1">
               <a:solidFill>
                 <a:srgbClr val="333333"/>
               </a:solidFill>
@@ -796,11 +929,14 @@
       </p:sp>
     </p:spTree>
   </p:cSld>
+  <p:clrMapOvr>
+    <a:masterClrMapping/>
+  </p:clrMapOvr>
 </p:sldLayout>
 </file>
 
 <file path=ppt/slideLayouts/slideLayout16.xml><?xml version="1.0" encoding="utf-8"?>
-<p:sldLayout xmlns:a="http://schemas.openxmlformats.org/drawingml/2006/main" xmlns:p="http://schemas.openxmlformats.org/presentationml/2006/main" xmlns:r="http://schemas.openxmlformats.org/officeDocument/2006/relationships" xmlns:p14="http://schemas.microsoft.com/office/powerpoint/2010/main" xmlns:p15="http://schemas.microsoft.com/office/powerpoint/2012/main" xmlns:mc="http://schemas.openxmlformats.org/markup-compatibility/2006" type="twoObj" preserve="1">
+<p:sldLayout xmlns:a="http://schemas.openxmlformats.org/drawingml/2006/main" xmlns:r="http://schemas.openxmlformats.org/officeDocument/2006/relationships" xmlns:p="http://schemas.openxmlformats.org/presentationml/2006/main" type="twoObj" preserve="1">
   <p:cSld name="Title, 2 Content">
     <p:spTree>
       <p:nvGrpSpPr>
@@ -836,11 +972,12 @@
           </a:prstGeom>
         </p:spPr>
         <p:txBody>
-          <a:bodyPr lIns="0" rIns="0" tIns="0" bIns="0" anchor="ctr">
-            <a:noAutofit/>
-          </a:bodyPr>
-          <a:p>
-            <a:endParaRPr b="1" lang="ru-RU" sz="3300" spc="-1" strike="noStrike">
+          <a:bodyPr lIns="0" tIns="0" rIns="0" bIns="0" anchor="ctr">
+            <a:noAutofit/>
+          </a:bodyPr>
+          <a:lstStyle/>
+          <a:p>
+            <a:endParaRPr lang="ru-RU" sz="3300" b="1" strike="noStrike" spc="-1">
               <a:solidFill>
                 <a:srgbClr val="333333"/>
               </a:solidFill>
@@ -869,11 +1006,12 @@
           </a:prstGeom>
         </p:spPr>
         <p:txBody>
-          <a:bodyPr lIns="0" rIns="0" tIns="0" bIns="0">
-            <a:noAutofit/>
-          </a:bodyPr>
-          <a:p>
-            <a:endParaRPr b="0" lang="ru-RU" sz="2100" spc="-1" strike="noStrike">
+          <a:bodyPr lIns="0" tIns="0" rIns="0" bIns="0">
+            <a:noAutofit/>
+          </a:bodyPr>
+          <a:lstStyle/>
+          <a:p>
+            <a:endParaRPr lang="ru-RU" sz="2100" b="0" strike="noStrike" spc="-1">
               <a:solidFill>
                 <a:srgbClr val="333333"/>
               </a:solidFill>
@@ -902,11 +1040,12 @@
           </a:prstGeom>
         </p:spPr>
         <p:txBody>
-          <a:bodyPr lIns="0" rIns="0" tIns="0" bIns="0">
-            <a:noAutofit/>
-          </a:bodyPr>
-          <a:p>
-            <a:endParaRPr b="0" lang="ru-RU" sz="2100" spc="-1" strike="noStrike">
+          <a:bodyPr lIns="0" tIns="0" rIns="0" bIns="0">
+            <a:noAutofit/>
+          </a:bodyPr>
+          <a:lstStyle/>
+          <a:p>
+            <a:endParaRPr lang="ru-RU" sz="2100" b="0" strike="noStrike" spc="-1">
               <a:solidFill>
                 <a:srgbClr val="333333"/>
               </a:solidFill>
@@ -917,11 +1056,14 @@
       </p:sp>
     </p:spTree>
   </p:cSld>
+  <p:clrMapOvr>
+    <a:masterClrMapping/>
+  </p:clrMapOvr>
 </p:sldLayout>
 </file>
 
 <file path=ppt/slideLayouts/slideLayout17.xml><?xml version="1.0" encoding="utf-8"?>
-<p:sldLayout xmlns:a="http://schemas.openxmlformats.org/drawingml/2006/main" xmlns:p="http://schemas.openxmlformats.org/presentationml/2006/main" xmlns:r="http://schemas.openxmlformats.org/officeDocument/2006/relationships" xmlns:p14="http://schemas.microsoft.com/office/powerpoint/2010/main" xmlns:p15="http://schemas.microsoft.com/office/powerpoint/2012/main" xmlns:mc="http://schemas.openxmlformats.org/markup-compatibility/2006" type="titleOnly" preserve="1">
+<p:sldLayout xmlns:a="http://schemas.openxmlformats.org/drawingml/2006/main" xmlns:r="http://schemas.openxmlformats.org/officeDocument/2006/relationships" xmlns:p="http://schemas.openxmlformats.org/presentationml/2006/main" type="titleOnly" preserve="1">
   <p:cSld name="Title Only">
     <p:spTree>
       <p:nvGrpSpPr>
@@ -957,11 +1099,12 @@
           </a:prstGeom>
         </p:spPr>
         <p:txBody>
-          <a:bodyPr lIns="0" rIns="0" tIns="0" bIns="0" anchor="ctr">
-            <a:noAutofit/>
-          </a:bodyPr>
-          <a:p>
-            <a:endParaRPr b="1" lang="ru-RU" sz="3300" spc="-1" strike="noStrike">
+          <a:bodyPr lIns="0" tIns="0" rIns="0" bIns="0" anchor="ctr">
+            <a:noAutofit/>
+          </a:bodyPr>
+          <a:lstStyle/>
+          <a:p>
+            <a:endParaRPr lang="ru-RU" sz="3300" b="1" strike="noStrike" spc="-1">
               <a:solidFill>
                 <a:srgbClr val="333333"/>
               </a:solidFill>
@@ -972,11 +1115,14 @@
       </p:sp>
     </p:spTree>
   </p:cSld>
+  <p:clrMapOvr>
+    <a:masterClrMapping/>
+  </p:clrMapOvr>
 </p:sldLayout>
 </file>
 
 <file path=ppt/slideLayouts/slideLayout18.xml><?xml version="1.0" encoding="utf-8"?>
-<p:sldLayout xmlns:a="http://schemas.openxmlformats.org/drawingml/2006/main" xmlns:p="http://schemas.openxmlformats.org/presentationml/2006/main" xmlns:r="http://schemas.openxmlformats.org/officeDocument/2006/relationships" xmlns:p14="http://schemas.microsoft.com/office/powerpoint/2010/main" xmlns:p15="http://schemas.microsoft.com/office/powerpoint/2012/main" xmlns:mc="http://schemas.openxmlformats.org/markup-compatibility/2006" type="objOnly" preserve="1">
+<p:sldLayout xmlns:a="http://schemas.openxmlformats.org/drawingml/2006/main" xmlns:r="http://schemas.openxmlformats.org/officeDocument/2006/relationships" xmlns:p="http://schemas.openxmlformats.org/presentationml/2006/main" type="objOnly" preserve="1">
   <p:cSld name="Centered Text">
     <p:spTree>
       <p:nvGrpSpPr>
@@ -1012,12 +1158,13 @@
           </a:prstGeom>
         </p:spPr>
         <p:txBody>
-          <a:bodyPr lIns="0" rIns="0" tIns="0" bIns="0" anchor="ctr">
-            <a:noAutofit/>
-          </a:bodyPr>
+          <a:bodyPr lIns="0" tIns="0" rIns="0" bIns="0" anchor="ctr">
+            <a:noAutofit/>
+          </a:bodyPr>
+          <a:lstStyle/>
           <a:p>
             <a:pPr algn="ctr"/>
-            <a:endParaRPr b="0" lang="ru-RU" sz="3200" spc="-1" strike="noStrike">
+            <a:endParaRPr lang="ru-RU" sz="3200" b="0" strike="noStrike" spc="-1">
               <a:latin typeface="Arial"/>
             </a:endParaRPr>
           </a:p>
@@ -1025,11 +1172,14 @@
       </p:sp>
     </p:spTree>
   </p:cSld>
+  <p:clrMapOvr>
+    <a:masterClrMapping/>
+  </p:clrMapOvr>
 </p:sldLayout>
 </file>
 
 <file path=ppt/slideLayouts/slideLayout19.xml><?xml version="1.0" encoding="utf-8"?>
-<p:sldLayout xmlns:a="http://schemas.openxmlformats.org/drawingml/2006/main" xmlns:p="http://schemas.openxmlformats.org/presentationml/2006/main" xmlns:r="http://schemas.openxmlformats.org/officeDocument/2006/relationships" xmlns:p14="http://schemas.microsoft.com/office/powerpoint/2010/main" xmlns:p15="http://schemas.microsoft.com/office/powerpoint/2012/main" xmlns:mc="http://schemas.openxmlformats.org/markup-compatibility/2006" type="twoObjAndObj" preserve="1">
+<p:sldLayout xmlns:a="http://schemas.openxmlformats.org/drawingml/2006/main" xmlns:r="http://schemas.openxmlformats.org/officeDocument/2006/relationships" xmlns:p="http://schemas.openxmlformats.org/presentationml/2006/main" type="twoObjAndObj" preserve="1">
   <p:cSld name="Title, 2 Content and Content">
     <p:spTree>
       <p:nvGrpSpPr>
@@ -1065,11 +1215,12 @@
           </a:prstGeom>
         </p:spPr>
         <p:txBody>
-          <a:bodyPr lIns="0" rIns="0" tIns="0" bIns="0" anchor="ctr">
-            <a:noAutofit/>
-          </a:bodyPr>
-          <a:p>
-            <a:endParaRPr b="1" lang="ru-RU" sz="3300" spc="-1" strike="noStrike">
+          <a:bodyPr lIns="0" tIns="0" rIns="0" bIns="0" anchor="ctr">
+            <a:noAutofit/>
+          </a:bodyPr>
+          <a:lstStyle/>
+          <a:p>
+            <a:endParaRPr lang="ru-RU" sz="3300" b="1" strike="noStrike" spc="-1">
               <a:solidFill>
                 <a:srgbClr val="333333"/>
               </a:solidFill>
@@ -1098,11 +1249,12 @@
           </a:prstGeom>
         </p:spPr>
         <p:txBody>
-          <a:bodyPr lIns="0" rIns="0" tIns="0" bIns="0">
-            <a:noAutofit/>
-          </a:bodyPr>
-          <a:p>
-            <a:endParaRPr b="0" lang="ru-RU" sz="2100" spc="-1" strike="noStrike">
+          <a:bodyPr lIns="0" tIns="0" rIns="0" bIns="0">
+            <a:noAutofit/>
+          </a:bodyPr>
+          <a:lstStyle/>
+          <a:p>
+            <a:endParaRPr lang="ru-RU" sz="2100" b="0" strike="noStrike" spc="-1">
               <a:solidFill>
                 <a:srgbClr val="333333"/>
               </a:solidFill>
@@ -1131,11 +1283,12 @@
           </a:prstGeom>
         </p:spPr>
         <p:txBody>
-          <a:bodyPr lIns="0" rIns="0" tIns="0" bIns="0">
-            <a:noAutofit/>
-          </a:bodyPr>
-          <a:p>
-            <a:endParaRPr b="0" lang="ru-RU" sz="2100" spc="-1" strike="noStrike">
+          <a:bodyPr lIns="0" tIns="0" rIns="0" bIns="0">
+            <a:noAutofit/>
+          </a:bodyPr>
+          <a:lstStyle/>
+          <a:p>
+            <a:endParaRPr lang="ru-RU" sz="2100" b="0" strike="noStrike" spc="-1">
               <a:solidFill>
                 <a:srgbClr val="333333"/>
               </a:solidFill>
@@ -1164,11 +1317,12 @@
           </a:prstGeom>
         </p:spPr>
         <p:txBody>
-          <a:bodyPr lIns="0" rIns="0" tIns="0" bIns="0">
-            <a:noAutofit/>
-          </a:bodyPr>
-          <a:p>
-            <a:endParaRPr b="0" lang="ru-RU" sz="2100" spc="-1" strike="noStrike">
+          <a:bodyPr lIns="0" tIns="0" rIns="0" bIns="0">
+            <a:noAutofit/>
+          </a:bodyPr>
+          <a:lstStyle/>
+          <a:p>
+            <a:endParaRPr lang="ru-RU" sz="2100" b="0" strike="noStrike" spc="-1">
               <a:solidFill>
                 <a:srgbClr val="333333"/>
               </a:solidFill>
@@ -1179,11 +1333,14 @@
       </p:sp>
     </p:spTree>
   </p:cSld>
+  <p:clrMapOvr>
+    <a:masterClrMapping/>
+  </p:clrMapOvr>
 </p:sldLayout>
 </file>
 
 <file path=ppt/slideLayouts/slideLayout2.xml><?xml version="1.0" encoding="utf-8"?>
-<p:sldLayout xmlns:a="http://schemas.openxmlformats.org/drawingml/2006/main" xmlns:p="http://schemas.openxmlformats.org/presentationml/2006/main" xmlns:r="http://schemas.openxmlformats.org/officeDocument/2006/relationships" xmlns:p14="http://schemas.microsoft.com/office/powerpoint/2010/main" xmlns:p15="http://schemas.microsoft.com/office/powerpoint/2012/main" xmlns:mc="http://schemas.openxmlformats.org/markup-compatibility/2006" type="tx" preserve="1">
+<p:sldLayout xmlns:a="http://schemas.openxmlformats.org/drawingml/2006/main" xmlns:r="http://schemas.openxmlformats.org/officeDocument/2006/relationships" xmlns:p="http://schemas.openxmlformats.org/presentationml/2006/main" type="tx" preserve="1">
   <p:cSld name="Title Slide">
     <p:spTree>
       <p:nvGrpSpPr>
@@ -1219,11 +1376,12 @@
           </a:prstGeom>
         </p:spPr>
         <p:txBody>
-          <a:bodyPr lIns="0" rIns="0" tIns="0" bIns="0" anchor="ctr">
-            <a:noAutofit/>
-          </a:bodyPr>
-          <a:p>
-            <a:endParaRPr b="1" lang="ru-RU" sz="3300" spc="-1" strike="noStrike">
+          <a:bodyPr lIns="0" tIns="0" rIns="0" bIns="0" anchor="ctr">
+            <a:noAutofit/>
+          </a:bodyPr>
+          <a:lstStyle/>
+          <a:p>
+            <a:endParaRPr lang="ru-RU" sz="3300" b="1" strike="noStrike" spc="-1">
               <a:solidFill>
                 <a:srgbClr val="333333"/>
               </a:solidFill>
@@ -1252,12 +1410,13 @@
           </a:prstGeom>
         </p:spPr>
         <p:txBody>
-          <a:bodyPr lIns="0" rIns="0" tIns="0" bIns="0" anchor="ctr">
-            <a:noAutofit/>
-          </a:bodyPr>
+          <a:bodyPr lIns="0" tIns="0" rIns="0" bIns="0" anchor="ctr">
+            <a:noAutofit/>
+          </a:bodyPr>
+          <a:lstStyle/>
           <a:p>
             <a:pPr algn="ctr"/>
-            <a:endParaRPr b="0" lang="ru-RU" sz="3200" spc="-1" strike="noStrike">
+            <a:endParaRPr lang="ru-RU" sz="3200" b="0" strike="noStrike" spc="-1">
               <a:latin typeface="Arial"/>
             </a:endParaRPr>
           </a:p>
@@ -1265,11 +1424,14 @@
       </p:sp>
     </p:spTree>
   </p:cSld>
+  <p:clrMapOvr>
+    <a:masterClrMapping/>
+  </p:clrMapOvr>
 </p:sldLayout>
 </file>
 
 <file path=ppt/slideLayouts/slideLayout20.xml><?xml version="1.0" encoding="utf-8"?>
-<p:sldLayout xmlns:a="http://schemas.openxmlformats.org/drawingml/2006/main" xmlns:p="http://schemas.openxmlformats.org/presentationml/2006/main" xmlns:r="http://schemas.openxmlformats.org/officeDocument/2006/relationships" xmlns:p14="http://schemas.microsoft.com/office/powerpoint/2010/main" xmlns:p15="http://schemas.microsoft.com/office/powerpoint/2012/main" xmlns:mc="http://schemas.openxmlformats.org/markup-compatibility/2006" type="objAndTwoObj" preserve="1">
+<p:sldLayout xmlns:a="http://schemas.openxmlformats.org/drawingml/2006/main" xmlns:r="http://schemas.openxmlformats.org/officeDocument/2006/relationships" xmlns:p="http://schemas.openxmlformats.org/presentationml/2006/main" type="objAndTwoObj" preserve="1">
   <p:cSld name="Title Content and 2 Content">
     <p:spTree>
       <p:nvGrpSpPr>
@@ -1305,11 +1467,12 @@
           </a:prstGeom>
         </p:spPr>
         <p:txBody>
-          <a:bodyPr lIns="0" rIns="0" tIns="0" bIns="0" anchor="ctr">
-            <a:noAutofit/>
-          </a:bodyPr>
-          <a:p>
-            <a:endParaRPr b="1" lang="ru-RU" sz="3300" spc="-1" strike="noStrike">
+          <a:bodyPr lIns="0" tIns="0" rIns="0" bIns="0" anchor="ctr">
+            <a:noAutofit/>
+          </a:bodyPr>
+          <a:lstStyle/>
+          <a:p>
+            <a:endParaRPr lang="ru-RU" sz="3300" b="1" strike="noStrike" spc="-1">
               <a:solidFill>
                 <a:srgbClr val="333333"/>
               </a:solidFill>
@@ -1338,11 +1501,12 @@
           </a:prstGeom>
         </p:spPr>
         <p:txBody>
-          <a:bodyPr lIns="0" rIns="0" tIns="0" bIns="0">
-            <a:noAutofit/>
-          </a:bodyPr>
-          <a:p>
-            <a:endParaRPr b="0" lang="ru-RU" sz="2100" spc="-1" strike="noStrike">
+          <a:bodyPr lIns="0" tIns="0" rIns="0" bIns="0">
+            <a:noAutofit/>
+          </a:bodyPr>
+          <a:lstStyle/>
+          <a:p>
+            <a:endParaRPr lang="ru-RU" sz="2100" b="0" strike="noStrike" spc="-1">
               <a:solidFill>
                 <a:srgbClr val="333333"/>
               </a:solidFill>
@@ -1371,11 +1535,12 @@
           </a:prstGeom>
         </p:spPr>
         <p:txBody>
-          <a:bodyPr lIns="0" rIns="0" tIns="0" bIns="0">
-            <a:noAutofit/>
-          </a:bodyPr>
-          <a:p>
-            <a:endParaRPr b="0" lang="ru-RU" sz="2100" spc="-1" strike="noStrike">
+          <a:bodyPr lIns="0" tIns="0" rIns="0" bIns="0">
+            <a:noAutofit/>
+          </a:bodyPr>
+          <a:lstStyle/>
+          <a:p>
+            <a:endParaRPr lang="ru-RU" sz="2100" b="0" strike="noStrike" spc="-1">
               <a:solidFill>
                 <a:srgbClr val="333333"/>
               </a:solidFill>
@@ -1404,11 +1569,12 @@
           </a:prstGeom>
         </p:spPr>
         <p:txBody>
-          <a:bodyPr lIns="0" rIns="0" tIns="0" bIns="0">
-            <a:noAutofit/>
-          </a:bodyPr>
-          <a:p>
-            <a:endParaRPr b="0" lang="ru-RU" sz="2100" spc="-1" strike="noStrike">
+          <a:bodyPr lIns="0" tIns="0" rIns="0" bIns="0">
+            <a:noAutofit/>
+          </a:bodyPr>
+          <a:lstStyle/>
+          <a:p>
+            <a:endParaRPr lang="ru-RU" sz="2100" b="0" strike="noStrike" spc="-1">
               <a:solidFill>
                 <a:srgbClr val="333333"/>
               </a:solidFill>
@@ -1419,11 +1585,14 @@
       </p:sp>
     </p:spTree>
   </p:cSld>
+  <p:clrMapOvr>
+    <a:masterClrMapping/>
+  </p:clrMapOvr>
 </p:sldLayout>
 </file>
 
 <file path=ppt/slideLayouts/slideLayout21.xml><?xml version="1.0" encoding="utf-8"?>
-<p:sldLayout xmlns:a="http://schemas.openxmlformats.org/drawingml/2006/main" xmlns:p="http://schemas.openxmlformats.org/presentationml/2006/main" xmlns:r="http://schemas.openxmlformats.org/officeDocument/2006/relationships" xmlns:p14="http://schemas.microsoft.com/office/powerpoint/2010/main" xmlns:p15="http://schemas.microsoft.com/office/powerpoint/2012/main" xmlns:mc="http://schemas.openxmlformats.org/markup-compatibility/2006" type="twoObjOverTx" preserve="1">
+<p:sldLayout xmlns:a="http://schemas.openxmlformats.org/drawingml/2006/main" xmlns:r="http://schemas.openxmlformats.org/officeDocument/2006/relationships" xmlns:p="http://schemas.openxmlformats.org/presentationml/2006/main" type="twoObjOverTx" preserve="1">
   <p:cSld name="Title, 2 Content over Content">
     <p:spTree>
       <p:nvGrpSpPr>
@@ -1459,11 +1628,12 @@
           </a:prstGeom>
         </p:spPr>
         <p:txBody>
-          <a:bodyPr lIns="0" rIns="0" tIns="0" bIns="0" anchor="ctr">
-            <a:noAutofit/>
-          </a:bodyPr>
-          <a:p>
-            <a:endParaRPr b="1" lang="ru-RU" sz="3300" spc="-1" strike="noStrike">
+          <a:bodyPr lIns="0" tIns="0" rIns="0" bIns="0" anchor="ctr">
+            <a:noAutofit/>
+          </a:bodyPr>
+          <a:lstStyle/>
+          <a:p>
+            <a:endParaRPr lang="ru-RU" sz="3300" b="1" strike="noStrike" spc="-1">
               <a:solidFill>
                 <a:srgbClr val="333333"/>
               </a:solidFill>
@@ -1492,11 +1662,12 @@
           </a:prstGeom>
         </p:spPr>
         <p:txBody>
-          <a:bodyPr lIns="0" rIns="0" tIns="0" bIns="0">
-            <a:noAutofit/>
-          </a:bodyPr>
-          <a:p>
-            <a:endParaRPr b="0" lang="ru-RU" sz="2100" spc="-1" strike="noStrike">
+          <a:bodyPr lIns="0" tIns="0" rIns="0" bIns="0">
+            <a:noAutofit/>
+          </a:bodyPr>
+          <a:lstStyle/>
+          <a:p>
+            <a:endParaRPr lang="ru-RU" sz="2100" b="0" strike="noStrike" spc="-1">
               <a:solidFill>
                 <a:srgbClr val="333333"/>
               </a:solidFill>
@@ -1525,11 +1696,12 @@
           </a:prstGeom>
         </p:spPr>
         <p:txBody>
-          <a:bodyPr lIns="0" rIns="0" tIns="0" bIns="0">
-            <a:noAutofit/>
-          </a:bodyPr>
-          <a:p>
-            <a:endParaRPr b="0" lang="ru-RU" sz="2100" spc="-1" strike="noStrike">
+          <a:bodyPr lIns="0" tIns="0" rIns="0" bIns="0">
+            <a:noAutofit/>
+          </a:bodyPr>
+          <a:lstStyle/>
+          <a:p>
+            <a:endParaRPr lang="ru-RU" sz="2100" b="0" strike="noStrike" spc="-1">
               <a:solidFill>
                 <a:srgbClr val="333333"/>
               </a:solidFill>
@@ -1558,11 +1730,12 @@
           </a:prstGeom>
         </p:spPr>
         <p:txBody>
-          <a:bodyPr lIns="0" rIns="0" tIns="0" bIns="0">
-            <a:noAutofit/>
-          </a:bodyPr>
-          <a:p>
-            <a:endParaRPr b="0" lang="ru-RU" sz="2100" spc="-1" strike="noStrike">
+          <a:bodyPr lIns="0" tIns="0" rIns="0" bIns="0">
+            <a:noAutofit/>
+          </a:bodyPr>
+          <a:lstStyle/>
+          <a:p>
+            <a:endParaRPr lang="ru-RU" sz="2100" b="0" strike="noStrike" spc="-1">
               <a:solidFill>
                 <a:srgbClr val="333333"/>
               </a:solidFill>
@@ -1573,11 +1746,14 @@
       </p:sp>
     </p:spTree>
   </p:cSld>
+  <p:clrMapOvr>
+    <a:masterClrMapping/>
+  </p:clrMapOvr>
 </p:sldLayout>
 </file>
 
 <file path=ppt/slideLayouts/slideLayout22.xml><?xml version="1.0" encoding="utf-8"?>
-<p:sldLayout xmlns:a="http://schemas.openxmlformats.org/drawingml/2006/main" xmlns:p="http://schemas.openxmlformats.org/presentationml/2006/main" xmlns:r="http://schemas.openxmlformats.org/officeDocument/2006/relationships" xmlns:p14="http://schemas.microsoft.com/office/powerpoint/2010/main" xmlns:p15="http://schemas.microsoft.com/office/powerpoint/2012/main" xmlns:mc="http://schemas.openxmlformats.org/markup-compatibility/2006" type="objOverTx" preserve="1">
+<p:sldLayout xmlns:a="http://schemas.openxmlformats.org/drawingml/2006/main" xmlns:r="http://schemas.openxmlformats.org/officeDocument/2006/relationships" xmlns:p="http://schemas.openxmlformats.org/presentationml/2006/main" type="objOverTx" preserve="1">
   <p:cSld name="Title, Content over Content">
     <p:spTree>
       <p:nvGrpSpPr>
@@ -1613,11 +1789,12 @@
           </a:prstGeom>
         </p:spPr>
         <p:txBody>
-          <a:bodyPr lIns="0" rIns="0" tIns="0" bIns="0" anchor="ctr">
-            <a:noAutofit/>
-          </a:bodyPr>
-          <a:p>
-            <a:endParaRPr b="1" lang="ru-RU" sz="3300" spc="-1" strike="noStrike">
+          <a:bodyPr lIns="0" tIns="0" rIns="0" bIns="0" anchor="ctr">
+            <a:noAutofit/>
+          </a:bodyPr>
+          <a:lstStyle/>
+          <a:p>
+            <a:endParaRPr lang="ru-RU" sz="3300" b="1" strike="noStrike" spc="-1">
               <a:solidFill>
                 <a:srgbClr val="333333"/>
               </a:solidFill>
@@ -1646,11 +1823,12 @@
           </a:prstGeom>
         </p:spPr>
         <p:txBody>
-          <a:bodyPr lIns="0" rIns="0" tIns="0" bIns="0">
-            <a:noAutofit/>
-          </a:bodyPr>
-          <a:p>
-            <a:endParaRPr b="0" lang="ru-RU" sz="2100" spc="-1" strike="noStrike">
+          <a:bodyPr lIns="0" tIns="0" rIns="0" bIns="0">
+            <a:noAutofit/>
+          </a:bodyPr>
+          <a:lstStyle/>
+          <a:p>
+            <a:endParaRPr lang="ru-RU" sz="2100" b="0" strike="noStrike" spc="-1">
               <a:solidFill>
                 <a:srgbClr val="333333"/>
               </a:solidFill>
@@ -1679,11 +1857,12 @@
           </a:prstGeom>
         </p:spPr>
         <p:txBody>
-          <a:bodyPr lIns="0" rIns="0" tIns="0" bIns="0">
-            <a:noAutofit/>
-          </a:bodyPr>
-          <a:p>
-            <a:endParaRPr b="0" lang="ru-RU" sz="2100" spc="-1" strike="noStrike">
+          <a:bodyPr lIns="0" tIns="0" rIns="0" bIns="0">
+            <a:noAutofit/>
+          </a:bodyPr>
+          <a:lstStyle/>
+          <a:p>
+            <a:endParaRPr lang="ru-RU" sz="2100" b="0" strike="noStrike" spc="-1">
               <a:solidFill>
                 <a:srgbClr val="333333"/>
               </a:solidFill>
@@ -1694,11 +1873,14 @@
       </p:sp>
     </p:spTree>
   </p:cSld>
+  <p:clrMapOvr>
+    <a:masterClrMapping/>
+  </p:clrMapOvr>
 </p:sldLayout>
 </file>
 
 <file path=ppt/slideLayouts/slideLayout23.xml><?xml version="1.0" encoding="utf-8"?>
-<p:sldLayout xmlns:a="http://schemas.openxmlformats.org/drawingml/2006/main" xmlns:p="http://schemas.openxmlformats.org/presentationml/2006/main" xmlns:r="http://schemas.openxmlformats.org/officeDocument/2006/relationships" xmlns:p14="http://schemas.microsoft.com/office/powerpoint/2010/main" xmlns:p15="http://schemas.microsoft.com/office/powerpoint/2012/main" xmlns:mc="http://schemas.openxmlformats.org/markup-compatibility/2006" type="fourObj" preserve="1">
+<p:sldLayout xmlns:a="http://schemas.openxmlformats.org/drawingml/2006/main" xmlns:r="http://schemas.openxmlformats.org/officeDocument/2006/relationships" xmlns:p="http://schemas.openxmlformats.org/presentationml/2006/main" type="fourObj" preserve="1">
   <p:cSld name="Title, 4 Content">
     <p:spTree>
       <p:nvGrpSpPr>
@@ -1734,11 +1916,12 @@
           </a:prstGeom>
         </p:spPr>
         <p:txBody>
-          <a:bodyPr lIns="0" rIns="0" tIns="0" bIns="0" anchor="ctr">
-            <a:noAutofit/>
-          </a:bodyPr>
-          <a:p>
-            <a:endParaRPr b="1" lang="ru-RU" sz="3300" spc="-1" strike="noStrike">
+          <a:bodyPr lIns="0" tIns="0" rIns="0" bIns="0" anchor="ctr">
+            <a:noAutofit/>
+          </a:bodyPr>
+          <a:lstStyle/>
+          <a:p>
+            <a:endParaRPr lang="ru-RU" sz="3300" b="1" strike="noStrike" spc="-1">
               <a:solidFill>
                 <a:srgbClr val="333333"/>
               </a:solidFill>
@@ -1767,11 +1950,12 @@
           </a:prstGeom>
         </p:spPr>
         <p:txBody>
-          <a:bodyPr lIns="0" rIns="0" tIns="0" bIns="0">
-            <a:noAutofit/>
-          </a:bodyPr>
-          <a:p>
-            <a:endParaRPr b="0" lang="ru-RU" sz="2100" spc="-1" strike="noStrike">
+          <a:bodyPr lIns="0" tIns="0" rIns="0" bIns="0">
+            <a:noAutofit/>
+          </a:bodyPr>
+          <a:lstStyle/>
+          <a:p>
+            <a:endParaRPr lang="ru-RU" sz="2100" b="0" strike="noStrike" spc="-1">
               <a:solidFill>
                 <a:srgbClr val="333333"/>
               </a:solidFill>
@@ -1800,11 +1984,12 @@
           </a:prstGeom>
         </p:spPr>
         <p:txBody>
-          <a:bodyPr lIns="0" rIns="0" tIns="0" bIns="0">
-            <a:noAutofit/>
-          </a:bodyPr>
-          <a:p>
-            <a:endParaRPr b="0" lang="ru-RU" sz="2100" spc="-1" strike="noStrike">
+          <a:bodyPr lIns="0" tIns="0" rIns="0" bIns="0">
+            <a:noAutofit/>
+          </a:bodyPr>
+          <a:lstStyle/>
+          <a:p>
+            <a:endParaRPr lang="ru-RU" sz="2100" b="0" strike="noStrike" spc="-1">
               <a:solidFill>
                 <a:srgbClr val="333333"/>
               </a:solidFill>
@@ -1833,11 +2018,12 @@
           </a:prstGeom>
         </p:spPr>
         <p:txBody>
-          <a:bodyPr lIns="0" rIns="0" tIns="0" bIns="0">
-            <a:noAutofit/>
-          </a:bodyPr>
-          <a:p>
-            <a:endParaRPr b="0" lang="ru-RU" sz="2100" spc="-1" strike="noStrike">
+          <a:bodyPr lIns="0" tIns="0" rIns="0" bIns="0">
+            <a:noAutofit/>
+          </a:bodyPr>
+          <a:lstStyle/>
+          <a:p>
+            <a:endParaRPr lang="ru-RU" sz="2100" b="0" strike="noStrike" spc="-1">
               <a:solidFill>
                 <a:srgbClr val="333333"/>
               </a:solidFill>
@@ -1866,11 +2052,12 @@
           </a:prstGeom>
         </p:spPr>
         <p:txBody>
-          <a:bodyPr lIns="0" rIns="0" tIns="0" bIns="0">
-            <a:noAutofit/>
-          </a:bodyPr>
-          <a:p>
-            <a:endParaRPr b="0" lang="ru-RU" sz="2100" spc="-1" strike="noStrike">
+          <a:bodyPr lIns="0" tIns="0" rIns="0" bIns="0">
+            <a:noAutofit/>
+          </a:bodyPr>
+          <a:lstStyle/>
+          <a:p>
+            <a:endParaRPr lang="ru-RU" sz="2100" b="0" strike="noStrike" spc="-1">
               <a:solidFill>
                 <a:srgbClr val="333333"/>
               </a:solidFill>
@@ -1881,11 +2068,14 @@
       </p:sp>
     </p:spTree>
   </p:cSld>
+  <p:clrMapOvr>
+    <a:masterClrMapping/>
+  </p:clrMapOvr>
 </p:sldLayout>
 </file>
 
 <file path=ppt/slideLayouts/slideLayout24.xml><?xml version="1.0" encoding="utf-8"?>
-<p:sldLayout xmlns:a="http://schemas.openxmlformats.org/drawingml/2006/main" xmlns:p="http://schemas.openxmlformats.org/presentationml/2006/main" xmlns:r="http://schemas.openxmlformats.org/officeDocument/2006/relationships" xmlns:p14="http://schemas.microsoft.com/office/powerpoint/2010/main" xmlns:p15="http://schemas.microsoft.com/office/powerpoint/2012/main" xmlns:mc="http://schemas.openxmlformats.org/markup-compatibility/2006" type="blank" preserve="1">
+<p:sldLayout xmlns:a="http://schemas.openxmlformats.org/drawingml/2006/main" xmlns:r="http://schemas.openxmlformats.org/officeDocument/2006/relationships" xmlns:p="http://schemas.openxmlformats.org/presentationml/2006/main" type="blank" preserve="1">
   <p:cSld name="Title, 6 Content">
     <p:spTree>
       <p:nvGrpSpPr>
@@ -1921,11 +2111,12 @@
           </a:prstGeom>
         </p:spPr>
         <p:txBody>
-          <a:bodyPr lIns="0" rIns="0" tIns="0" bIns="0" anchor="ctr">
-            <a:noAutofit/>
-          </a:bodyPr>
-          <a:p>
-            <a:endParaRPr b="1" lang="ru-RU" sz="3300" spc="-1" strike="noStrike">
+          <a:bodyPr lIns="0" tIns="0" rIns="0" bIns="0" anchor="ctr">
+            <a:noAutofit/>
+          </a:bodyPr>
+          <a:lstStyle/>
+          <a:p>
+            <a:endParaRPr lang="ru-RU" sz="3300" b="1" strike="noStrike" spc="-1">
               <a:solidFill>
                 <a:srgbClr val="333333"/>
               </a:solidFill>
@@ -1954,11 +2145,12 @@
           </a:prstGeom>
         </p:spPr>
         <p:txBody>
-          <a:bodyPr lIns="0" rIns="0" tIns="0" bIns="0">
-            <a:noAutofit/>
-          </a:bodyPr>
-          <a:p>
-            <a:endParaRPr b="0" lang="ru-RU" sz="2100" spc="-1" strike="noStrike">
+          <a:bodyPr lIns="0" tIns="0" rIns="0" bIns="0">
+            <a:noAutofit/>
+          </a:bodyPr>
+          <a:lstStyle/>
+          <a:p>
+            <a:endParaRPr lang="ru-RU" sz="2100" b="0" strike="noStrike" spc="-1">
               <a:solidFill>
                 <a:srgbClr val="333333"/>
               </a:solidFill>
@@ -1987,11 +2179,12 @@
           </a:prstGeom>
         </p:spPr>
         <p:txBody>
-          <a:bodyPr lIns="0" rIns="0" tIns="0" bIns="0">
-            <a:noAutofit/>
-          </a:bodyPr>
-          <a:p>
-            <a:endParaRPr b="0" lang="ru-RU" sz="2100" spc="-1" strike="noStrike">
+          <a:bodyPr lIns="0" tIns="0" rIns="0" bIns="0">
+            <a:noAutofit/>
+          </a:bodyPr>
+          <a:lstStyle/>
+          <a:p>
+            <a:endParaRPr lang="ru-RU" sz="2100" b="0" strike="noStrike" spc="-1">
               <a:solidFill>
                 <a:srgbClr val="333333"/>
               </a:solidFill>
@@ -2020,11 +2213,12 @@
           </a:prstGeom>
         </p:spPr>
         <p:txBody>
-          <a:bodyPr lIns="0" rIns="0" tIns="0" bIns="0">
-            <a:noAutofit/>
-          </a:bodyPr>
-          <a:p>
-            <a:endParaRPr b="0" lang="ru-RU" sz="2100" spc="-1" strike="noStrike">
+          <a:bodyPr lIns="0" tIns="0" rIns="0" bIns="0">
+            <a:noAutofit/>
+          </a:bodyPr>
+          <a:lstStyle/>
+          <a:p>
+            <a:endParaRPr lang="ru-RU" sz="2100" b="0" strike="noStrike" spc="-1">
               <a:solidFill>
                 <a:srgbClr val="333333"/>
               </a:solidFill>
@@ -2053,11 +2247,12 @@
           </a:prstGeom>
         </p:spPr>
         <p:txBody>
-          <a:bodyPr lIns="0" rIns="0" tIns="0" bIns="0">
-            <a:noAutofit/>
-          </a:bodyPr>
-          <a:p>
-            <a:endParaRPr b="0" lang="ru-RU" sz="2100" spc="-1" strike="noStrike">
+          <a:bodyPr lIns="0" tIns="0" rIns="0" bIns="0">
+            <a:noAutofit/>
+          </a:bodyPr>
+          <a:lstStyle/>
+          <a:p>
+            <a:endParaRPr lang="ru-RU" sz="2100" b="0" strike="noStrike" spc="-1">
               <a:solidFill>
                 <a:srgbClr val="333333"/>
               </a:solidFill>
@@ -2086,11 +2281,12 @@
           </a:prstGeom>
         </p:spPr>
         <p:txBody>
-          <a:bodyPr lIns="0" rIns="0" tIns="0" bIns="0">
-            <a:noAutofit/>
-          </a:bodyPr>
-          <a:p>
-            <a:endParaRPr b="0" lang="ru-RU" sz="2100" spc="-1" strike="noStrike">
+          <a:bodyPr lIns="0" tIns="0" rIns="0" bIns="0">
+            <a:noAutofit/>
+          </a:bodyPr>
+          <a:lstStyle/>
+          <a:p>
+            <a:endParaRPr lang="ru-RU" sz="2100" b="0" strike="noStrike" spc="-1">
               <a:solidFill>
                 <a:srgbClr val="333333"/>
               </a:solidFill>
@@ -2119,11 +2315,12 @@
           </a:prstGeom>
         </p:spPr>
         <p:txBody>
-          <a:bodyPr lIns="0" rIns="0" tIns="0" bIns="0">
-            <a:noAutofit/>
-          </a:bodyPr>
-          <a:p>
-            <a:endParaRPr b="0" lang="ru-RU" sz="2100" spc="-1" strike="noStrike">
+          <a:bodyPr lIns="0" tIns="0" rIns="0" bIns="0">
+            <a:noAutofit/>
+          </a:bodyPr>
+          <a:lstStyle/>
+          <a:p>
+            <a:endParaRPr lang="ru-RU" sz="2100" b="0" strike="noStrike" spc="-1">
               <a:solidFill>
                 <a:srgbClr val="333333"/>
               </a:solidFill>
@@ -2134,11 +2331,14 @@
       </p:sp>
     </p:spTree>
   </p:cSld>
+  <p:clrMapOvr>
+    <a:masterClrMapping/>
+  </p:clrMapOvr>
 </p:sldLayout>
 </file>
 
 <file path=ppt/slideLayouts/slideLayout3.xml><?xml version="1.0" encoding="utf-8"?>
-<p:sldLayout xmlns:a="http://schemas.openxmlformats.org/drawingml/2006/main" xmlns:p="http://schemas.openxmlformats.org/presentationml/2006/main" xmlns:r="http://schemas.openxmlformats.org/officeDocument/2006/relationships" xmlns:p14="http://schemas.microsoft.com/office/powerpoint/2010/main" xmlns:p15="http://schemas.microsoft.com/office/powerpoint/2012/main" xmlns:mc="http://schemas.openxmlformats.org/markup-compatibility/2006" type="obj" preserve="1">
+<p:sldLayout xmlns:a="http://schemas.openxmlformats.org/drawingml/2006/main" xmlns:r="http://schemas.openxmlformats.org/officeDocument/2006/relationships" xmlns:p="http://schemas.openxmlformats.org/presentationml/2006/main" type="obj" preserve="1">
   <p:cSld name="Title, Content">
     <p:spTree>
       <p:nvGrpSpPr>
@@ -2174,11 +2374,12 @@
           </a:prstGeom>
         </p:spPr>
         <p:txBody>
-          <a:bodyPr lIns="0" rIns="0" tIns="0" bIns="0" anchor="ctr">
-            <a:noAutofit/>
-          </a:bodyPr>
-          <a:p>
-            <a:endParaRPr b="1" lang="ru-RU" sz="3300" spc="-1" strike="noStrike">
+          <a:bodyPr lIns="0" tIns="0" rIns="0" bIns="0" anchor="ctr">
+            <a:noAutofit/>
+          </a:bodyPr>
+          <a:lstStyle/>
+          <a:p>
+            <a:endParaRPr lang="ru-RU" sz="3300" b="1" strike="noStrike" spc="-1">
               <a:solidFill>
                 <a:srgbClr val="333333"/>
               </a:solidFill>
@@ -2207,11 +2408,12 @@
           </a:prstGeom>
         </p:spPr>
         <p:txBody>
-          <a:bodyPr lIns="0" rIns="0" tIns="0" bIns="0">
-            <a:noAutofit/>
-          </a:bodyPr>
-          <a:p>
-            <a:endParaRPr b="0" lang="ru-RU" sz="2100" spc="-1" strike="noStrike">
+          <a:bodyPr lIns="0" tIns="0" rIns="0" bIns="0">
+            <a:noAutofit/>
+          </a:bodyPr>
+          <a:lstStyle/>
+          <a:p>
+            <a:endParaRPr lang="ru-RU" sz="2100" b="0" strike="noStrike" spc="-1">
               <a:solidFill>
                 <a:srgbClr val="333333"/>
               </a:solidFill>
@@ -2222,11 +2424,14 @@
       </p:sp>
     </p:spTree>
   </p:cSld>
+  <p:clrMapOvr>
+    <a:masterClrMapping/>
+  </p:clrMapOvr>
 </p:sldLayout>
 </file>
 
 <file path=ppt/slideLayouts/slideLayout4.xml><?xml version="1.0" encoding="utf-8"?>
-<p:sldLayout xmlns:a="http://schemas.openxmlformats.org/drawingml/2006/main" xmlns:p="http://schemas.openxmlformats.org/presentationml/2006/main" xmlns:r="http://schemas.openxmlformats.org/officeDocument/2006/relationships" xmlns:p14="http://schemas.microsoft.com/office/powerpoint/2010/main" xmlns:p15="http://schemas.microsoft.com/office/powerpoint/2012/main" xmlns:mc="http://schemas.openxmlformats.org/markup-compatibility/2006" type="twoObj" preserve="1">
+<p:sldLayout xmlns:a="http://schemas.openxmlformats.org/drawingml/2006/main" xmlns:r="http://schemas.openxmlformats.org/officeDocument/2006/relationships" xmlns:p="http://schemas.openxmlformats.org/presentationml/2006/main" type="twoObj" preserve="1">
   <p:cSld name="Title, 2 Content">
     <p:spTree>
       <p:nvGrpSpPr>
@@ -2262,11 +2467,12 @@
           </a:prstGeom>
         </p:spPr>
         <p:txBody>
-          <a:bodyPr lIns="0" rIns="0" tIns="0" bIns="0" anchor="ctr">
-            <a:noAutofit/>
-          </a:bodyPr>
-          <a:p>
-            <a:endParaRPr b="1" lang="ru-RU" sz="3300" spc="-1" strike="noStrike">
+          <a:bodyPr lIns="0" tIns="0" rIns="0" bIns="0" anchor="ctr">
+            <a:noAutofit/>
+          </a:bodyPr>
+          <a:lstStyle/>
+          <a:p>
+            <a:endParaRPr lang="ru-RU" sz="3300" b="1" strike="noStrike" spc="-1">
               <a:solidFill>
                 <a:srgbClr val="333333"/>
               </a:solidFill>
@@ -2295,11 +2501,12 @@
           </a:prstGeom>
         </p:spPr>
         <p:txBody>
-          <a:bodyPr lIns="0" rIns="0" tIns="0" bIns="0">
-            <a:noAutofit/>
-          </a:bodyPr>
-          <a:p>
-            <a:endParaRPr b="0" lang="ru-RU" sz="2100" spc="-1" strike="noStrike">
+          <a:bodyPr lIns="0" tIns="0" rIns="0" bIns="0">
+            <a:noAutofit/>
+          </a:bodyPr>
+          <a:lstStyle/>
+          <a:p>
+            <a:endParaRPr lang="ru-RU" sz="2100" b="0" strike="noStrike" spc="-1">
               <a:solidFill>
                 <a:srgbClr val="333333"/>
               </a:solidFill>
@@ -2328,11 +2535,12 @@
           </a:prstGeom>
         </p:spPr>
         <p:txBody>
-          <a:bodyPr lIns="0" rIns="0" tIns="0" bIns="0">
-            <a:noAutofit/>
-          </a:bodyPr>
-          <a:p>
-            <a:endParaRPr b="0" lang="ru-RU" sz="2100" spc="-1" strike="noStrike">
+          <a:bodyPr lIns="0" tIns="0" rIns="0" bIns="0">
+            <a:noAutofit/>
+          </a:bodyPr>
+          <a:lstStyle/>
+          <a:p>
+            <a:endParaRPr lang="ru-RU" sz="2100" b="0" strike="noStrike" spc="-1">
               <a:solidFill>
                 <a:srgbClr val="333333"/>
               </a:solidFill>
@@ -2343,11 +2551,14 @@
       </p:sp>
     </p:spTree>
   </p:cSld>
+  <p:clrMapOvr>
+    <a:masterClrMapping/>
+  </p:clrMapOvr>
 </p:sldLayout>
 </file>
 
 <file path=ppt/slideLayouts/slideLayout5.xml><?xml version="1.0" encoding="utf-8"?>
-<p:sldLayout xmlns:a="http://schemas.openxmlformats.org/drawingml/2006/main" xmlns:p="http://schemas.openxmlformats.org/presentationml/2006/main" xmlns:r="http://schemas.openxmlformats.org/officeDocument/2006/relationships" xmlns:p14="http://schemas.microsoft.com/office/powerpoint/2010/main" xmlns:p15="http://schemas.microsoft.com/office/powerpoint/2012/main" xmlns:mc="http://schemas.openxmlformats.org/markup-compatibility/2006" type="titleOnly" preserve="1">
+<p:sldLayout xmlns:a="http://schemas.openxmlformats.org/drawingml/2006/main" xmlns:r="http://schemas.openxmlformats.org/officeDocument/2006/relationships" xmlns:p="http://schemas.openxmlformats.org/presentationml/2006/main" type="titleOnly" preserve="1">
   <p:cSld name="Title Only">
     <p:spTree>
       <p:nvGrpSpPr>
@@ -2383,11 +2594,12 @@
           </a:prstGeom>
         </p:spPr>
         <p:txBody>
-          <a:bodyPr lIns="0" rIns="0" tIns="0" bIns="0" anchor="ctr">
-            <a:noAutofit/>
-          </a:bodyPr>
-          <a:p>
-            <a:endParaRPr b="1" lang="ru-RU" sz="3300" spc="-1" strike="noStrike">
+          <a:bodyPr lIns="0" tIns="0" rIns="0" bIns="0" anchor="ctr">
+            <a:noAutofit/>
+          </a:bodyPr>
+          <a:lstStyle/>
+          <a:p>
+            <a:endParaRPr lang="ru-RU" sz="3300" b="1" strike="noStrike" spc="-1">
               <a:solidFill>
                 <a:srgbClr val="333333"/>
               </a:solidFill>
@@ -2398,11 +2610,14 @@
       </p:sp>
     </p:spTree>
   </p:cSld>
+  <p:clrMapOvr>
+    <a:masterClrMapping/>
+  </p:clrMapOvr>
 </p:sldLayout>
 </file>
 
 <file path=ppt/slideLayouts/slideLayout6.xml><?xml version="1.0" encoding="utf-8"?>
-<p:sldLayout xmlns:a="http://schemas.openxmlformats.org/drawingml/2006/main" xmlns:p="http://schemas.openxmlformats.org/presentationml/2006/main" xmlns:r="http://schemas.openxmlformats.org/officeDocument/2006/relationships" xmlns:p14="http://schemas.microsoft.com/office/powerpoint/2010/main" xmlns:p15="http://schemas.microsoft.com/office/powerpoint/2012/main" xmlns:mc="http://schemas.openxmlformats.org/markup-compatibility/2006" type="objOnly" preserve="1">
+<p:sldLayout xmlns:a="http://schemas.openxmlformats.org/drawingml/2006/main" xmlns:r="http://schemas.openxmlformats.org/officeDocument/2006/relationships" xmlns:p="http://schemas.openxmlformats.org/presentationml/2006/main" type="objOnly" preserve="1">
   <p:cSld name="Centered Text">
     <p:spTree>
       <p:nvGrpSpPr>
@@ -2438,12 +2653,13 @@
           </a:prstGeom>
         </p:spPr>
         <p:txBody>
-          <a:bodyPr lIns="0" rIns="0" tIns="0" bIns="0" anchor="ctr">
-            <a:noAutofit/>
-          </a:bodyPr>
+          <a:bodyPr lIns="0" tIns="0" rIns="0" bIns="0" anchor="ctr">
+            <a:noAutofit/>
+          </a:bodyPr>
+          <a:lstStyle/>
           <a:p>
             <a:pPr algn="ctr"/>
-            <a:endParaRPr b="0" lang="ru-RU" sz="3200" spc="-1" strike="noStrike">
+            <a:endParaRPr lang="ru-RU" sz="3200" b="0" strike="noStrike" spc="-1">
               <a:latin typeface="Arial"/>
             </a:endParaRPr>
           </a:p>
@@ -2451,11 +2667,14 @@
       </p:sp>
     </p:spTree>
   </p:cSld>
+  <p:clrMapOvr>
+    <a:masterClrMapping/>
+  </p:clrMapOvr>
 </p:sldLayout>
 </file>
 
 <file path=ppt/slideLayouts/slideLayout7.xml><?xml version="1.0" encoding="utf-8"?>
-<p:sldLayout xmlns:a="http://schemas.openxmlformats.org/drawingml/2006/main" xmlns:p="http://schemas.openxmlformats.org/presentationml/2006/main" xmlns:r="http://schemas.openxmlformats.org/officeDocument/2006/relationships" xmlns:p14="http://schemas.microsoft.com/office/powerpoint/2010/main" xmlns:p15="http://schemas.microsoft.com/office/powerpoint/2012/main" xmlns:mc="http://schemas.openxmlformats.org/markup-compatibility/2006" type="twoObjAndObj" preserve="1">
+<p:sldLayout xmlns:a="http://schemas.openxmlformats.org/drawingml/2006/main" xmlns:r="http://schemas.openxmlformats.org/officeDocument/2006/relationships" xmlns:p="http://schemas.openxmlformats.org/presentationml/2006/main" type="twoObjAndObj" preserve="1">
   <p:cSld name="Title, 2 Content and Content">
     <p:spTree>
       <p:nvGrpSpPr>
@@ -2491,11 +2710,12 @@
           </a:prstGeom>
         </p:spPr>
         <p:txBody>
-          <a:bodyPr lIns="0" rIns="0" tIns="0" bIns="0" anchor="ctr">
-            <a:noAutofit/>
-          </a:bodyPr>
-          <a:p>
-            <a:endParaRPr b="1" lang="ru-RU" sz="3300" spc="-1" strike="noStrike">
+          <a:bodyPr lIns="0" tIns="0" rIns="0" bIns="0" anchor="ctr">
+            <a:noAutofit/>
+          </a:bodyPr>
+          <a:lstStyle/>
+          <a:p>
+            <a:endParaRPr lang="ru-RU" sz="3300" b="1" strike="noStrike" spc="-1">
               <a:solidFill>
                 <a:srgbClr val="333333"/>
               </a:solidFill>
@@ -2524,11 +2744,12 @@
           </a:prstGeom>
         </p:spPr>
         <p:txBody>
-          <a:bodyPr lIns="0" rIns="0" tIns="0" bIns="0">
-            <a:noAutofit/>
-          </a:bodyPr>
-          <a:p>
-            <a:endParaRPr b="0" lang="ru-RU" sz="2100" spc="-1" strike="noStrike">
+          <a:bodyPr lIns="0" tIns="0" rIns="0" bIns="0">
+            <a:noAutofit/>
+          </a:bodyPr>
+          <a:lstStyle/>
+          <a:p>
+            <a:endParaRPr lang="ru-RU" sz="2100" b="0" strike="noStrike" spc="-1">
               <a:solidFill>
                 <a:srgbClr val="333333"/>
               </a:solidFill>
@@ -2557,11 +2778,12 @@
           </a:prstGeom>
         </p:spPr>
         <p:txBody>
-          <a:bodyPr lIns="0" rIns="0" tIns="0" bIns="0">
-            <a:noAutofit/>
-          </a:bodyPr>
-          <a:p>
-            <a:endParaRPr b="0" lang="ru-RU" sz="2100" spc="-1" strike="noStrike">
+          <a:bodyPr lIns="0" tIns="0" rIns="0" bIns="0">
+            <a:noAutofit/>
+          </a:bodyPr>
+          <a:lstStyle/>
+          <a:p>
+            <a:endParaRPr lang="ru-RU" sz="2100" b="0" strike="noStrike" spc="-1">
               <a:solidFill>
                 <a:srgbClr val="333333"/>
               </a:solidFill>
@@ -2590,11 +2812,12 @@
           </a:prstGeom>
         </p:spPr>
         <p:txBody>
-          <a:bodyPr lIns="0" rIns="0" tIns="0" bIns="0">
-            <a:noAutofit/>
-          </a:bodyPr>
-          <a:p>
-            <a:endParaRPr b="0" lang="ru-RU" sz="2100" spc="-1" strike="noStrike">
+          <a:bodyPr lIns="0" tIns="0" rIns="0" bIns="0">
+            <a:noAutofit/>
+          </a:bodyPr>
+          <a:lstStyle/>
+          <a:p>
+            <a:endParaRPr lang="ru-RU" sz="2100" b="0" strike="noStrike" spc="-1">
               <a:solidFill>
                 <a:srgbClr val="333333"/>
               </a:solidFill>
@@ -2605,11 +2828,14 @@
       </p:sp>
     </p:spTree>
   </p:cSld>
+  <p:clrMapOvr>
+    <a:masterClrMapping/>
+  </p:clrMapOvr>
 </p:sldLayout>
 </file>
 
 <file path=ppt/slideLayouts/slideLayout8.xml><?xml version="1.0" encoding="utf-8"?>
-<p:sldLayout xmlns:a="http://schemas.openxmlformats.org/drawingml/2006/main" xmlns:p="http://schemas.openxmlformats.org/presentationml/2006/main" xmlns:r="http://schemas.openxmlformats.org/officeDocument/2006/relationships" xmlns:p14="http://schemas.microsoft.com/office/powerpoint/2010/main" xmlns:p15="http://schemas.microsoft.com/office/powerpoint/2012/main" xmlns:mc="http://schemas.openxmlformats.org/markup-compatibility/2006" type="objAndTwoObj" preserve="1">
+<p:sldLayout xmlns:a="http://schemas.openxmlformats.org/drawingml/2006/main" xmlns:r="http://schemas.openxmlformats.org/officeDocument/2006/relationships" xmlns:p="http://schemas.openxmlformats.org/presentationml/2006/main" type="objAndTwoObj" preserve="1">
   <p:cSld name="Title Content and 2 Content">
     <p:spTree>
       <p:nvGrpSpPr>
@@ -2645,11 +2871,12 @@
           </a:prstGeom>
         </p:spPr>
         <p:txBody>
-          <a:bodyPr lIns="0" rIns="0" tIns="0" bIns="0" anchor="ctr">
-            <a:noAutofit/>
-          </a:bodyPr>
-          <a:p>
-            <a:endParaRPr b="1" lang="ru-RU" sz="3300" spc="-1" strike="noStrike">
+          <a:bodyPr lIns="0" tIns="0" rIns="0" bIns="0" anchor="ctr">
+            <a:noAutofit/>
+          </a:bodyPr>
+          <a:lstStyle/>
+          <a:p>
+            <a:endParaRPr lang="ru-RU" sz="3300" b="1" strike="noStrike" spc="-1">
               <a:solidFill>
                 <a:srgbClr val="333333"/>
               </a:solidFill>
@@ -2678,11 +2905,12 @@
           </a:prstGeom>
         </p:spPr>
         <p:txBody>
-          <a:bodyPr lIns="0" rIns="0" tIns="0" bIns="0">
-            <a:noAutofit/>
-          </a:bodyPr>
-          <a:p>
-            <a:endParaRPr b="0" lang="ru-RU" sz="2100" spc="-1" strike="noStrike">
+          <a:bodyPr lIns="0" tIns="0" rIns="0" bIns="0">
+            <a:noAutofit/>
+          </a:bodyPr>
+          <a:lstStyle/>
+          <a:p>
+            <a:endParaRPr lang="ru-RU" sz="2100" b="0" strike="noStrike" spc="-1">
               <a:solidFill>
                 <a:srgbClr val="333333"/>
               </a:solidFill>
@@ -2711,11 +2939,12 @@
           </a:prstGeom>
         </p:spPr>
         <p:txBody>
-          <a:bodyPr lIns="0" rIns="0" tIns="0" bIns="0">
-            <a:noAutofit/>
-          </a:bodyPr>
-          <a:p>
-            <a:endParaRPr b="0" lang="ru-RU" sz="2100" spc="-1" strike="noStrike">
+          <a:bodyPr lIns="0" tIns="0" rIns="0" bIns="0">
+            <a:noAutofit/>
+          </a:bodyPr>
+          <a:lstStyle/>
+          <a:p>
+            <a:endParaRPr lang="ru-RU" sz="2100" b="0" strike="noStrike" spc="-1">
               <a:solidFill>
                 <a:srgbClr val="333333"/>
               </a:solidFill>
@@ -2744,11 +2973,12 @@
           </a:prstGeom>
         </p:spPr>
         <p:txBody>
-          <a:bodyPr lIns="0" rIns="0" tIns="0" bIns="0">
-            <a:noAutofit/>
-          </a:bodyPr>
-          <a:p>
-            <a:endParaRPr b="0" lang="ru-RU" sz="2100" spc="-1" strike="noStrike">
+          <a:bodyPr lIns="0" tIns="0" rIns="0" bIns="0">
+            <a:noAutofit/>
+          </a:bodyPr>
+          <a:lstStyle/>
+          <a:p>
+            <a:endParaRPr lang="ru-RU" sz="2100" b="0" strike="noStrike" spc="-1">
               <a:solidFill>
                 <a:srgbClr val="333333"/>
               </a:solidFill>
@@ -2759,11 +2989,14 @@
       </p:sp>
     </p:spTree>
   </p:cSld>
+  <p:clrMapOvr>
+    <a:masterClrMapping/>
+  </p:clrMapOvr>
 </p:sldLayout>
 </file>
 
 <file path=ppt/slideLayouts/slideLayout9.xml><?xml version="1.0" encoding="utf-8"?>
-<p:sldLayout xmlns:a="http://schemas.openxmlformats.org/drawingml/2006/main" xmlns:p="http://schemas.openxmlformats.org/presentationml/2006/main" xmlns:r="http://schemas.openxmlformats.org/officeDocument/2006/relationships" xmlns:p14="http://schemas.microsoft.com/office/powerpoint/2010/main" xmlns:p15="http://schemas.microsoft.com/office/powerpoint/2012/main" xmlns:mc="http://schemas.openxmlformats.org/markup-compatibility/2006" type="twoObjOverTx" preserve="1">
+<p:sldLayout xmlns:a="http://schemas.openxmlformats.org/drawingml/2006/main" xmlns:r="http://schemas.openxmlformats.org/officeDocument/2006/relationships" xmlns:p="http://schemas.openxmlformats.org/presentationml/2006/main" type="twoObjOverTx" preserve="1">
   <p:cSld name="Title, 2 Content over Content">
     <p:spTree>
       <p:nvGrpSpPr>
@@ -2799,11 +3032,12 @@
           </a:prstGeom>
         </p:spPr>
         <p:txBody>
-          <a:bodyPr lIns="0" rIns="0" tIns="0" bIns="0" anchor="ctr">
-            <a:noAutofit/>
-          </a:bodyPr>
-          <a:p>
-            <a:endParaRPr b="1" lang="ru-RU" sz="3300" spc="-1" strike="noStrike">
+          <a:bodyPr lIns="0" tIns="0" rIns="0" bIns="0" anchor="ctr">
+            <a:noAutofit/>
+          </a:bodyPr>
+          <a:lstStyle/>
+          <a:p>
+            <a:endParaRPr lang="ru-RU" sz="3300" b="1" strike="noStrike" spc="-1">
               <a:solidFill>
                 <a:srgbClr val="333333"/>
               </a:solidFill>
@@ -2832,11 +3066,12 @@
           </a:prstGeom>
         </p:spPr>
         <p:txBody>
-          <a:bodyPr lIns="0" rIns="0" tIns="0" bIns="0">
-            <a:noAutofit/>
-          </a:bodyPr>
-          <a:p>
-            <a:endParaRPr b="0" lang="ru-RU" sz="2100" spc="-1" strike="noStrike">
+          <a:bodyPr lIns="0" tIns="0" rIns="0" bIns="0">
+            <a:noAutofit/>
+          </a:bodyPr>
+          <a:lstStyle/>
+          <a:p>
+            <a:endParaRPr lang="ru-RU" sz="2100" b="0" strike="noStrike" spc="-1">
               <a:solidFill>
                 <a:srgbClr val="333333"/>
               </a:solidFill>
@@ -2865,11 +3100,12 @@
           </a:prstGeom>
         </p:spPr>
         <p:txBody>
-          <a:bodyPr lIns="0" rIns="0" tIns="0" bIns="0">
-            <a:noAutofit/>
-          </a:bodyPr>
-          <a:p>
-            <a:endParaRPr b="0" lang="ru-RU" sz="2100" spc="-1" strike="noStrike">
+          <a:bodyPr lIns="0" tIns="0" rIns="0" bIns="0">
+            <a:noAutofit/>
+          </a:bodyPr>
+          <a:lstStyle/>
+          <a:p>
+            <a:endParaRPr lang="ru-RU" sz="2100" b="0" strike="noStrike" spc="-1">
               <a:solidFill>
                 <a:srgbClr val="333333"/>
               </a:solidFill>
@@ -2898,11 +3134,12 @@
           </a:prstGeom>
         </p:spPr>
         <p:txBody>
-          <a:bodyPr lIns="0" rIns="0" tIns="0" bIns="0">
-            <a:noAutofit/>
-          </a:bodyPr>
-          <a:p>
-            <a:endParaRPr b="0" lang="ru-RU" sz="2100" spc="-1" strike="noStrike">
+          <a:bodyPr lIns="0" tIns="0" rIns="0" bIns="0">
+            <a:noAutofit/>
+          </a:bodyPr>
+          <a:lstStyle/>
+          <a:p>
+            <a:endParaRPr lang="ru-RU" sz="2100" b="0" strike="noStrike" spc="-1">
               <a:solidFill>
                 <a:srgbClr val="333333"/>
               </a:solidFill>
@@ -2913,11 +3150,1398 @@
       </p:sp>
     </p:spTree>
   </p:cSld>
+  <p:clrMapOvr>
+    <a:masterClrMapping/>
+  </p:clrMapOvr>
 </p:sldLayout>
 </file>
 
 <file path=ppt/slideMasters/slideMaster1.xml><?xml version="1.0" encoding="utf-8"?>
-<p:sldMaster xmlns:a="http://schemas.openxmlformats.org/drawingml/2006/main" xmlns:p="http://schemas.openxmlformats.org/presentationml/2006/main" xmlns:r="http://schemas.openxmlformats.org/officeDocument/2006/relationships" xmlns:p14="http://schemas.microsoft.com/office/powerpoint/2010/main" xmlns:p15="http://schemas.microsoft.com/office/powerpoint/2012/main" xmlns:mc="http://schemas.openxmlformats.org/markup-compatibility/2006">
+<p:sldMaster xmlns:a="http://schemas.openxmlformats.org/drawingml/2006/main" xmlns:r="http://schemas.openxmlformats.org/officeDocument/2006/relationships" xmlns:p="http://schemas.openxmlformats.org/presentationml/2006/main">
+  <p:cSld>
+    <p:bg>
+      <p:bgRef idx="1001">
+        <a:schemeClr val="bg1"/>
+      </p:bgRef>
+    </p:bg>
+    <p:spTree>
+      <p:nvGrpSpPr>
+        <p:cNvPr id="1" name=""/>
+        <p:cNvGrpSpPr/>
+        <p:nvPr/>
+      </p:nvGrpSpPr>
+      <p:grpSpPr>
+        <a:xfrm>
+          <a:off x="0" y="0"/>
+          <a:ext cx="0" cy="0"/>
+          <a:chOff x="0" y="0"/>
+          <a:chExt cx="0" cy="0"/>
+        </a:xfrm>
+      </p:grpSpPr>
+      <p:sp>
+        <p:nvSpPr>
+          <p:cNvPr id="6" name="PlaceHolder 1"/>
+          <p:cNvSpPr>
+            <a:spLocks noGrp="1"/>
+          </p:cNvSpPr>
+          <p:nvPr>
+            <p:ph type="title"/>
+          </p:nvPr>
+        </p:nvSpPr>
+        <p:spPr>
+          <a:xfrm>
+            <a:off x="720000" y="3060000"/>
+            <a:ext cx="8640000" cy="1080000"/>
+          </a:xfrm>
+          <a:prstGeom prst="rect">
+            <a:avLst/>
+          </a:prstGeom>
+        </p:spPr>
+        <p:txBody>
+          <a:bodyPr lIns="0" tIns="0" rIns="0" bIns="0" anchor="ctr">
+            <a:normAutofit/>
+          </a:bodyPr>
+          <a:lstStyle/>
+          <a:p>
+            <a:r>
+              <a:rPr lang="ru-RU" sz="3600" b="1" strike="noStrike" spc="-1">
+                <a:solidFill>
+                  <a:srgbClr val="333333"/>
+                </a:solidFill>
+                <a:latin typeface="Noto Sans Regular"/>
+              </a:rPr>
+              <a:t>Для правки текста заглавия щёлкните мышью</a:t>
+            </a:r>
+          </a:p>
+        </p:txBody>
+      </p:sp>
+      <p:sp>
+        <p:nvSpPr>
+          <p:cNvPr id="7" name="PlaceHolder 2"/>
+          <p:cNvSpPr>
+            <a:spLocks noGrp="1"/>
+          </p:cNvSpPr>
+          <p:nvPr>
+            <p:ph type="body"/>
+          </p:nvPr>
+        </p:nvSpPr>
+        <p:spPr>
+          <a:xfrm>
+            <a:off x="720000" y="4320000"/>
+            <a:ext cx="8640000" cy="720000"/>
+          </a:xfrm>
+          <a:prstGeom prst="rect">
+            <a:avLst/>
+          </a:prstGeom>
+        </p:spPr>
+        <p:txBody>
+          <a:bodyPr lIns="0" tIns="0" rIns="0" bIns="0">
+            <a:normAutofit fontScale="15000"/>
+          </a:bodyPr>
+          <a:lstStyle/>
+          <a:p>
+            <a:pPr marL="432000" indent="-324000">
+              <a:spcAft>
+                <a:spcPts val="1409"/>
+              </a:spcAft>
+              <a:buClr>
+                <a:srgbClr val="333333"/>
+              </a:buClr>
+              <a:buSzPct val="45000"/>
+              <a:buFont typeface="Wingdings" charset="2"/>
+              <a:buChar char=""/>
+            </a:pPr>
+            <a:r>
+              <a:rPr lang="ru-RU" sz="1800" b="0" strike="noStrike" spc="-1">
+                <a:solidFill>
+                  <a:srgbClr val="333333"/>
+                </a:solidFill>
+                <a:latin typeface="Noto Sans Bold"/>
+              </a:rPr>
+              <a:t>Для правки структуры щёлкните мышью</a:t>
+            </a:r>
+          </a:p>
+          <a:p>
+            <a:pPr marL="864000" lvl="1" indent="-324000">
+              <a:spcAft>
+                <a:spcPts val="1120"/>
+              </a:spcAft>
+              <a:buClr>
+                <a:srgbClr val="FFFFFF"/>
+              </a:buClr>
+              <a:buSzPct val="75000"/>
+              <a:buFont typeface="Symbol" charset="2"/>
+              <a:buChar char=""/>
+            </a:pPr>
+            <a:r>
+              <a:rPr lang="ru-RU" sz="1800" b="0" strike="noStrike" spc="-1">
+                <a:solidFill>
+                  <a:srgbClr val="333333"/>
+                </a:solidFill>
+                <a:latin typeface="Noto Sans Bold"/>
+              </a:rPr>
+              <a:t>Второй уровень структуры</a:t>
+            </a:r>
+          </a:p>
+          <a:p>
+            <a:pPr marL="1296000" lvl="2" indent="-288000">
+              <a:spcAft>
+                <a:spcPts val="839"/>
+              </a:spcAft>
+              <a:buClr>
+                <a:srgbClr val="FFFFFF"/>
+              </a:buClr>
+              <a:buSzPct val="45000"/>
+              <a:buFont typeface="Wingdings" charset="2"/>
+              <a:buChar char=""/>
+            </a:pPr>
+            <a:r>
+              <a:rPr lang="ru-RU" sz="1800" b="0" strike="noStrike" spc="-1">
+                <a:solidFill>
+                  <a:srgbClr val="333333"/>
+                </a:solidFill>
+                <a:latin typeface="Noto Sans Bold"/>
+              </a:rPr>
+              <a:t>Третий уровень структуры</a:t>
+            </a:r>
+          </a:p>
+          <a:p>
+            <a:pPr marL="1728000" lvl="3" indent="-216000">
+              <a:spcAft>
+                <a:spcPts val="556"/>
+              </a:spcAft>
+              <a:buClr>
+                <a:srgbClr val="FFFFFF"/>
+              </a:buClr>
+              <a:buSzPct val="75000"/>
+              <a:buFont typeface="Symbol" charset="2"/>
+              <a:buChar char=""/>
+            </a:pPr>
+            <a:r>
+              <a:rPr lang="ru-RU" sz="1800" b="0" strike="noStrike" spc="-1">
+                <a:solidFill>
+                  <a:srgbClr val="333333"/>
+                </a:solidFill>
+                <a:latin typeface="Noto Sans Bold"/>
+              </a:rPr>
+              <a:t>Четвёртый уровень структуры</a:t>
+            </a:r>
+          </a:p>
+          <a:p>
+            <a:pPr marL="2160000" lvl="4" indent="-216000">
+              <a:spcAft>
+                <a:spcPts val="272"/>
+              </a:spcAft>
+              <a:buClr>
+                <a:srgbClr val="FFFFFF"/>
+              </a:buClr>
+              <a:buSzPct val="45000"/>
+              <a:buFont typeface="Wingdings" charset="2"/>
+              <a:buChar char=""/>
+            </a:pPr>
+            <a:r>
+              <a:rPr lang="ru-RU" sz="1800" b="0" strike="noStrike" spc="-1">
+                <a:solidFill>
+                  <a:srgbClr val="333333"/>
+                </a:solidFill>
+                <a:latin typeface="Noto Sans Bold"/>
+              </a:rPr>
+              <a:t>Пятый уровень структуры</a:t>
+            </a:r>
+          </a:p>
+          <a:p>
+            <a:pPr marL="2592000" lvl="5" indent="-216000">
+              <a:spcAft>
+                <a:spcPts val="272"/>
+              </a:spcAft>
+              <a:buClr>
+                <a:srgbClr val="FFFFFF"/>
+              </a:buClr>
+              <a:buSzPct val="45000"/>
+              <a:buFont typeface="Wingdings" charset="2"/>
+              <a:buChar char=""/>
+            </a:pPr>
+            <a:r>
+              <a:rPr lang="ru-RU" sz="1800" b="0" strike="noStrike" spc="-1">
+                <a:solidFill>
+                  <a:srgbClr val="333333"/>
+                </a:solidFill>
+                <a:latin typeface="Noto Sans Bold"/>
+              </a:rPr>
+              <a:t>Шестой уровень структуры</a:t>
+            </a:r>
+          </a:p>
+          <a:p>
+            <a:pPr marL="3024000" lvl="6" indent="-216000">
+              <a:spcAft>
+                <a:spcPts val="272"/>
+              </a:spcAft>
+              <a:buClr>
+                <a:srgbClr val="FFFFFF"/>
+              </a:buClr>
+              <a:buSzPct val="45000"/>
+              <a:buFont typeface="Wingdings" charset="2"/>
+              <a:buChar char=""/>
+            </a:pPr>
+            <a:r>
+              <a:rPr lang="ru-RU" sz="1800" b="0" strike="noStrike" spc="-1">
+                <a:solidFill>
+                  <a:srgbClr val="333333"/>
+                </a:solidFill>
+                <a:latin typeface="Noto Sans Bold"/>
+              </a:rPr>
+              <a:t>Седьмой уровень структуры</a:t>
+            </a:r>
+          </a:p>
+        </p:txBody>
+      </p:sp>
+      <p:sp>
+        <p:nvSpPr>
+          <p:cNvPr id="2" name="PlaceHolder 3"/>
+          <p:cNvSpPr>
+            <a:spLocks noGrp="1"/>
+          </p:cNvSpPr>
+          <p:nvPr>
+            <p:ph type="dt"/>
+          </p:nvPr>
+        </p:nvSpPr>
+        <p:spPr>
+          <a:xfrm>
+            <a:off x="540000" y="5220000"/>
+            <a:ext cx="2340000" cy="396000"/>
+          </a:xfrm>
+          <a:prstGeom prst="rect">
+            <a:avLst/>
+          </a:prstGeom>
+        </p:spPr>
+        <p:txBody>
+          <a:bodyPr lIns="0" tIns="0" rIns="0" bIns="0">
+            <a:noAutofit/>
+          </a:bodyPr>
+          <a:lstStyle/>
+          <a:p>
+            <a:r>
+              <a:rPr lang="ru-RU" sz="1400" b="0" strike="noStrike" spc="-1">
+                <a:latin typeface="Noto Sans Regular"/>
+              </a:rPr>
+              <a:t>&lt;дата/время&gt;</a:t>
+            </a:r>
+          </a:p>
+        </p:txBody>
+      </p:sp>
+      <p:sp>
+        <p:nvSpPr>
+          <p:cNvPr id="3" name="PlaceHolder 4"/>
+          <p:cNvSpPr>
+            <a:spLocks noGrp="1"/>
+          </p:cNvSpPr>
+          <p:nvPr>
+            <p:ph type="ftr"/>
+          </p:nvPr>
+        </p:nvSpPr>
+        <p:spPr>
+          <a:xfrm>
+            <a:off x="3420000" y="5220000"/>
+            <a:ext cx="3240000" cy="396000"/>
+          </a:xfrm>
+          <a:prstGeom prst="rect">
+            <a:avLst/>
+          </a:prstGeom>
+        </p:spPr>
+        <p:txBody>
+          <a:bodyPr lIns="0" tIns="0" rIns="0" bIns="0">
+            <a:noAutofit/>
+          </a:bodyPr>
+          <a:lstStyle/>
+          <a:p>
+            <a:pPr algn="ctr"/>
+            <a:r>
+              <a:rPr lang="ru-RU" sz="1400" b="0" strike="noStrike" spc="-1">
+                <a:latin typeface="Noto Sans Regular"/>
+              </a:rPr>
+              <a:t>&lt;нижний колонтитул&gt;</a:t>
+            </a:r>
+          </a:p>
+        </p:txBody>
+      </p:sp>
+      <p:sp>
+        <p:nvSpPr>
+          <p:cNvPr id="4" name="PlaceHolder 5"/>
+          <p:cNvSpPr>
+            <a:spLocks noGrp="1"/>
+          </p:cNvSpPr>
+          <p:nvPr>
+            <p:ph type="sldNum"/>
+          </p:nvPr>
+        </p:nvSpPr>
+        <p:spPr>
+          <a:xfrm>
+            <a:off x="7200000" y="5220000"/>
+            <a:ext cx="2340000" cy="396000"/>
+          </a:xfrm>
+          <a:prstGeom prst="rect">
+            <a:avLst/>
+          </a:prstGeom>
+        </p:spPr>
+        <p:txBody>
+          <a:bodyPr lIns="0" tIns="0" rIns="0" bIns="0">
+            <a:noAutofit/>
+          </a:bodyPr>
+          <a:lstStyle/>
+          <a:p>
+            <a:pPr algn="r"/>
+            <a:fld id="{E84249B8-6655-46CE-A126-F95CEE0AB915}" type="slidenum">
+              <a:rPr lang="ru-RU" sz="1400" b="0" strike="noStrike" spc="-1">
+                <a:latin typeface="Noto Sans Regular"/>
+              </a:rPr>
+              <a:t>‹#›</a:t>
+            </a:fld>
+            <a:r>
+              <a:rPr lang="ru-RU" sz="1400" b="0" strike="noStrike" spc="-1">
+                <a:latin typeface="Noto Sans Regular"/>
+              </a:rPr>
+              <a:t> / </a:t>
+            </a:r>
+            <a:fld id="{9B6FADD0-5D66-4C70-A38C-0584A09C0A13}" type="slidecount">
+              <a:rPr lang="ru-RU" sz="1400" b="0" strike="noStrike" spc="-1">
+                <a:latin typeface="Noto Sans Regular"/>
+              </a:rPr>
+              <a:t>&lt;число&gt;</a:t>
+            </a:fld>
+            <a:endParaRPr lang="ru-RU" sz="1400" b="0" strike="noStrike" spc="-1">
+              <a:latin typeface="Noto Sans Regular"/>
+            </a:endParaRPr>
+          </a:p>
+        </p:txBody>
+      </p:sp>
+      <p:sp>
+        <p:nvSpPr>
+          <p:cNvPr id="5" name="Прямоугольник 4"/>
+          <p:cNvSpPr/>
+          <p:nvPr/>
+        </p:nvSpPr>
+        <p:spPr>
+          <a:xfrm>
+            <a:off x="0" y="3060000"/>
+            <a:ext cx="540000" cy="1080000"/>
+          </a:xfrm>
+          <a:prstGeom prst="rect">
+            <a:avLst/>
+          </a:prstGeom>
+          <a:solidFill>
+            <a:srgbClr val="F10D0C"/>
+          </a:solidFill>
+          <a:ln w="10800">
+            <a:noFill/>
+          </a:ln>
+        </p:spPr>
+        <p:style>
+          <a:lnRef idx="0">
+            <a:scrgbClr r="0" g="0" b="0"/>
+          </a:lnRef>
+          <a:fillRef idx="0">
+            <a:scrgbClr r="0" g="0" b="0"/>
+          </a:fillRef>
+          <a:effectRef idx="0">
+            <a:scrgbClr r="0" g="0" b="0"/>
+          </a:effectRef>
+          <a:fontRef idx="minor"/>
+        </p:style>
+      </p:sp>
+    </p:spTree>
+  </p:cSld>
+  <p:clrMap bg1="lt1" tx1="dk1" bg2="lt2" tx2="dk2" accent1="accent1" accent2="accent2" accent3="accent3" accent4="accent4" accent5="accent5" accent6="accent6" hlink="hlink" folHlink="folHlink"/>
+  <p:sldLayoutIdLst>
+    <p:sldLayoutId id="2147483649" r:id="rId1"/>
+    <p:sldLayoutId id="2147483650" r:id="rId2"/>
+    <p:sldLayoutId id="2147483651" r:id="rId3"/>
+    <p:sldLayoutId id="2147483652" r:id="rId4"/>
+    <p:sldLayoutId id="2147483653" r:id="rId5"/>
+    <p:sldLayoutId id="2147483654" r:id="rId6"/>
+    <p:sldLayoutId id="2147483655" r:id="rId7"/>
+    <p:sldLayoutId id="2147483656" r:id="rId8"/>
+    <p:sldLayoutId id="2147483657" r:id="rId9"/>
+    <p:sldLayoutId id="2147483658" r:id="rId10"/>
+    <p:sldLayoutId id="2147483659" r:id="rId11"/>
+    <p:sldLayoutId id="2147483660" r:id="rId12"/>
+  </p:sldLayoutIdLst>
+  <p:txStyles>
+    <p:titleStyle>
+      <a:lvl1pPr algn="l" defTabSz="914400" rtl="0" eaLnBrk="1" latinLnBrk="0" hangingPunct="1">
+        <a:lnSpc>
+          <a:spcPct val="90000"/>
+        </a:lnSpc>
+        <a:spcBef>
+          <a:spcPct val="0"/>
+        </a:spcBef>
+        <a:buNone/>
+        <a:defRPr sz="4400" kern="1200">
+          <a:solidFill>
+            <a:schemeClr val="tx1"/>
+          </a:solidFill>
+          <a:latin typeface="+mj-lt"/>
+          <a:ea typeface="+mj-ea"/>
+          <a:cs typeface="+mj-cs"/>
+        </a:defRPr>
+      </a:lvl1pPr>
+    </p:titleStyle>
+    <p:bodyStyle>
+      <a:lvl1pPr marL="228600" indent="-228600" algn="l" defTabSz="914400" rtl="0" eaLnBrk="1" latinLnBrk="0" hangingPunct="1">
+        <a:lnSpc>
+          <a:spcPct val="90000"/>
+        </a:lnSpc>
+        <a:spcBef>
+          <a:spcPts val="1000"/>
+        </a:spcBef>
+        <a:buFont typeface="Arial" panose="020B0604020202020204" pitchFamily="34" charset="0"/>
+        <a:buChar char="•"/>
+        <a:defRPr sz="2800" kern="1200">
+          <a:solidFill>
+            <a:schemeClr val="tx1"/>
+          </a:solidFill>
+          <a:latin typeface="+mn-lt"/>
+          <a:ea typeface="+mn-ea"/>
+          <a:cs typeface="+mn-cs"/>
+        </a:defRPr>
+      </a:lvl1pPr>
+      <a:lvl2pPr marL="685800" indent="-228600" algn="l" defTabSz="914400" rtl="0" eaLnBrk="1" latinLnBrk="0" hangingPunct="1">
+        <a:lnSpc>
+          <a:spcPct val="90000"/>
+        </a:lnSpc>
+        <a:spcBef>
+          <a:spcPts val="500"/>
+        </a:spcBef>
+        <a:buFont typeface="Arial" panose="020B0604020202020204" pitchFamily="34" charset="0"/>
+        <a:buChar char="•"/>
+        <a:defRPr sz="2400" kern="1200">
+          <a:solidFill>
+            <a:schemeClr val="tx1"/>
+          </a:solidFill>
+          <a:latin typeface="+mn-lt"/>
+          <a:ea typeface="+mn-ea"/>
+          <a:cs typeface="+mn-cs"/>
+        </a:defRPr>
+      </a:lvl2pPr>
+      <a:lvl3pPr marL="1143000" indent="-228600" algn="l" defTabSz="914400" rtl="0" eaLnBrk="1" latinLnBrk="0" hangingPunct="1">
+        <a:lnSpc>
+          <a:spcPct val="90000"/>
+        </a:lnSpc>
+        <a:spcBef>
+          <a:spcPts val="500"/>
+        </a:spcBef>
+        <a:buFont typeface="Arial" panose="020B0604020202020204" pitchFamily="34" charset="0"/>
+        <a:buChar char="•"/>
+        <a:defRPr sz="2000" kern="1200">
+          <a:solidFill>
+            <a:schemeClr val="tx1"/>
+          </a:solidFill>
+          <a:latin typeface="+mn-lt"/>
+          <a:ea typeface="+mn-ea"/>
+          <a:cs typeface="+mn-cs"/>
+        </a:defRPr>
+      </a:lvl3pPr>
+      <a:lvl4pPr marL="1600200" indent="-228600" algn="l" defTabSz="914400" rtl="0" eaLnBrk="1" latinLnBrk="0" hangingPunct="1">
+        <a:lnSpc>
+          <a:spcPct val="90000"/>
+        </a:lnSpc>
+        <a:spcBef>
+          <a:spcPts val="500"/>
+        </a:spcBef>
+        <a:buFont typeface="Arial" panose="020B0604020202020204" pitchFamily="34" charset="0"/>
+        <a:buChar char="•"/>
+        <a:defRPr sz="1800" kern="1200">
+          <a:solidFill>
+            <a:schemeClr val="tx1"/>
+          </a:solidFill>
+          <a:latin typeface="+mn-lt"/>
+          <a:ea typeface="+mn-ea"/>
+          <a:cs typeface="+mn-cs"/>
+        </a:defRPr>
+      </a:lvl4pPr>
+      <a:lvl5pPr marL="2057400" indent="-228600" algn="l" defTabSz="914400" rtl="0" eaLnBrk="1" latinLnBrk="0" hangingPunct="1">
+        <a:lnSpc>
+          <a:spcPct val="90000"/>
+        </a:lnSpc>
+        <a:spcBef>
+          <a:spcPts val="500"/>
+        </a:spcBef>
+        <a:buFont typeface="Arial" panose="020B0604020202020204" pitchFamily="34" charset="0"/>
+        <a:buChar char="•"/>
+        <a:defRPr sz="1800" kern="1200">
+          <a:solidFill>
+            <a:schemeClr val="tx1"/>
+          </a:solidFill>
+          <a:latin typeface="+mn-lt"/>
+          <a:ea typeface="+mn-ea"/>
+          <a:cs typeface="+mn-cs"/>
+        </a:defRPr>
+      </a:lvl5pPr>
+      <a:lvl6pPr marL="2514600" indent="-228600" algn="l" defTabSz="914400" rtl="0" eaLnBrk="1" latinLnBrk="0" hangingPunct="1">
+        <a:lnSpc>
+          <a:spcPct val="90000"/>
+        </a:lnSpc>
+        <a:spcBef>
+          <a:spcPts val="500"/>
+        </a:spcBef>
+        <a:buFont typeface="Arial" panose="020B0604020202020204" pitchFamily="34" charset="0"/>
+        <a:buChar char="•"/>
+        <a:defRPr sz="1800" kern="1200">
+          <a:solidFill>
+            <a:schemeClr val="tx1"/>
+          </a:solidFill>
+          <a:latin typeface="+mn-lt"/>
+          <a:ea typeface="+mn-ea"/>
+          <a:cs typeface="+mn-cs"/>
+        </a:defRPr>
+      </a:lvl6pPr>
+      <a:lvl7pPr marL="2971800" indent="-228600" algn="l" defTabSz="914400" rtl="0" eaLnBrk="1" latinLnBrk="0" hangingPunct="1">
+        <a:lnSpc>
+          <a:spcPct val="90000"/>
+        </a:lnSpc>
+        <a:spcBef>
+          <a:spcPts val="500"/>
+        </a:spcBef>
+        <a:buFont typeface="Arial" panose="020B0604020202020204" pitchFamily="34" charset="0"/>
+        <a:buChar char="•"/>
+        <a:defRPr sz="1800" kern="1200">
+          <a:solidFill>
+            <a:schemeClr val="tx1"/>
+          </a:solidFill>
+          <a:latin typeface="+mn-lt"/>
+          <a:ea typeface="+mn-ea"/>
+          <a:cs typeface="+mn-cs"/>
+        </a:defRPr>
+      </a:lvl7pPr>
+      <a:lvl8pPr marL="3429000" indent="-228600" algn="l" defTabSz="914400" rtl="0" eaLnBrk="1" latinLnBrk="0" hangingPunct="1">
+        <a:lnSpc>
+          <a:spcPct val="90000"/>
+        </a:lnSpc>
+        <a:spcBef>
+          <a:spcPts val="500"/>
+        </a:spcBef>
+        <a:buFont typeface="Arial" panose="020B0604020202020204" pitchFamily="34" charset="0"/>
+        <a:buChar char="•"/>
+        <a:defRPr sz="1800" kern="1200">
+          <a:solidFill>
+            <a:schemeClr val="tx1"/>
+          </a:solidFill>
+          <a:latin typeface="+mn-lt"/>
+          <a:ea typeface="+mn-ea"/>
+          <a:cs typeface="+mn-cs"/>
+        </a:defRPr>
+      </a:lvl8pPr>
+      <a:lvl9pPr marL="3886200" indent="-228600" algn="l" defTabSz="914400" rtl="0" eaLnBrk="1" latinLnBrk="0" hangingPunct="1">
+        <a:lnSpc>
+          <a:spcPct val="90000"/>
+        </a:lnSpc>
+        <a:spcBef>
+          <a:spcPts val="500"/>
+        </a:spcBef>
+        <a:buFont typeface="Arial" panose="020B0604020202020204" pitchFamily="34" charset="0"/>
+        <a:buChar char="•"/>
+        <a:defRPr sz="1800" kern="1200">
+          <a:solidFill>
+            <a:schemeClr val="tx1"/>
+          </a:solidFill>
+          <a:latin typeface="+mn-lt"/>
+          <a:ea typeface="+mn-ea"/>
+          <a:cs typeface="+mn-cs"/>
+        </a:defRPr>
+      </a:lvl9pPr>
+    </p:bodyStyle>
+    <p:otherStyle>
+      <a:defPPr>
+        <a:defRPr lang="ru-RU"/>
+      </a:defPPr>
+      <a:lvl1pPr marL="0" algn="l" defTabSz="914400" rtl="0" eaLnBrk="1" latinLnBrk="0" hangingPunct="1">
+        <a:defRPr sz="1800" kern="1200">
+          <a:solidFill>
+            <a:schemeClr val="tx1"/>
+          </a:solidFill>
+          <a:latin typeface="+mn-lt"/>
+          <a:ea typeface="+mn-ea"/>
+          <a:cs typeface="+mn-cs"/>
+        </a:defRPr>
+      </a:lvl1pPr>
+      <a:lvl2pPr marL="457200" algn="l" defTabSz="914400" rtl="0" eaLnBrk="1" latinLnBrk="0" hangingPunct="1">
+        <a:defRPr sz="1800" kern="1200">
+          <a:solidFill>
+            <a:schemeClr val="tx1"/>
+          </a:solidFill>
+          <a:latin typeface="+mn-lt"/>
+          <a:ea typeface="+mn-ea"/>
+          <a:cs typeface="+mn-cs"/>
+        </a:defRPr>
+      </a:lvl2pPr>
+      <a:lvl3pPr marL="914400" algn="l" defTabSz="914400" rtl="0" eaLnBrk="1" latinLnBrk="0" hangingPunct="1">
+        <a:defRPr sz="1800" kern="1200">
+          <a:solidFill>
+            <a:schemeClr val="tx1"/>
+          </a:solidFill>
+          <a:latin typeface="+mn-lt"/>
+          <a:ea typeface="+mn-ea"/>
+          <a:cs typeface="+mn-cs"/>
+        </a:defRPr>
+      </a:lvl3pPr>
+      <a:lvl4pPr marL="1371600" algn="l" defTabSz="914400" rtl="0" eaLnBrk="1" latinLnBrk="0" hangingPunct="1">
+        <a:defRPr sz="1800" kern="1200">
+          <a:solidFill>
+            <a:schemeClr val="tx1"/>
+          </a:solidFill>
+          <a:latin typeface="+mn-lt"/>
+          <a:ea typeface="+mn-ea"/>
+          <a:cs typeface="+mn-cs"/>
+        </a:defRPr>
+      </a:lvl4pPr>
+      <a:lvl5pPr marL="1828800" algn="l" defTabSz="914400" rtl="0" eaLnBrk="1" latinLnBrk="0" hangingPunct="1">
+        <a:defRPr sz="1800" kern="1200">
+          <a:solidFill>
+            <a:schemeClr val="tx1"/>
+          </a:solidFill>
+          <a:latin typeface="+mn-lt"/>
+          <a:ea typeface="+mn-ea"/>
+          <a:cs typeface="+mn-cs"/>
+        </a:defRPr>
+      </a:lvl5pPr>
+      <a:lvl6pPr marL="2286000" algn="l" defTabSz="914400" rtl="0" eaLnBrk="1" latinLnBrk="0" hangingPunct="1">
+        <a:defRPr sz="1800" kern="1200">
+          <a:solidFill>
+            <a:schemeClr val="tx1"/>
+          </a:solidFill>
+          <a:latin typeface="+mn-lt"/>
+          <a:ea typeface="+mn-ea"/>
+          <a:cs typeface="+mn-cs"/>
+        </a:defRPr>
+      </a:lvl6pPr>
+      <a:lvl7pPr marL="2743200" algn="l" defTabSz="914400" rtl="0" eaLnBrk="1" latinLnBrk="0" hangingPunct="1">
+        <a:defRPr sz="1800" kern="1200">
+          <a:solidFill>
+            <a:schemeClr val="tx1"/>
+          </a:solidFill>
+          <a:latin typeface="+mn-lt"/>
+          <a:ea typeface="+mn-ea"/>
+          <a:cs typeface="+mn-cs"/>
+        </a:defRPr>
+      </a:lvl7pPr>
+      <a:lvl8pPr marL="3200400" algn="l" defTabSz="914400" rtl="0" eaLnBrk="1" latinLnBrk="0" hangingPunct="1">
+        <a:defRPr sz="1800" kern="1200">
+          <a:solidFill>
+            <a:schemeClr val="tx1"/>
+          </a:solidFill>
+          <a:latin typeface="+mn-lt"/>
+          <a:ea typeface="+mn-ea"/>
+          <a:cs typeface="+mn-cs"/>
+        </a:defRPr>
+      </a:lvl8pPr>
+      <a:lvl9pPr marL="3657600" algn="l" defTabSz="914400" rtl="0" eaLnBrk="1" latinLnBrk="0" hangingPunct="1">
+        <a:defRPr sz="1800" kern="1200">
+          <a:solidFill>
+            <a:schemeClr val="tx1"/>
+          </a:solidFill>
+          <a:latin typeface="+mn-lt"/>
+          <a:ea typeface="+mn-ea"/>
+          <a:cs typeface="+mn-cs"/>
+        </a:defRPr>
+      </a:lvl9pPr>
+    </p:otherStyle>
+  </p:txStyles>
+</p:sldMaster>
+</file>
+
+<file path=ppt/slideMasters/slideMaster2.xml><?xml version="1.0" encoding="utf-8"?>
+<p:sldMaster xmlns:a="http://schemas.openxmlformats.org/drawingml/2006/main" xmlns:r="http://schemas.openxmlformats.org/officeDocument/2006/relationships" xmlns:p="http://schemas.openxmlformats.org/presentationml/2006/main">
+  <p:cSld>
+    <p:bg>
+      <p:bgRef idx="1001">
+        <a:schemeClr val="bg1"/>
+      </p:bgRef>
+    </p:bg>
+    <p:spTree>
+      <p:nvGrpSpPr>
+        <p:cNvPr id="1" name=""/>
+        <p:cNvGrpSpPr/>
+        <p:nvPr/>
+      </p:nvGrpSpPr>
+      <p:grpSpPr>
+        <a:xfrm>
+          <a:off x="0" y="0"/>
+          <a:ext cx="0" cy="0"/>
+          <a:chOff x="0" y="0"/>
+          <a:chExt cx="0" cy="0"/>
+        </a:xfrm>
+      </p:grpSpPr>
+      <p:sp>
+        <p:nvSpPr>
+          <p:cNvPr id="42" name="PlaceHolder 1"/>
+          <p:cNvSpPr>
+            <a:spLocks noGrp="1"/>
+          </p:cNvSpPr>
+          <p:nvPr>
+            <p:ph type="title"/>
+          </p:nvPr>
+        </p:nvSpPr>
+        <p:spPr>
+          <a:xfrm>
+            <a:off x="720000" y="180000"/>
+            <a:ext cx="9000000" cy="1080000"/>
+          </a:xfrm>
+          <a:prstGeom prst="rect">
+            <a:avLst/>
+          </a:prstGeom>
+        </p:spPr>
+        <p:txBody>
+          <a:bodyPr lIns="0" tIns="0" rIns="0" bIns="0" anchor="ctr">
+            <a:noAutofit/>
+          </a:bodyPr>
+          <a:lstStyle/>
+          <a:p>
+            <a:r>
+              <a:rPr lang="ru-RU" sz="3300" b="1" strike="noStrike" spc="-1">
+                <a:solidFill>
+                  <a:srgbClr val="333333"/>
+                </a:solidFill>
+                <a:latin typeface="Noto Sans Regular"/>
+              </a:rPr>
+              <a:t>Для правки текста заглавия щёлкните мышью</a:t>
+            </a:r>
+          </a:p>
+        </p:txBody>
+      </p:sp>
+      <p:sp>
+        <p:nvSpPr>
+          <p:cNvPr id="43" name="PlaceHolder 2"/>
+          <p:cNvSpPr>
+            <a:spLocks noGrp="1"/>
+          </p:cNvSpPr>
+          <p:nvPr>
+            <p:ph type="body"/>
+          </p:nvPr>
+        </p:nvSpPr>
+        <p:spPr>
+          <a:xfrm>
+            <a:off x="720000" y="1440000"/>
+            <a:ext cx="9000000" cy="3420000"/>
+          </a:xfrm>
+          <a:prstGeom prst="rect">
+            <a:avLst/>
+          </a:prstGeom>
+        </p:spPr>
+        <p:txBody>
+          <a:bodyPr lIns="0" tIns="0" rIns="0" bIns="0">
+            <a:noAutofit/>
+          </a:bodyPr>
+          <a:lstStyle/>
+          <a:p>
+            <a:pPr marL="432000" indent="-324000">
+              <a:spcAft>
+                <a:spcPts val="1060"/>
+              </a:spcAft>
+              <a:buClr>
+                <a:srgbClr val="EF2929"/>
+              </a:buClr>
+              <a:buSzPct val="45000"/>
+              <a:buFont typeface="Wingdings" charset="2"/>
+              <a:buChar char=""/>
+            </a:pPr>
+            <a:r>
+              <a:rPr lang="ru-RU" sz="2100" b="0" strike="noStrike" spc="-1">
+                <a:solidFill>
+                  <a:srgbClr val="333333"/>
+                </a:solidFill>
+                <a:latin typeface="Noto Sans Regular"/>
+              </a:rPr>
+              <a:t>Для правки структуры щёлкните мышью</a:t>
+            </a:r>
+          </a:p>
+          <a:p>
+            <a:pPr marL="864000" lvl="1" indent="-324000">
+              <a:spcAft>
+                <a:spcPts val="850"/>
+              </a:spcAft>
+              <a:buClr>
+                <a:srgbClr val="EF2929"/>
+              </a:buClr>
+              <a:buSzPct val="75000"/>
+              <a:buFont typeface="Symbol" charset="2"/>
+              <a:buChar char=""/>
+            </a:pPr>
+            <a:r>
+              <a:rPr lang="ru-RU" sz="2100" b="0" strike="noStrike" spc="-1">
+                <a:solidFill>
+                  <a:srgbClr val="333333"/>
+                </a:solidFill>
+                <a:latin typeface="Noto Sans Regular"/>
+              </a:rPr>
+              <a:t>Второй уровень структуры</a:t>
+            </a:r>
+          </a:p>
+          <a:p>
+            <a:pPr marL="1296000" lvl="2" indent="-288000">
+              <a:spcAft>
+                <a:spcPts val="632"/>
+              </a:spcAft>
+              <a:buClr>
+                <a:srgbClr val="EF2929"/>
+              </a:buClr>
+              <a:buSzPct val="45000"/>
+              <a:buFont typeface="Wingdings" charset="2"/>
+              <a:buChar char=""/>
+            </a:pPr>
+            <a:r>
+              <a:rPr lang="ru-RU" sz="2100" b="0" strike="noStrike" spc="-1">
+                <a:solidFill>
+                  <a:srgbClr val="333333"/>
+                </a:solidFill>
+                <a:latin typeface="Noto Sans Regular"/>
+              </a:rPr>
+              <a:t>Третий уровень структуры</a:t>
+            </a:r>
+          </a:p>
+          <a:p>
+            <a:pPr marL="1728000" lvl="3" indent="-216000">
+              <a:spcAft>
+                <a:spcPts val="425"/>
+              </a:spcAft>
+              <a:buClr>
+                <a:srgbClr val="EF2929"/>
+              </a:buClr>
+              <a:buSzPct val="75000"/>
+              <a:buFont typeface="Symbol" charset="2"/>
+              <a:buChar char=""/>
+            </a:pPr>
+            <a:r>
+              <a:rPr lang="ru-RU" sz="2100" b="0" strike="noStrike" spc="-1">
+                <a:solidFill>
+                  <a:srgbClr val="333333"/>
+                </a:solidFill>
+                <a:latin typeface="Noto Sans Regular"/>
+              </a:rPr>
+              <a:t>Четвёртый уровень структуры</a:t>
+            </a:r>
+          </a:p>
+          <a:p>
+            <a:pPr marL="2160000" lvl="4" indent="-216000">
+              <a:spcAft>
+                <a:spcPts val="213"/>
+              </a:spcAft>
+              <a:buClr>
+                <a:srgbClr val="EF2929"/>
+              </a:buClr>
+              <a:buSzPct val="45000"/>
+              <a:buFont typeface="Wingdings" charset="2"/>
+              <a:buChar char=""/>
+            </a:pPr>
+            <a:r>
+              <a:rPr lang="ru-RU" sz="2100" b="0" strike="noStrike" spc="-1">
+                <a:solidFill>
+                  <a:srgbClr val="333333"/>
+                </a:solidFill>
+                <a:latin typeface="Noto Sans Regular"/>
+              </a:rPr>
+              <a:t>Пятый уровень структуры</a:t>
+            </a:r>
+          </a:p>
+          <a:p>
+            <a:pPr marL="2592000" lvl="5" indent="-216000">
+              <a:spcAft>
+                <a:spcPts val="213"/>
+              </a:spcAft>
+              <a:buClr>
+                <a:srgbClr val="EF2929"/>
+              </a:buClr>
+              <a:buSzPct val="45000"/>
+              <a:buFont typeface="Wingdings" charset="2"/>
+              <a:buChar char=""/>
+            </a:pPr>
+            <a:r>
+              <a:rPr lang="ru-RU" sz="2100" b="0" strike="noStrike" spc="-1">
+                <a:solidFill>
+                  <a:srgbClr val="333333"/>
+                </a:solidFill>
+                <a:latin typeface="Noto Sans Regular"/>
+              </a:rPr>
+              <a:t>Шестой уровень структуры</a:t>
+            </a:r>
+          </a:p>
+          <a:p>
+            <a:pPr marL="3024000" lvl="6" indent="-216000">
+              <a:spcAft>
+                <a:spcPts val="213"/>
+              </a:spcAft>
+              <a:buClr>
+                <a:srgbClr val="EF2929"/>
+              </a:buClr>
+              <a:buSzPct val="45000"/>
+              <a:buFont typeface="Wingdings" charset="2"/>
+              <a:buChar char=""/>
+            </a:pPr>
+            <a:r>
+              <a:rPr lang="ru-RU" sz="2100" b="0" strike="noStrike" spc="-1">
+                <a:solidFill>
+                  <a:srgbClr val="333333"/>
+                </a:solidFill>
+                <a:latin typeface="Noto Sans Regular"/>
+              </a:rPr>
+              <a:t>Седьмой уровень структуры</a:t>
+            </a:r>
+          </a:p>
+        </p:txBody>
+      </p:sp>
+      <p:sp>
+        <p:nvSpPr>
+          <p:cNvPr id="44" name="PlaceHolder 3"/>
+          <p:cNvSpPr>
+            <a:spLocks noGrp="1"/>
+          </p:cNvSpPr>
+          <p:nvPr>
+            <p:ph type="dt"/>
+          </p:nvPr>
+        </p:nvSpPr>
+        <p:spPr>
+          <a:xfrm>
+            <a:off x="540000" y="5220000"/>
+            <a:ext cx="2340000" cy="396000"/>
+          </a:xfrm>
+          <a:prstGeom prst="rect">
+            <a:avLst/>
+          </a:prstGeom>
+        </p:spPr>
+        <p:txBody>
+          <a:bodyPr lIns="0" tIns="0" rIns="0" bIns="0">
+            <a:noAutofit/>
+          </a:bodyPr>
+          <a:lstStyle/>
+          <a:p>
+            <a:r>
+              <a:rPr lang="ru-RU" sz="1400" b="0" strike="noStrike" spc="-1">
+                <a:latin typeface="Noto Sans Regular"/>
+              </a:rPr>
+              <a:t>&lt;дата/время&gt;</a:t>
+            </a:r>
+          </a:p>
+        </p:txBody>
+      </p:sp>
+      <p:sp>
+        <p:nvSpPr>
+          <p:cNvPr id="45" name="PlaceHolder 4"/>
+          <p:cNvSpPr>
+            <a:spLocks noGrp="1"/>
+          </p:cNvSpPr>
+          <p:nvPr>
+            <p:ph type="ftr"/>
+          </p:nvPr>
+        </p:nvSpPr>
+        <p:spPr>
+          <a:xfrm>
+            <a:off x="3420000" y="5220000"/>
+            <a:ext cx="3240000" cy="396000"/>
+          </a:xfrm>
+          <a:prstGeom prst="rect">
+            <a:avLst/>
+          </a:prstGeom>
+        </p:spPr>
+        <p:txBody>
+          <a:bodyPr lIns="0" tIns="0" rIns="0" bIns="0">
+            <a:noAutofit/>
+          </a:bodyPr>
+          <a:lstStyle/>
+          <a:p>
+            <a:pPr algn="ctr"/>
+            <a:r>
+              <a:rPr lang="ru-RU" sz="1400" b="0" strike="noStrike" spc="-1">
+                <a:latin typeface="Noto Sans Regular"/>
+              </a:rPr>
+              <a:t>&lt;нижний колонтитул&gt;</a:t>
+            </a:r>
+          </a:p>
+        </p:txBody>
+      </p:sp>
+      <p:sp>
+        <p:nvSpPr>
+          <p:cNvPr id="46" name="PlaceHolder 5"/>
+          <p:cNvSpPr>
+            <a:spLocks noGrp="1"/>
+          </p:cNvSpPr>
+          <p:nvPr>
+            <p:ph type="sldNum"/>
+          </p:nvPr>
+        </p:nvSpPr>
+        <p:spPr>
+          <a:xfrm>
+            <a:off x="7200000" y="5220000"/>
+            <a:ext cx="2340000" cy="396000"/>
+          </a:xfrm>
+          <a:prstGeom prst="rect">
+            <a:avLst/>
+          </a:prstGeom>
+        </p:spPr>
+        <p:txBody>
+          <a:bodyPr lIns="0" tIns="0" rIns="0" bIns="0">
+            <a:noAutofit/>
+          </a:bodyPr>
+          <a:lstStyle/>
+          <a:p>
+            <a:pPr algn="r"/>
+            <a:fld id="{3E195CC9-F8B5-4213-B636-55B005D6C9B5}" type="slidenum">
+              <a:rPr lang="ru-RU" sz="1400" b="0" strike="noStrike" spc="-1">
+                <a:latin typeface="Noto Sans Regular"/>
+              </a:rPr>
+              <a:t>‹#›</a:t>
+            </a:fld>
+            <a:r>
+              <a:rPr lang="ru-RU" sz="1400" b="0" strike="noStrike" spc="-1">
+                <a:latin typeface="Noto Sans Regular"/>
+              </a:rPr>
+              <a:t> / </a:t>
+            </a:r>
+            <a:fld id="{4A1730A6-B3C3-4A13-A21B-95B2608289F5}" type="slidecount">
+              <a:rPr lang="ru-RU" sz="1400" b="0" strike="noStrike" spc="-1">
+                <a:latin typeface="Noto Sans Regular"/>
+              </a:rPr>
+              <a:t>8</a:t>
+            </a:fld>
+            <a:endParaRPr lang="ru-RU" sz="1400" b="0" strike="noStrike" spc="-1">
+              <a:latin typeface="Noto Sans Regular"/>
+            </a:endParaRPr>
+          </a:p>
+        </p:txBody>
+      </p:sp>
+      <p:sp>
+        <p:nvSpPr>
+          <p:cNvPr id="47" name="Прямоугольник 46"/>
+          <p:cNvSpPr/>
+          <p:nvPr/>
+        </p:nvSpPr>
+        <p:spPr>
+          <a:xfrm>
+            <a:off x="0" y="180000"/>
+            <a:ext cx="540000" cy="1080000"/>
+          </a:xfrm>
+          <a:prstGeom prst="rect">
+            <a:avLst/>
+          </a:prstGeom>
+          <a:solidFill>
+            <a:srgbClr val="EF2929"/>
+          </a:solidFill>
+          <a:ln w="0">
+            <a:noFill/>
+          </a:ln>
+        </p:spPr>
+        <p:style>
+          <a:lnRef idx="0">
+            <a:scrgbClr r="0" g="0" b="0"/>
+          </a:lnRef>
+          <a:fillRef idx="0">
+            <a:scrgbClr r="0" g="0" b="0"/>
+          </a:fillRef>
+          <a:effectRef idx="0">
+            <a:scrgbClr r="0" g="0" b="0"/>
+          </a:effectRef>
+          <a:fontRef idx="minor"/>
+        </p:style>
+      </p:sp>
+    </p:spTree>
+  </p:cSld>
+  <p:clrMap bg1="lt1" tx1="dk1" bg2="lt2" tx2="dk2" accent1="accent1" accent2="accent2" accent3="accent3" accent4="accent4" accent5="accent5" accent6="accent6" hlink="hlink" folHlink="folHlink"/>
+  <p:sldLayoutIdLst>
+    <p:sldLayoutId id="2147483662" r:id="rId1"/>
+    <p:sldLayoutId id="2147483663" r:id="rId2"/>
+    <p:sldLayoutId id="2147483664" r:id="rId3"/>
+    <p:sldLayoutId id="2147483665" r:id="rId4"/>
+    <p:sldLayoutId id="2147483666" r:id="rId5"/>
+    <p:sldLayoutId id="2147483667" r:id="rId6"/>
+    <p:sldLayoutId id="2147483668" r:id="rId7"/>
+    <p:sldLayoutId id="2147483669" r:id="rId8"/>
+    <p:sldLayoutId id="2147483670" r:id="rId9"/>
+    <p:sldLayoutId id="2147483671" r:id="rId10"/>
+    <p:sldLayoutId id="2147483672" r:id="rId11"/>
+    <p:sldLayoutId id="2147483673" r:id="rId12"/>
+  </p:sldLayoutIdLst>
+  <p:txStyles>
+    <p:titleStyle>
+      <a:lvl1pPr algn="l" defTabSz="914400" rtl="0" eaLnBrk="1" latinLnBrk="0" hangingPunct="1">
+        <a:lnSpc>
+          <a:spcPct val="90000"/>
+        </a:lnSpc>
+        <a:spcBef>
+          <a:spcPct val="0"/>
+        </a:spcBef>
+        <a:buNone/>
+        <a:defRPr sz="4400" kern="1200">
+          <a:solidFill>
+            <a:schemeClr val="tx1"/>
+          </a:solidFill>
+          <a:latin typeface="+mj-lt"/>
+          <a:ea typeface="+mj-ea"/>
+          <a:cs typeface="+mj-cs"/>
+        </a:defRPr>
+      </a:lvl1pPr>
+    </p:titleStyle>
+    <p:bodyStyle>
+      <a:lvl1pPr marL="228600" indent="-228600" algn="l" defTabSz="914400" rtl="0" eaLnBrk="1" latinLnBrk="0" hangingPunct="1">
+        <a:lnSpc>
+          <a:spcPct val="90000"/>
+        </a:lnSpc>
+        <a:spcBef>
+          <a:spcPts val="1000"/>
+        </a:spcBef>
+        <a:buFont typeface="Arial" panose="020B0604020202020204" pitchFamily="34" charset="0"/>
+        <a:buChar char="•"/>
+        <a:defRPr sz="2800" kern="1200">
+          <a:solidFill>
+            <a:schemeClr val="tx1"/>
+          </a:solidFill>
+          <a:latin typeface="+mn-lt"/>
+          <a:ea typeface="+mn-ea"/>
+          <a:cs typeface="+mn-cs"/>
+        </a:defRPr>
+      </a:lvl1pPr>
+      <a:lvl2pPr marL="685800" indent="-228600" algn="l" defTabSz="914400" rtl="0" eaLnBrk="1" latinLnBrk="0" hangingPunct="1">
+        <a:lnSpc>
+          <a:spcPct val="90000"/>
+        </a:lnSpc>
+        <a:spcBef>
+          <a:spcPts val="500"/>
+        </a:spcBef>
+        <a:buFont typeface="Arial" panose="020B0604020202020204" pitchFamily="34" charset="0"/>
+        <a:buChar char="•"/>
+        <a:defRPr sz="2400" kern="1200">
+          <a:solidFill>
+            <a:schemeClr val="tx1"/>
+          </a:solidFill>
+          <a:latin typeface="+mn-lt"/>
+          <a:ea typeface="+mn-ea"/>
+          <a:cs typeface="+mn-cs"/>
+        </a:defRPr>
+      </a:lvl2pPr>
+      <a:lvl3pPr marL="1143000" indent="-228600" algn="l" defTabSz="914400" rtl="0" eaLnBrk="1" latinLnBrk="0" hangingPunct="1">
+        <a:lnSpc>
+          <a:spcPct val="90000"/>
+        </a:lnSpc>
+        <a:spcBef>
+          <a:spcPts val="500"/>
+        </a:spcBef>
+        <a:buFont typeface="Arial" panose="020B0604020202020204" pitchFamily="34" charset="0"/>
+        <a:buChar char="•"/>
+        <a:defRPr sz="2000" kern="1200">
+          <a:solidFill>
+            <a:schemeClr val="tx1"/>
+          </a:solidFill>
+          <a:latin typeface="+mn-lt"/>
+          <a:ea typeface="+mn-ea"/>
+          <a:cs typeface="+mn-cs"/>
+        </a:defRPr>
+      </a:lvl3pPr>
+      <a:lvl4pPr marL="1600200" indent="-228600" algn="l" defTabSz="914400" rtl="0" eaLnBrk="1" latinLnBrk="0" hangingPunct="1">
+        <a:lnSpc>
+          <a:spcPct val="90000"/>
+        </a:lnSpc>
+        <a:spcBef>
+          <a:spcPts val="500"/>
+        </a:spcBef>
+        <a:buFont typeface="Arial" panose="020B0604020202020204" pitchFamily="34" charset="0"/>
+        <a:buChar char="•"/>
+        <a:defRPr sz="1800" kern="1200">
+          <a:solidFill>
+            <a:schemeClr val="tx1"/>
+          </a:solidFill>
+          <a:latin typeface="+mn-lt"/>
+          <a:ea typeface="+mn-ea"/>
+          <a:cs typeface="+mn-cs"/>
+        </a:defRPr>
+      </a:lvl4pPr>
+      <a:lvl5pPr marL="2057400" indent="-228600" algn="l" defTabSz="914400" rtl="0" eaLnBrk="1" latinLnBrk="0" hangingPunct="1">
+        <a:lnSpc>
+          <a:spcPct val="90000"/>
+        </a:lnSpc>
+        <a:spcBef>
+          <a:spcPts val="500"/>
+        </a:spcBef>
+        <a:buFont typeface="Arial" panose="020B0604020202020204" pitchFamily="34" charset="0"/>
+        <a:buChar char="•"/>
+        <a:defRPr sz="1800" kern="1200">
+          <a:solidFill>
+            <a:schemeClr val="tx1"/>
+          </a:solidFill>
+          <a:latin typeface="+mn-lt"/>
+          <a:ea typeface="+mn-ea"/>
+          <a:cs typeface="+mn-cs"/>
+        </a:defRPr>
+      </a:lvl5pPr>
+      <a:lvl6pPr marL="2514600" indent="-228600" algn="l" defTabSz="914400" rtl="0" eaLnBrk="1" latinLnBrk="0" hangingPunct="1">
+        <a:lnSpc>
+          <a:spcPct val="90000"/>
+        </a:lnSpc>
+        <a:spcBef>
+          <a:spcPts val="500"/>
+        </a:spcBef>
+        <a:buFont typeface="Arial" panose="020B0604020202020204" pitchFamily="34" charset="0"/>
+        <a:buChar char="•"/>
+        <a:defRPr sz="1800" kern="1200">
+          <a:solidFill>
+            <a:schemeClr val="tx1"/>
+          </a:solidFill>
+          <a:latin typeface="+mn-lt"/>
+          <a:ea typeface="+mn-ea"/>
+          <a:cs typeface="+mn-cs"/>
+        </a:defRPr>
+      </a:lvl6pPr>
+      <a:lvl7pPr marL="2971800" indent="-228600" algn="l" defTabSz="914400" rtl="0" eaLnBrk="1" latinLnBrk="0" hangingPunct="1">
+        <a:lnSpc>
+          <a:spcPct val="90000"/>
+        </a:lnSpc>
+        <a:spcBef>
+          <a:spcPts val="500"/>
+        </a:spcBef>
+        <a:buFont typeface="Arial" panose="020B0604020202020204" pitchFamily="34" charset="0"/>
+        <a:buChar char="•"/>
+        <a:defRPr sz="1800" kern="1200">
+          <a:solidFill>
+            <a:schemeClr val="tx1"/>
+          </a:solidFill>
+          <a:latin typeface="+mn-lt"/>
+          <a:ea typeface="+mn-ea"/>
+          <a:cs typeface="+mn-cs"/>
+        </a:defRPr>
+      </a:lvl7pPr>
+      <a:lvl8pPr marL="3429000" indent="-228600" algn="l" defTabSz="914400" rtl="0" eaLnBrk="1" latinLnBrk="0" hangingPunct="1">
+        <a:lnSpc>
+          <a:spcPct val="90000"/>
+        </a:lnSpc>
+        <a:spcBef>
+          <a:spcPts val="500"/>
+        </a:spcBef>
+        <a:buFont typeface="Arial" panose="020B0604020202020204" pitchFamily="34" charset="0"/>
+        <a:buChar char="•"/>
+        <a:defRPr sz="1800" kern="1200">
+          <a:solidFill>
+            <a:schemeClr val="tx1"/>
+          </a:solidFill>
+          <a:latin typeface="+mn-lt"/>
+          <a:ea typeface="+mn-ea"/>
+          <a:cs typeface="+mn-cs"/>
+        </a:defRPr>
+      </a:lvl8pPr>
+      <a:lvl9pPr marL="3886200" indent="-228600" algn="l" defTabSz="914400" rtl="0" eaLnBrk="1" latinLnBrk="0" hangingPunct="1">
+        <a:lnSpc>
+          <a:spcPct val="90000"/>
+        </a:lnSpc>
+        <a:spcBef>
+          <a:spcPts val="500"/>
+        </a:spcBef>
+        <a:buFont typeface="Arial" panose="020B0604020202020204" pitchFamily="34" charset="0"/>
+        <a:buChar char="•"/>
+        <a:defRPr sz="1800" kern="1200">
+          <a:solidFill>
+            <a:schemeClr val="tx1"/>
+          </a:solidFill>
+          <a:latin typeface="+mn-lt"/>
+          <a:ea typeface="+mn-ea"/>
+          <a:cs typeface="+mn-cs"/>
+        </a:defRPr>
+      </a:lvl9pPr>
+    </p:bodyStyle>
+    <p:otherStyle>
+      <a:defPPr>
+        <a:defRPr lang="ru-RU"/>
+      </a:defPPr>
+      <a:lvl1pPr marL="0" algn="l" defTabSz="914400" rtl="0" eaLnBrk="1" latinLnBrk="0" hangingPunct="1">
+        <a:defRPr sz="1800" kern="1200">
+          <a:solidFill>
+            <a:schemeClr val="tx1"/>
+          </a:solidFill>
+          <a:latin typeface="+mn-lt"/>
+          <a:ea typeface="+mn-ea"/>
+          <a:cs typeface="+mn-cs"/>
+        </a:defRPr>
+      </a:lvl1pPr>
+      <a:lvl2pPr marL="457200" algn="l" defTabSz="914400" rtl="0" eaLnBrk="1" latinLnBrk="0" hangingPunct="1">
+        <a:defRPr sz="1800" kern="1200">
+          <a:solidFill>
+            <a:schemeClr val="tx1"/>
+          </a:solidFill>
+          <a:latin typeface="+mn-lt"/>
+          <a:ea typeface="+mn-ea"/>
+          <a:cs typeface="+mn-cs"/>
+        </a:defRPr>
+      </a:lvl2pPr>
+      <a:lvl3pPr marL="914400" algn="l" defTabSz="914400" rtl="0" eaLnBrk="1" latinLnBrk="0" hangingPunct="1">
+        <a:defRPr sz="1800" kern="1200">
+          <a:solidFill>
+            <a:schemeClr val="tx1"/>
+          </a:solidFill>
+          <a:latin typeface="+mn-lt"/>
+          <a:ea typeface="+mn-ea"/>
+          <a:cs typeface="+mn-cs"/>
+        </a:defRPr>
+      </a:lvl3pPr>
+      <a:lvl4pPr marL="1371600" algn="l" defTabSz="914400" rtl="0" eaLnBrk="1" latinLnBrk="0" hangingPunct="1">
+        <a:defRPr sz="1800" kern="1200">
+          <a:solidFill>
+            <a:schemeClr val="tx1"/>
+          </a:solidFill>
+          <a:latin typeface="+mn-lt"/>
+          <a:ea typeface="+mn-ea"/>
+          <a:cs typeface="+mn-cs"/>
+        </a:defRPr>
+      </a:lvl4pPr>
+      <a:lvl5pPr marL="1828800" algn="l" defTabSz="914400" rtl="0" eaLnBrk="1" latinLnBrk="0" hangingPunct="1">
+        <a:defRPr sz="1800" kern="1200">
+          <a:solidFill>
+            <a:schemeClr val="tx1"/>
+          </a:solidFill>
+          <a:latin typeface="+mn-lt"/>
+          <a:ea typeface="+mn-ea"/>
+          <a:cs typeface="+mn-cs"/>
+        </a:defRPr>
+      </a:lvl5pPr>
+      <a:lvl6pPr marL="2286000" algn="l" defTabSz="914400" rtl="0" eaLnBrk="1" latinLnBrk="0" hangingPunct="1">
+        <a:defRPr sz="1800" kern="1200">
+          <a:solidFill>
+            <a:schemeClr val="tx1"/>
+          </a:solidFill>
+          <a:latin typeface="+mn-lt"/>
+          <a:ea typeface="+mn-ea"/>
+          <a:cs typeface="+mn-cs"/>
+        </a:defRPr>
+      </a:lvl6pPr>
+      <a:lvl7pPr marL="2743200" algn="l" defTabSz="914400" rtl="0" eaLnBrk="1" latinLnBrk="0" hangingPunct="1">
+        <a:defRPr sz="1800" kern="1200">
+          <a:solidFill>
+            <a:schemeClr val="tx1"/>
+          </a:solidFill>
+          <a:latin typeface="+mn-lt"/>
+          <a:ea typeface="+mn-ea"/>
+          <a:cs typeface="+mn-cs"/>
+        </a:defRPr>
+      </a:lvl7pPr>
+      <a:lvl8pPr marL="3200400" algn="l" defTabSz="914400" rtl="0" eaLnBrk="1" latinLnBrk="0" hangingPunct="1">
+        <a:defRPr sz="1800" kern="1200">
+          <a:solidFill>
+            <a:schemeClr val="tx1"/>
+          </a:solidFill>
+          <a:latin typeface="+mn-lt"/>
+          <a:ea typeface="+mn-ea"/>
+          <a:cs typeface="+mn-cs"/>
+        </a:defRPr>
+      </a:lvl8pPr>
+      <a:lvl9pPr marL="3657600" algn="l" defTabSz="914400" rtl="0" eaLnBrk="1" latinLnBrk="0" hangingPunct="1">
+        <a:defRPr sz="1800" kern="1200">
+          <a:solidFill>
+            <a:schemeClr val="tx1"/>
+          </a:solidFill>
+          <a:latin typeface="+mn-lt"/>
+          <a:ea typeface="+mn-ea"/>
+          <a:cs typeface="+mn-cs"/>
+        </a:defRPr>
+      </a:lvl9pPr>
+    </p:otherStyle>
+  </p:txStyles>
+</p:sldMaster>
+</file>
+
+<file path=ppt/slides/slide1.xml><?xml version="1.0" encoding="utf-8"?>
+<p:sld xmlns:a="http://schemas.openxmlformats.org/drawingml/2006/main" xmlns:r="http://schemas.openxmlformats.org/officeDocument/2006/relationships" xmlns:p="http://schemas.openxmlformats.org/presentationml/2006/main">
   <p:cSld>
     <p:spTree>
       <p:nvGrpSpPr>
@@ -2935,13 +4559,9 @@
       </p:grpSpPr>
       <p:sp>
         <p:nvSpPr>
-          <p:cNvPr id="0" name="PlaceHolder 1"/>
-          <p:cNvSpPr>
-            <a:spLocks noGrp="1"/>
-          </p:cNvSpPr>
-          <p:nvPr>
-            <p:ph type="title"/>
-          </p:nvPr>
+          <p:cNvPr id="84" name="TextBox 83"/>
+          <p:cNvSpPr txBox="1"/>
+          <p:nvPr/>
         </p:nvSpPr>
         <p:spPr>
           <a:xfrm>
@@ -2951,639 +4571,71 @@
           <a:prstGeom prst="rect">
             <a:avLst/>
           </a:prstGeom>
-        </p:spPr>
-        <p:txBody>
-          <a:bodyPr lIns="0" rIns="0" tIns="0" bIns="0" anchor="ctr">
+          <a:noFill/>
+          <a:ln w="0">
+            <a:noFill/>
+          </a:ln>
+        </p:spPr>
+        <p:txBody>
+          <a:bodyPr lIns="0" tIns="0" rIns="0" bIns="0" anchor="ctr">
             <a:normAutofit/>
           </a:bodyPr>
+          <a:lstStyle/>
           <a:p>
             <a:r>
-              <a:rPr b="1" lang="ru-RU" sz="3600" spc="-1" strike="noStrike">
+              <a:rPr lang="ru-RU" sz="3600" b="1" strike="noStrike" spc="-1">
                 <a:solidFill>
                   <a:srgbClr val="333333"/>
                 </a:solidFill>
                 <a:latin typeface="Noto Sans Regular"/>
               </a:rPr>
-              <a:t>Для правки текста заглавия щёлкните мышью</a:t>
+              <a:t>PHHask</a:t>
             </a:r>
-            <a:endParaRPr b="1" lang="ru-RU" sz="3600" spc="-1" strike="noStrike">
-              <a:solidFill>
-                <a:srgbClr val="333333"/>
-              </a:solidFill>
-              <a:latin typeface="Noto Sans Regular"/>
-            </a:endParaRPr>
-          </a:p>
-        </p:txBody>
-      </p:sp>
-      <p:sp>
-        <p:nvSpPr>
-          <p:cNvPr id="1" name="PlaceHolder 2"/>
-          <p:cNvSpPr>
-            <a:spLocks noGrp="1"/>
-          </p:cNvSpPr>
-          <p:nvPr>
-            <p:ph type="body"/>
-          </p:nvPr>
-        </p:nvSpPr>
-        <p:spPr>
-          <a:xfrm>
-            <a:off x="720000" y="4320000"/>
-            <a:ext cx="8640000" cy="720000"/>
-          </a:xfrm>
-          <a:prstGeom prst="rect">
-            <a:avLst/>
-          </a:prstGeom>
-        </p:spPr>
-        <p:txBody>
-          <a:bodyPr lIns="0" rIns="0" tIns="0" bIns="0">
-            <a:normAutofit fontScale="15000"/>
-          </a:bodyPr>
-          <a:p>
-            <a:pPr marL="432000" indent="-324000">
-              <a:spcAft>
-                <a:spcPts val="1409"/>
-              </a:spcAft>
-              <a:buClr>
-                <a:srgbClr val="333333"/>
-              </a:buClr>
-              <a:buSzPct val="45000"/>
-              <a:buFont typeface="Wingdings" charset="2"/>
-              <a:buChar char=""/>
-            </a:pPr>
-            <a:r>
-              <a:rPr b="0" lang="ru-RU" sz="1800" spc="-1" strike="noStrike">
-                <a:solidFill>
-                  <a:srgbClr val="333333"/>
-                </a:solidFill>
-                <a:latin typeface="Noto Sans Bold"/>
-              </a:rPr>
-              <a:t>Для правки структуры </a:t>
-            </a:r>
-            <a:r>
-              <a:rPr b="0" lang="ru-RU" sz="1800" spc="-1" strike="noStrike">
-                <a:solidFill>
-                  <a:srgbClr val="333333"/>
-                </a:solidFill>
-                <a:latin typeface="Noto Sans Bold"/>
-              </a:rPr>
-              <a:t>щёлкните мышью</a:t>
-            </a:r>
-            <a:endParaRPr b="0" lang="ru-RU" sz="1800" spc="-1" strike="noStrike">
-              <a:solidFill>
-                <a:srgbClr val="333333"/>
-              </a:solidFill>
-              <a:latin typeface="Noto Sans Bold"/>
-            </a:endParaRPr>
-          </a:p>
-          <a:p>
-            <a:pPr lvl="1" marL="864000" indent="-324000">
-              <a:spcAft>
-                <a:spcPts val="1120"/>
-              </a:spcAft>
-              <a:buClr>
-                <a:srgbClr val="ffffff"/>
-              </a:buClr>
-              <a:buSzPct val="75000"/>
-              <a:buFont typeface="Symbol" charset="2"/>
-              <a:buChar char=""/>
-            </a:pPr>
-            <a:r>
-              <a:rPr b="0" lang="ru-RU" sz="1800" spc="-1" strike="noStrike">
-                <a:solidFill>
-                  <a:srgbClr val="333333"/>
-                </a:solidFill>
-                <a:latin typeface="Noto Sans Bold"/>
-              </a:rPr>
-              <a:t>Второй уровень </a:t>
-            </a:r>
-            <a:r>
-              <a:rPr b="0" lang="ru-RU" sz="1800" spc="-1" strike="noStrike">
-                <a:solidFill>
-                  <a:srgbClr val="333333"/>
-                </a:solidFill>
-                <a:latin typeface="Noto Sans Bold"/>
-              </a:rPr>
-              <a:t>структуры</a:t>
-            </a:r>
-            <a:endParaRPr b="0" lang="ru-RU" sz="1800" spc="-1" strike="noStrike">
-              <a:solidFill>
-                <a:srgbClr val="333333"/>
-              </a:solidFill>
-              <a:latin typeface="Noto Sans Bold"/>
-            </a:endParaRPr>
-          </a:p>
-          <a:p>
-            <a:pPr lvl="2" marL="1296000" indent="-288000">
-              <a:spcAft>
-                <a:spcPts val="839"/>
-              </a:spcAft>
-              <a:buClr>
-                <a:srgbClr val="ffffff"/>
-              </a:buClr>
-              <a:buSzPct val="45000"/>
-              <a:buFont typeface="Wingdings" charset="2"/>
-              <a:buChar char=""/>
-            </a:pPr>
-            <a:r>
-              <a:rPr b="0" lang="ru-RU" sz="1800" spc="-1" strike="noStrike">
-                <a:solidFill>
-                  <a:srgbClr val="333333"/>
-                </a:solidFill>
-                <a:latin typeface="Noto Sans Bold"/>
-              </a:rPr>
-              <a:t>Третий уровень </a:t>
-            </a:r>
-            <a:r>
-              <a:rPr b="0" lang="ru-RU" sz="1800" spc="-1" strike="noStrike">
-                <a:solidFill>
-                  <a:srgbClr val="333333"/>
-                </a:solidFill>
-                <a:latin typeface="Noto Sans Bold"/>
-              </a:rPr>
-              <a:t>структуры</a:t>
-            </a:r>
-            <a:endParaRPr b="0" lang="ru-RU" sz="1800" spc="-1" strike="noStrike">
-              <a:solidFill>
-                <a:srgbClr val="333333"/>
-              </a:solidFill>
-              <a:latin typeface="Noto Sans Bold"/>
-            </a:endParaRPr>
-          </a:p>
-          <a:p>
-            <a:pPr lvl="3" marL="1728000" indent="-216000">
-              <a:spcAft>
-                <a:spcPts val="556"/>
-              </a:spcAft>
-              <a:buClr>
-                <a:srgbClr val="ffffff"/>
-              </a:buClr>
-              <a:buSzPct val="75000"/>
-              <a:buFont typeface="Symbol" charset="2"/>
-              <a:buChar char=""/>
-            </a:pPr>
-            <a:r>
-              <a:rPr b="0" lang="ru-RU" sz="1800" spc="-1" strike="noStrike">
-                <a:solidFill>
-                  <a:srgbClr val="333333"/>
-                </a:solidFill>
-                <a:latin typeface="Noto Sans Bold"/>
-              </a:rPr>
-              <a:t>Четвёртый </a:t>
-            </a:r>
-            <a:r>
-              <a:rPr b="0" lang="ru-RU" sz="1800" spc="-1" strike="noStrike">
-                <a:solidFill>
-                  <a:srgbClr val="333333"/>
-                </a:solidFill>
-                <a:latin typeface="Noto Sans Bold"/>
-              </a:rPr>
-              <a:t>уровень </a:t>
-            </a:r>
-            <a:r>
-              <a:rPr b="0" lang="ru-RU" sz="1800" spc="-1" strike="noStrike">
-                <a:solidFill>
-                  <a:srgbClr val="333333"/>
-                </a:solidFill>
-                <a:latin typeface="Noto Sans Bold"/>
-              </a:rPr>
-              <a:t>структуры</a:t>
-            </a:r>
-            <a:endParaRPr b="0" lang="ru-RU" sz="1800" spc="-1" strike="noStrike">
-              <a:solidFill>
-                <a:srgbClr val="333333"/>
-              </a:solidFill>
-              <a:latin typeface="Noto Sans Bold"/>
-            </a:endParaRPr>
-          </a:p>
-          <a:p>
-            <a:pPr lvl="4" marL="2160000" indent="-216000">
-              <a:spcAft>
-                <a:spcPts val="272"/>
-              </a:spcAft>
-              <a:buClr>
-                <a:srgbClr val="ffffff"/>
-              </a:buClr>
-              <a:buSzPct val="45000"/>
-              <a:buFont typeface="Wingdings" charset="2"/>
-              <a:buChar char=""/>
-            </a:pPr>
-            <a:r>
-              <a:rPr b="0" lang="ru-RU" sz="1800" spc="-1" strike="noStrike">
-                <a:solidFill>
-                  <a:srgbClr val="333333"/>
-                </a:solidFill>
-                <a:latin typeface="Noto Sans Bold"/>
-              </a:rPr>
-              <a:t>Пятый </a:t>
-            </a:r>
-            <a:r>
-              <a:rPr b="0" lang="ru-RU" sz="1800" spc="-1" strike="noStrike">
-                <a:solidFill>
-                  <a:srgbClr val="333333"/>
-                </a:solidFill>
-                <a:latin typeface="Noto Sans Bold"/>
-              </a:rPr>
-              <a:t>уровень </a:t>
-            </a:r>
-            <a:r>
-              <a:rPr b="0" lang="ru-RU" sz="1800" spc="-1" strike="noStrike">
-                <a:solidFill>
-                  <a:srgbClr val="333333"/>
-                </a:solidFill>
-                <a:latin typeface="Noto Sans Bold"/>
-              </a:rPr>
-              <a:t>структуры</a:t>
-            </a:r>
-            <a:endParaRPr b="0" lang="ru-RU" sz="1800" spc="-1" strike="noStrike">
-              <a:solidFill>
-                <a:srgbClr val="333333"/>
-              </a:solidFill>
-              <a:latin typeface="Noto Sans Bold"/>
-            </a:endParaRPr>
-          </a:p>
-          <a:p>
-            <a:pPr lvl="5" marL="2592000" indent="-216000">
-              <a:spcAft>
-                <a:spcPts val="272"/>
-              </a:spcAft>
-              <a:buClr>
-                <a:srgbClr val="ffffff"/>
-              </a:buClr>
-              <a:buSzPct val="45000"/>
-              <a:buFont typeface="Wingdings" charset="2"/>
-              <a:buChar char=""/>
-            </a:pPr>
-            <a:r>
-              <a:rPr b="0" lang="ru-RU" sz="1800" spc="-1" strike="noStrike">
-                <a:solidFill>
-                  <a:srgbClr val="333333"/>
-                </a:solidFill>
-                <a:latin typeface="Noto Sans Bold"/>
-              </a:rPr>
-              <a:t>Шесто</a:t>
-            </a:r>
-            <a:r>
-              <a:rPr b="0" lang="ru-RU" sz="1800" spc="-1" strike="noStrike">
-                <a:solidFill>
-                  <a:srgbClr val="333333"/>
-                </a:solidFill>
-                <a:latin typeface="Noto Sans Bold"/>
-              </a:rPr>
-              <a:t>й </a:t>
-            </a:r>
-            <a:r>
-              <a:rPr b="0" lang="ru-RU" sz="1800" spc="-1" strike="noStrike">
-                <a:solidFill>
-                  <a:srgbClr val="333333"/>
-                </a:solidFill>
-                <a:latin typeface="Noto Sans Bold"/>
-              </a:rPr>
-              <a:t>урове</a:t>
-            </a:r>
-            <a:r>
-              <a:rPr b="0" lang="ru-RU" sz="1800" spc="-1" strike="noStrike">
-                <a:solidFill>
-                  <a:srgbClr val="333333"/>
-                </a:solidFill>
-                <a:latin typeface="Noto Sans Bold"/>
-              </a:rPr>
-              <a:t>нь </a:t>
-            </a:r>
-            <a:r>
-              <a:rPr b="0" lang="ru-RU" sz="1800" spc="-1" strike="noStrike">
-                <a:solidFill>
-                  <a:srgbClr val="333333"/>
-                </a:solidFill>
-                <a:latin typeface="Noto Sans Bold"/>
-              </a:rPr>
-              <a:t>структ</a:t>
-            </a:r>
-            <a:r>
-              <a:rPr b="0" lang="ru-RU" sz="1800" spc="-1" strike="noStrike">
-                <a:solidFill>
-                  <a:srgbClr val="333333"/>
-                </a:solidFill>
-                <a:latin typeface="Noto Sans Bold"/>
-              </a:rPr>
-              <a:t>уры</a:t>
-            </a:r>
-            <a:endParaRPr b="0" lang="ru-RU" sz="1800" spc="-1" strike="noStrike">
-              <a:solidFill>
-                <a:srgbClr val="333333"/>
-              </a:solidFill>
-              <a:latin typeface="Noto Sans Bold"/>
-            </a:endParaRPr>
-          </a:p>
-          <a:p>
-            <a:pPr lvl="6" marL="3024000" indent="-216000">
-              <a:spcAft>
-                <a:spcPts val="272"/>
-              </a:spcAft>
-              <a:buClr>
-                <a:srgbClr val="ffffff"/>
-              </a:buClr>
-              <a:buSzPct val="45000"/>
-              <a:buFont typeface="Wingdings" charset="2"/>
-              <a:buChar char=""/>
-            </a:pPr>
-            <a:r>
-              <a:rPr b="0" lang="ru-RU" sz="1800" spc="-1" strike="noStrike">
-                <a:solidFill>
-                  <a:srgbClr val="333333"/>
-                </a:solidFill>
-                <a:latin typeface="Noto Sans Bold"/>
-              </a:rPr>
-              <a:t>Се</a:t>
-            </a:r>
-            <a:r>
-              <a:rPr b="0" lang="ru-RU" sz="1800" spc="-1" strike="noStrike">
-                <a:solidFill>
-                  <a:srgbClr val="333333"/>
-                </a:solidFill>
-                <a:latin typeface="Noto Sans Bold"/>
-              </a:rPr>
-              <a:t>дь</a:t>
-            </a:r>
-            <a:r>
-              <a:rPr b="0" lang="ru-RU" sz="1800" spc="-1" strike="noStrike">
-                <a:solidFill>
-                  <a:srgbClr val="333333"/>
-                </a:solidFill>
-                <a:latin typeface="Noto Sans Bold"/>
-              </a:rPr>
-              <a:t>мо</a:t>
-            </a:r>
-            <a:r>
-              <a:rPr b="0" lang="ru-RU" sz="1800" spc="-1" strike="noStrike">
-                <a:solidFill>
-                  <a:srgbClr val="333333"/>
-                </a:solidFill>
-                <a:latin typeface="Noto Sans Bold"/>
-              </a:rPr>
-              <a:t>й </a:t>
-            </a:r>
-            <a:r>
-              <a:rPr b="0" lang="ru-RU" sz="1800" spc="-1" strike="noStrike">
-                <a:solidFill>
-                  <a:srgbClr val="333333"/>
-                </a:solidFill>
-                <a:latin typeface="Noto Sans Bold"/>
-              </a:rPr>
-              <a:t>ур</a:t>
-            </a:r>
-            <a:r>
-              <a:rPr b="0" lang="ru-RU" sz="1800" spc="-1" strike="noStrike">
-                <a:solidFill>
-                  <a:srgbClr val="333333"/>
-                </a:solidFill>
-                <a:latin typeface="Noto Sans Bold"/>
-              </a:rPr>
-              <a:t>ов</a:t>
-            </a:r>
-            <a:r>
-              <a:rPr b="0" lang="ru-RU" sz="1800" spc="-1" strike="noStrike">
-                <a:solidFill>
-                  <a:srgbClr val="333333"/>
-                </a:solidFill>
-                <a:latin typeface="Noto Sans Bold"/>
-              </a:rPr>
-              <a:t>ен</a:t>
-            </a:r>
-            <a:r>
-              <a:rPr b="0" lang="ru-RU" sz="1800" spc="-1" strike="noStrike">
-                <a:solidFill>
-                  <a:srgbClr val="333333"/>
-                </a:solidFill>
-                <a:latin typeface="Noto Sans Bold"/>
-              </a:rPr>
-              <a:t>ь </a:t>
-            </a:r>
-            <a:r>
-              <a:rPr b="0" lang="ru-RU" sz="1800" spc="-1" strike="noStrike">
-                <a:solidFill>
-                  <a:srgbClr val="333333"/>
-                </a:solidFill>
-                <a:latin typeface="Noto Sans Bold"/>
-              </a:rPr>
-              <a:t>ст</a:t>
-            </a:r>
-            <a:r>
-              <a:rPr b="0" lang="ru-RU" sz="1800" spc="-1" strike="noStrike">
-                <a:solidFill>
-                  <a:srgbClr val="333333"/>
-                </a:solidFill>
-                <a:latin typeface="Noto Sans Bold"/>
-              </a:rPr>
-              <a:t>ру</a:t>
-            </a:r>
-            <a:r>
-              <a:rPr b="0" lang="ru-RU" sz="1800" spc="-1" strike="noStrike">
-                <a:solidFill>
-                  <a:srgbClr val="333333"/>
-                </a:solidFill>
-                <a:latin typeface="Noto Sans Bold"/>
-              </a:rPr>
-              <a:t>кт</a:t>
-            </a:r>
-            <a:r>
-              <a:rPr b="0" lang="ru-RU" sz="1800" spc="-1" strike="noStrike">
-                <a:solidFill>
-                  <a:srgbClr val="333333"/>
-                </a:solidFill>
-                <a:latin typeface="Noto Sans Bold"/>
-              </a:rPr>
-              <a:t>ур</a:t>
-            </a:r>
-            <a:r>
-              <a:rPr b="0" lang="ru-RU" sz="1800" spc="-1" strike="noStrike">
-                <a:solidFill>
-                  <a:srgbClr val="333333"/>
-                </a:solidFill>
-                <a:latin typeface="Noto Sans Bold"/>
-              </a:rPr>
-              <a:t>ы</a:t>
-            </a:r>
-            <a:endParaRPr b="0" lang="ru-RU" sz="1800" spc="-1" strike="noStrike">
-              <a:solidFill>
-                <a:srgbClr val="333333"/>
-              </a:solidFill>
-              <a:latin typeface="Noto Sans Bold"/>
-            </a:endParaRPr>
-          </a:p>
-        </p:txBody>
-      </p:sp>
-      <p:sp>
-        <p:nvSpPr>
-          <p:cNvPr id="2" name="PlaceHolder 3"/>
-          <p:cNvSpPr>
-            <a:spLocks noGrp="1"/>
-          </p:cNvSpPr>
-          <p:nvPr>
-            <p:ph type="dt"/>
-          </p:nvPr>
-        </p:nvSpPr>
-        <p:spPr>
-          <a:xfrm>
-            <a:off x="540000" y="5220000"/>
-            <a:ext cx="2340000" cy="396000"/>
-          </a:xfrm>
-          <a:prstGeom prst="rect">
-            <a:avLst/>
-          </a:prstGeom>
-        </p:spPr>
-        <p:txBody>
-          <a:bodyPr lIns="0" rIns="0" tIns="0" bIns="0">
-            <a:noAutofit/>
-          </a:bodyPr>
-          <a:p>
-            <a:r>
-              <a:rPr b="0" lang="ru-RU" sz="1400" spc="-1" strike="noStrike">
-                <a:latin typeface="Noto Sans Regular"/>
-              </a:rPr>
-              <a:t>&lt;дата/время&gt;</a:t>
-            </a:r>
-            <a:endParaRPr b="0" lang="ru-RU" sz="1400" spc="-1" strike="noStrike">
-              <a:latin typeface="Noto Sans Regular"/>
-            </a:endParaRPr>
-          </a:p>
-        </p:txBody>
-      </p:sp>
-      <p:sp>
-        <p:nvSpPr>
-          <p:cNvPr id="3" name="PlaceHolder 4"/>
-          <p:cNvSpPr>
-            <a:spLocks noGrp="1"/>
-          </p:cNvSpPr>
-          <p:nvPr>
-            <p:ph type="ftr"/>
-          </p:nvPr>
-        </p:nvSpPr>
-        <p:spPr>
-          <a:xfrm>
-            <a:off x="3420000" y="5220000"/>
-            <a:ext cx="3240000" cy="396000"/>
-          </a:xfrm>
-          <a:prstGeom prst="rect">
-            <a:avLst/>
-          </a:prstGeom>
-        </p:spPr>
-        <p:txBody>
-          <a:bodyPr lIns="0" rIns="0" tIns="0" bIns="0">
-            <a:noAutofit/>
-          </a:bodyPr>
-          <a:p>
-            <a:pPr algn="ctr"/>
-            <a:r>
-              <a:rPr b="0" lang="ru-RU" sz="1400" spc="-1" strike="noStrike">
-                <a:latin typeface="Noto Sans Regular"/>
-              </a:rPr>
-              <a:t>&lt;нижний колонтитул&gt;</a:t>
-            </a:r>
-            <a:endParaRPr b="0" lang="ru-RU" sz="1400" spc="-1" strike="noStrike">
-              <a:latin typeface="Noto Sans Regular"/>
-            </a:endParaRPr>
-          </a:p>
-        </p:txBody>
-      </p:sp>
-      <p:sp>
-        <p:nvSpPr>
-          <p:cNvPr id="4" name="PlaceHolder 5"/>
-          <p:cNvSpPr>
-            <a:spLocks noGrp="1"/>
-          </p:cNvSpPr>
-          <p:nvPr>
-            <p:ph type="sldNum"/>
-          </p:nvPr>
-        </p:nvSpPr>
-        <p:spPr>
-          <a:xfrm>
-            <a:off x="7200000" y="5220000"/>
-            <a:ext cx="2340000" cy="396000"/>
-          </a:xfrm>
-          <a:prstGeom prst="rect">
-            <a:avLst/>
-          </a:prstGeom>
-        </p:spPr>
-        <p:txBody>
-          <a:bodyPr lIns="0" rIns="0" tIns="0" bIns="0">
-            <a:noAutofit/>
-          </a:bodyPr>
-          <a:p>
-            <a:pPr algn="r"/>
-            <a:fld id="{E84249B8-6655-46CE-A126-F95CEE0AB915}" type="slidenum">
-              <a:rPr b="0" lang="ru-RU" sz="1400" spc="-1" strike="noStrike">
-                <a:latin typeface="Noto Sans Regular"/>
-              </a:rPr>
-              <a:t>&lt;номер&gt;</a:t>
-            </a:fld>
-            <a:r>
-              <a:rPr b="0" lang="ru-RU" sz="1400" spc="-1" strike="noStrike">
-                <a:latin typeface="Noto Sans Regular"/>
-              </a:rPr>
-              <a:t> / </a:t>
-            </a:r>
-            <a:fld id="{9B6FADD0-5D66-4C70-A38C-0584A09C0A13}" type="slidecount">
-              <a:rPr b="0" lang="ru-RU" sz="1400" spc="-1" strike="noStrike">
-                <a:latin typeface="Noto Sans Regular"/>
-              </a:rPr>
-              <a:t>&lt;число&gt;</a:t>
-            </a:fld>
-            <a:endParaRPr b="0" lang="ru-RU" sz="1400" spc="-1" strike="noStrike">
-              <a:latin typeface="Noto Sans Regular"/>
-            </a:endParaRPr>
-          </a:p>
-        </p:txBody>
-      </p:sp>
-      <p:sp>
-        <p:nvSpPr>
-          <p:cNvPr id="5" name=""/>
-          <p:cNvSpPr/>
+          </a:p>
+        </p:txBody>
+      </p:sp>
+      <p:sp>
+        <p:nvSpPr>
+          <p:cNvPr id="85" name="TextBox 84"/>
+          <p:cNvSpPr txBox="1"/>
           <p:nvPr/>
         </p:nvSpPr>
         <p:spPr>
           <a:xfrm>
-            <a:off x="0" y="3060000"/>
-            <a:ext cx="540000" cy="1080000"/>
-          </a:xfrm>
-          <a:prstGeom prst="rect">
-            <a:avLst/>
-          </a:prstGeom>
-          <a:solidFill>
-            <a:srgbClr val="f10d0c"/>
-          </a:solidFill>
-          <a:ln w="10800">
+            <a:off x="720000" y="4205880"/>
+            <a:ext cx="8640000" cy="948600"/>
+          </a:xfrm>
+          <a:prstGeom prst="rect">
+            <a:avLst/>
+          </a:prstGeom>
+          <a:noFill/>
+          <a:ln w="0">
             <a:noFill/>
           </a:ln>
         </p:spPr>
-        <p:style>
-          <a:lnRef idx="0"/>
-          <a:fillRef idx="0"/>
-          <a:effectRef idx="0"/>
-          <a:fontRef idx="minor"/>
-        </p:style>
+        <p:txBody>
+          <a:bodyPr lIns="0" tIns="0" rIns="0" bIns="0" anchor="ctr">
+            <a:noAutofit/>
+          </a:bodyPr>
+          <a:lstStyle/>
+          <a:p>
+            <a:pPr algn="ctr"/>
+            <a:endParaRPr lang="ru-RU" sz="3200" b="0" strike="noStrike" spc="-1">
+              <a:latin typeface="Noto Sans Regular"/>
+            </a:endParaRPr>
+          </a:p>
+        </p:txBody>
       </p:sp>
     </p:spTree>
   </p:cSld>
-  <p:clrMap bg1="lt1" bg2="lt2" tx1="dk1" tx2="dk2" accent1="accent1" accent2="accent2" accent3="accent3" accent4="accent4" accent5="accent5" accent6="accent6" hlink="hlink" folHlink="folHlink"/>
-  <p:sldLayoutIdLst>
-    <p:sldLayoutId id="2147483649" r:id="rId2"/>
-    <p:sldLayoutId id="2147483650" r:id="rId3"/>
-    <p:sldLayoutId id="2147483651" r:id="rId4"/>
-    <p:sldLayoutId id="2147483652" r:id="rId5"/>
-    <p:sldLayoutId id="2147483653" r:id="rId6"/>
-    <p:sldLayoutId id="2147483654" r:id="rId7"/>
-    <p:sldLayoutId id="2147483655" r:id="rId8"/>
-    <p:sldLayoutId id="2147483656" r:id="rId9"/>
-    <p:sldLayoutId id="2147483657" r:id="rId10"/>
-    <p:sldLayoutId id="2147483658" r:id="rId11"/>
-    <p:sldLayoutId id="2147483659" r:id="rId12"/>
-    <p:sldLayoutId id="2147483660" r:id="rId13"/>
-  </p:sldLayoutIdLst>
-</p:sldMaster>
+  <p:clrMapOvr>
+    <a:masterClrMapping/>
+  </p:clrMapOvr>
+</p:sld>
 </file>
 
-<file path=ppt/slideMasters/slideMaster2.xml><?xml version="1.0" encoding="utf-8"?>
-<p:sldMaster xmlns:a="http://schemas.openxmlformats.org/drawingml/2006/main" xmlns:p="http://schemas.openxmlformats.org/presentationml/2006/main" xmlns:r="http://schemas.openxmlformats.org/officeDocument/2006/relationships" xmlns:p14="http://schemas.microsoft.com/office/powerpoint/2010/main" xmlns:p15="http://schemas.microsoft.com/office/powerpoint/2012/main" xmlns:mc="http://schemas.openxmlformats.org/markup-compatibility/2006">
+<file path=ppt/slides/slide2.xml><?xml version="1.0" encoding="utf-8"?>
+<p:sld xmlns:a="http://schemas.openxmlformats.org/drawingml/2006/main" xmlns:r="http://schemas.openxmlformats.org/officeDocument/2006/relationships" xmlns:p="http://schemas.openxmlformats.org/presentationml/2006/main">
   <p:cSld>
     <p:spTree>
       <p:nvGrpSpPr>
@@ -3601,439 +4653,131 @@
       </p:grpSpPr>
       <p:sp>
         <p:nvSpPr>
-          <p:cNvPr id="42" name="PlaceHolder 1"/>
-          <p:cNvSpPr>
-            <a:spLocks noGrp="1"/>
-          </p:cNvSpPr>
-          <p:nvPr>
-            <p:ph type="title"/>
-          </p:nvPr>
-        </p:nvSpPr>
-        <p:spPr>
-          <a:xfrm>
-            <a:off x="720000" y="180000"/>
-            <a:ext cx="9000000" cy="1080000"/>
-          </a:xfrm>
-          <a:prstGeom prst="rect">
-            <a:avLst/>
-          </a:prstGeom>
-        </p:spPr>
-        <p:txBody>
-          <a:bodyPr lIns="0" rIns="0" tIns="0" bIns="0" anchor="ctr">
-            <a:noAutofit/>
-          </a:bodyPr>
+          <p:cNvPr id="86" name="TextBox 85"/>
+          <p:cNvSpPr txBox="1"/>
+          <p:nvPr/>
+        </p:nvSpPr>
+        <p:spPr>
+          <a:xfrm>
+            <a:off x="720000" y="225720"/>
+            <a:ext cx="8855640" cy="946800"/>
+          </a:xfrm>
+          <a:prstGeom prst="rect">
+            <a:avLst/>
+          </a:prstGeom>
+          <a:noFill/>
+          <a:ln w="0">
+            <a:noFill/>
+          </a:ln>
+        </p:spPr>
+        <p:txBody>
+          <a:bodyPr lIns="0" tIns="0" rIns="0" bIns="0" anchor="ctr">
+            <a:noAutofit/>
+          </a:bodyPr>
+          <a:lstStyle/>
           <a:p>
             <a:r>
-              <a:rPr b="1" lang="ru-RU" sz="3300" spc="-1" strike="noStrike">
+              <a:rPr lang="ru-RU" sz="3300" b="1" strike="noStrike" spc="-1" dirty="0">
                 <a:solidFill>
                   <a:srgbClr val="333333"/>
                 </a:solidFill>
                 <a:latin typeface="Noto Sans Regular"/>
               </a:rPr>
-              <a:t>Для правки текста заглавия щёлкните мышью</a:t>
+              <a:t>Вспомним прошлое</a:t>
             </a:r>
-            <a:endParaRPr b="1" lang="ru-RU" sz="3300" spc="-1" strike="noStrike">
-              <a:solidFill>
-                <a:srgbClr val="333333"/>
-              </a:solidFill>
-              <a:latin typeface="Noto Sans Regular"/>
-            </a:endParaRPr>
-          </a:p>
-        </p:txBody>
-      </p:sp>
-      <p:sp>
-        <p:nvSpPr>
-          <p:cNvPr id="43" name="PlaceHolder 2"/>
-          <p:cNvSpPr>
-            <a:spLocks noGrp="1"/>
-          </p:cNvSpPr>
-          <p:nvPr>
-            <p:ph type="body"/>
-          </p:nvPr>
-        </p:nvSpPr>
-        <p:spPr>
-          <a:xfrm>
-            <a:off x="720000" y="1440000"/>
-            <a:ext cx="9000000" cy="3420000"/>
-          </a:xfrm>
-          <a:prstGeom prst="rect">
-            <a:avLst/>
-          </a:prstGeom>
-        </p:spPr>
-        <p:txBody>
-          <a:bodyPr lIns="0" rIns="0" tIns="0" bIns="0">
-            <a:noAutofit/>
-          </a:bodyPr>
-          <a:p>
-            <a:pPr marL="432000" indent="-324000">
-              <a:spcAft>
-                <a:spcPts val="1060"/>
-              </a:spcAft>
-              <a:buClr>
-                <a:srgbClr val="ef2929"/>
-              </a:buClr>
-              <a:buSzPct val="45000"/>
-              <a:buFont typeface="Wingdings" charset="2"/>
-              <a:buChar char=""/>
-            </a:pPr>
-            <a:r>
-              <a:rPr b="0" lang="ru-RU" sz="2100" spc="-1" strike="noStrike">
-                <a:solidFill>
-                  <a:srgbClr val="333333"/>
-                </a:solidFill>
-                <a:latin typeface="Noto Sans Regular"/>
-              </a:rPr>
-              <a:t>Для правки структуры щёлкните мышью</a:t>
-            </a:r>
-            <a:endParaRPr b="0" lang="ru-RU" sz="2100" spc="-1" strike="noStrike">
-              <a:solidFill>
-                <a:srgbClr val="333333"/>
-              </a:solidFill>
-              <a:latin typeface="Noto Sans Regular"/>
-            </a:endParaRPr>
-          </a:p>
-          <a:p>
-            <a:pPr lvl="1" marL="864000" indent="-324000">
-              <a:spcAft>
-                <a:spcPts val="850"/>
-              </a:spcAft>
-              <a:buClr>
-                <a:srgbClr val="ef2929"/>
-              </a:buClr>
-              <a:buSzPct val="75000"/>
-              <a:buFont typeface="Symbol" charset="2"/>
-              <a:buChar char=""/>
-            </a:pPr>
-            <a:r>
-              <a:rPr b="0" lang="ru-RU" sz="2100" spc="-1" strike="noStrike">
-                <a:solidFill>
-                  <a:srgbClr val="333333"/>
-                </a:solidFill>
-                <a:latin typeface="Noto Sans Regular"/>
-              </a:rPr>
-              <a:t>Второй уровень структуры</a:t>
-            </a:r>
-            <a:endParaRPr b="0" lang="ru-RU" sz="2100" spc="-1" strike="noStrike">
-              <a:solidFill>
-                <a:srgbClr val="333333"/>
-              </a:solidFill>
-              <a:latin typeface="Noto Sans Regular"/>
-            </a:endParaRPr>
-          </a:p>
-          <a:p>
-            <a:pPr lvl="2" marL="1296000" indent="-288000">
-              <a:spcAft>
-                <a:spcPts val="632"/>
-              </a:spcAft>
-              <a:buClr>
-                <a:srgbClr val="ef2929"/>
-              </a:buClr>
-              <a:buSzPct val="45000"/>
-              <a:buFont typeface="Wingdings" charset="2"/>
-              <a:buChar char=""/>
-            </a:pPr>
-            <a:r>
-              <a:rPr b="0" lang="ru-RU" sz="2100" spc="-1" strike="noStrike">
-                <a:solidFill>
-                  <a:srgbClr val="333333"/>
-                </a:solidFill>
-                <a:latin typeface="Noto Sans Regular"/>
-              </a:rPr>
-              <a:t>Третий уровень структуры</a:t>
-            </a:r>
-            <a:endParaRPr b="0" lang="ru-RU" sz="2100" spc="-1" strike="noStrike">
-              <a:solidFill>
-                <a:srgbClr val="333333"/>
-              </a:solidFill>
-              <a:latin typeface="Noto Sans Regular"/>
-            </a:endParaRPr>
-          </a:p>
-          <a:p>
-            <a:pPr lvl="3" marL="1728000" indent="-216000">
-              <a:spcAft>
-                <a:spcPts val="425"/>
-              </a:spcAft>
-              <a:buClr>
-                <a:srgbClr val="ef2929"/>
-              </a:buClr>
-              <a:buSzPct val="75000"/>
-              <a:buFont typeface="Symbol" charset="2"/>
-              <a:buChar char=""/>
-            </a:pPr>
-            <a:r>
-              <a:rPr b="0" lang="ru-RU" sz="2100" spc="-1" strike="noStrike">
-                <a:solidFill>
-                  <a:srgbClr val="333333"/>
-                </a:solidFill>
-                <a:latin typeface="Noto Sans Regular"/>
-              </a:rPr>
-              <a:t>Четвёртый уровень структуры</a:t>
-            </a:r>
-            <a:endParaRPr b="0" lang="ru-RU" sz="2100" spc="-1" strike="noStrike">
-              <a:solidFill>
-                <a:srgbClr val="333333"/>
-              </a:solidFill>
-              <a:latin typeface="Noto Sans Regular"/>
-            </a:endParaRPr>
-          </a:p>
-          <a:p>
-            <a:pPr lvl="4" marL="2160000" indent="-216000">
-              <a:spcAft>
-                <a:spcPts val="213"/>
-              </a:spcAft>
-              <a:buClr>
-                <a:srgbClr val="ef2929"/>
-              </a:buClr>
-              <a:buSzPct val="45000"/>
-              <a:buFont typeface="Wingdings" charset="2"/>
-              <a:buChar char=""/>
-            </a:pPr>
-            <a:r>
-              <a:rPr b="0" lang="ru-RU" sz="2100" spc="-1" strike="noStrike">
-                <a:solidFill>
-                  <a:srgbClr val="333333"/>
-                </a:solidFill>
-                <a:latin typeface="Noto Sans Regular"/>
-              </a:rPr>
-              <a:t>Пятый уровень структуры</a:t>
-            </a:r>
-            <a:endParaRPr b="0" lang="ru-RU" sz="2100" spc="-1" strike="noStrike">
-              <a:solidFill>
-                <a:srgbClr val="333333"/>
-              </a:solidFill>
-              <a:latin typeface="Noto Sans Regular"/>
-            </a:endParaRPr>
-          </a:p>
-          <a:p>
-            <a:pPr lvl="5" marL="2592000" indent="-216000">
-              <a:spcAft>
-                <a:spcPts val="213"/>
-              </a:spcAft>
-              <a:buClr>
-                <a:srgbClr val="ef2929"/>
-              </a:buClr>
-              <a:buSzPct val="45000"/>
-              <a:buFont typeface="Wingdings" charset="2"/>
-              <a:buChar char=""/>
-            </a:pPr>
-            <a:r>
-              <a:rPr b="0" lang="ru-RU" sz="2100" spc="-1" strike="noStrike">
-                <a:solidFill>
-                  <a:srgbClr val="333333"/>
-                </a:solidFill>
-                <a:latin typeface="Noto Sans Regular"/>
-              </a:rPr>
-              <a:t>Шестой уровень структуры</a:t>
-            </a:r>
-            <a:endParaRPr b="0" lang="ru-RU" sz="2100" spc="-1" strike="noStrike">
-              <a:solidFill>
-                <a:srgbClr val="333333"/>
-              </a:solidFill>
-              <a:latin typeface="Noto Sans Regular"/>
-            </a:endParaRPr>
-          </a:p>
-          <a:p>
-            <a:pPr lvl="6" marL="3024000" indent="-216000">
-              <a:spcAft>
-                <a:spcPts val="213"/>
-              </a:spcAft>
-              <a:buClr>
-                <a:srgbClr val="ef2929"/>
-              </a:buClr>
-              <a:buSzPct val="45000"/>
-              <a:buFont typeface="Wingdings" charset="2"/>
-              <a:buChar char=""/>
-            </a:pPr>
-            <a:r>
-              <a:rPr b="0" lang="ru-RU" sz="2100" spc="-1" strike="noStrike">
-                <a:solidFill>
-                  <a:srgbClr val="333333"/>
-                </a:solidFill>
-                <a:latin typeface="Noto Sans Regular"/>
-              </a:rPr>
-              <a:t>Седьмой уровень структуры</a:t>
-            </a:r>
-            <a:endParaRPr b="0" lang="ru-RU" sz="2100" spc="-1" strike="noStrike">
-              <a:solidFill>
-                <a:srgbClr val="333333"/>
-              </a:solidFill>
-              <a:latin typeface="Noto Sans Regular"/>
-            </a:endParaRPr>
-          </a:p>
-        </p:txBody>
-      </p:sp>
-      <p:sp>
-        <p:nvSpPr>
-          <p:cNvPr id="44" name="PlaceHolder 3"/>
-          <p:cNvSpPr>
-            <a:spLocks noGrp="1"/>
-          </p:cNvSpPr>
-          <p:nvPr>
-            <p:ph type="dt"/>
-          </p:nvPr>
-        </p:nvSpPr>
-        <p:spPr>
-          <a:xfrm>
-            <a:off x="540000" y="5220000"/>
-            <a:ext cx="2340000" cy="396000"/>
-          </a:xfrm>
-          <a:prstGeom prst="rect">
-            <a:avLst/>
-          </a:prstGeom>
-        </p:spPr>
-        <p:txBody>
-          <a:bodyPr lIns="0" rIns="0" tIns="0" bIns="0">
-            <a:noAutofit/>
-          </a:bodyPr>
-          <a:p>
-            <a:r>
-              <a:rPr b="0" lang="ru-RU" sz="1400" spc="-1" strike="noStrike">
-                <a:latin typeface="Noto Sans Regular"/>
-              </a:rPr>
-              <a:t>&lt;дата/время&gt;</a:t>
-            </a:r>
-            <a:endParaRPr b="0" lang="ru-RU" sz="1400" spc="-1" strike="noStrike">
-              <a:latin typeface="Noto Sans Regular"/>
-            </a:endParaRPr>
-          </a:p>
-        </p:txBody>
-      </p:sp>
-      <p:sp>
-        <p:nvSpPr>
-          <p:cNvPr id="45" name="PlaceHolder 4"/>
-          <p:cNvSpPr>
-            <a:spLocks noGrp="1"/>
-          </p:cNvSpPr>
-          <p:nvPr>
-            <p:ph type="ftr"/>
-          </p:nvPr>
-        </p:nvSpPr>
-        <p:spPr>
-          <a:xfrm>
-            <a:off x="3420000" y="5220000"/>
-            <a:ext cx="3240000" cy="396000"/>
-          </a:xfrm>
-          <a:prstGeom prst="rect">
-            <a:avLst/>
-          </a:prstGeom>
-        </p:spPr>
-        <p:txBody>
-          <a:bodyPr lIns="0" rIns="0" tIns="0" bIns="0">
-            <a:noAutofit/>
-          </a:bodyPr>
-          <a:p>
-            <a:pPr algn="ctr"/>
-            <a:r>
-              <a:rPr b="0" lang="ru-RU" sz="1400" spc="-1" strike="noStrike">
-                <a:latin typeface="Noto Sans Regular"/>
-              </a:rPr>
-              <a:t>&lt;нижний колонтитул&gt;</a:t>
-            </a:r>
-            <a:endParaRPr b="0" lang="ru-RU" sz="1400" spc="-1" strike="noStrike">
-              <a:latin typeface="Noto Sans Regular"/>
-            </a:endParaRPr>
-          </a:p>
-        </p:txBody>
-      </p:sp>
-      <p:sp>
-        <p:nvSpPr>
-          <p:cNvPr id="46" name="PlaceHolder 5"/>
-          <p:cNvSpPr>
-            <a:spLocks noGrp="1"/>
-          </p:cNvSpPr>
-          <p:nvPr>
-            <p:ph type="sldNum"/>
-          </p:nvPr>
-        </p:nvSpPr>
-        <p:spPr>
-          <a:xfrm>
-            <a:off x="7200000" y="5220000"/>
-            <a:ext cx="2340000" cy="396000"/>
-          </a:xfrm>
-          <a:prstGeom prst="rect">
-            <a:avLst/>
-          </a:prstGeom>
-        </p:spPr>
-        <p:txBody>
-          <a:bodyPr lIns="0" rIns="0" tIns="0" bIns="0">
-            <a:noAutofit/>
-          </a:bodyPr>
-          <a:p>
-            <a:pPr algn="r"/>
-            <a:fld id="{3E195CC9-F8B5-4213-B636-55B005D6C9B5}" type="slidenum">
-              <a:rPr b="0" lang="ru-RU" sz="1400" spc="-1" strike="noStrike">
-                <a:latin typeface="Noto Sans Regular"/>
-              </a:rPr>
-              <a:t>&lt;номер&gt;</a:t>
-            </a:fld>
-            <a:r>
-              <a:rPr b="0" lang="ru-RU" sz="1400" spc="-1" strike="noStrike">
-                <a:latin typeface="Noto Sans Regular"/>
-              </a:rPr>
-              <a:t> / </a:t>
-            </a:r>
-            <a:fld id="{4A1730A6-B3C3-4A13-A21B-95B2608289F5}" type="slidecount">
-              <a:rPr b="0" lang="ru-RU" sz="1400" spc="-1" strike="noStrike">
-                <a:latin typeface="Noto Sans Regular"/>
-              </a:rPr>
-              <a:t>8</a:t>
-            </a:fld>
-            <a:endParaRPr b="0" lang="ru-RU" sz="1400" spc="-1" strike="noStrike">
-              <a:latin typeface="Noto Sans Regular"/>
-            </a:endParaRPr>
-          </a:p>
-        </p:txBody>
-      </p:sp>
-      <p:sp>
-        <p:nvSpPr>
-          <p:cNvPr id="47" name=""/>
-          <p:cNvSpPr/>
+          </a:p>
+        </p:txBody>
+      </p:sp>
+      <p:sp>
+        <p:nvSpPr>
+          <p:cNvPr id="87" name="TextBox 86"/>
+          <p:cNvSpPr txBox="1"/>
           <p:nvPr/>
         </p:nvSpPr>
         <p:spPr>
           <a:xfrm>
-            <a:off x="0" y="180000"/>
-            <a:ext cx="540000" cy="1080000"/>
-          </a:xfrm>
-          <a:prstGeom prst="rect">
-            <a:avLst/>
-          </a:prstGeom>
-          <a:solidFill>
-            <a:srgbClr val="ef2929"/>
-          </a:solidFill>
+            <a:off x="720000" y="1620000"/>
+            <a:ext cx="8640000" cy="3288600"/>
+          </a:xfrm>
+          <a:prstGeom prst="rect">
+            <a:avLst/>
+          </a:prstGeom>
+          <a:noFill/>
           <a:ln w="0">
             <a:noFill/>
           </a:ln>
         </p:spPr>
-        <p:style>
-          <a:lnRef idx="0"/>
-          <a:fillRef idx="0"/>
-          <a:effectRef idx="0"/>
-          <a:fontRef idx="minor"/>
-        </p:style>
-      </p:sp>
+        <p:txBody>
+          <a:bodyPr lIns="0" tIns="0" rIns="0" bIns="0">
+            <a:noAutofit/>
+          </a:bodyPr>
+          <a:lstStyle/>
+          <a:p>
+            <a:endParaRPr lang="ru-RU" sz="2100" b="0" strike="noStrike" spc="-1">
+              <a:solidFill>
+                <a:srgbClr val="333333"/>
+              </a:solidFill>
+              <a:latin typeface="Noto Sans Regular"/>
+            </a:endParaRPr>
+          </a:p>
+        </p:txBody>
+      </p:sp>
+      <p:pic>
+        <p:nvPicPr>
+          <p:cNvPr id="88" name="Рисунок 87"/>
+          <p:cNvPicPr/>
+          <p:nvPr/>
+        </p:nvPicPr>
+        <p:blipFill>
+          <a:blip r:embed="rId2"/>
+          <a:stretch/>
+        </p:blipFill>
+        <p:spPr>
+          <a:xfrm>
+            <a:off x="217440" y="1998000"/>
+            <a:ext cx="6442560" cy="3402000"/>
+          </a:xfrm>
+          <a:prstGeom prst="rect">
+            <a:avLst/>
+          </a:prstGeom>
+          <a:ln w="10800">
+            <a:noFill/>
+          </a:ln>
+        </p:spPr>
+      </p:pic>
+      <p:pic>
+        <p:nvPicPr>
+          <p:cNvPr id="89" name="Рисунок 88"/>
+          <p:cNvPicPr/>
+          <p:nvPr/>
+        </p:nvPicPr>
+        <p:blipFill>
+          <a:blip r:embed="rId3"/>
+          <a:stretch/>
+        </p:blipFill>
+        <p:spPr>
+          <a:xfrm>
+            <a:off x="5855040" y="180000"/>
+            <a:ext cx="4044960" cy="4860000"/>
+          </a:xfrm>
+          <a:prstGeom prst="rect">
+            <a:avLst/>
+          </a:prstGeom>
+          <a:ln w="10800">
+            <a:noFill/>
+          </a:ln>
+        </p:spPr>
+      </p:pic>
     </p:spTree>
   </p:cSld>
-  <p:clrMap bg1="lt1" bg2="lt2" tx1="dk1" tx2="dk2" accent1="accent1" accent2="accent2" accent3="accent3" accent4="accent4" accent5="accent5" accent6="accent6" hlink="hlink" folHlink="folHlink"/>
-  <p:sldLayoutIdLst>
-    <p:sldLayoutId id="2147483662" r:id="rId2"/>
-    <p:sldLayoutId id="2147483663" r:id="rId3"/>
-    <p:sldLayoutId id="2147483664" r:id="rId4"/>
-    <p:sldLayoutId id="2147483665" r:id="rId5"/>
-    <p:sldLayoutId id="2147483666" r:id="rId6"/>
-    <p:sldLayoutId id="2147483667" r:id="rId7"/>
-    <p:sldLayoutId id="2147483668" r:id="rId8"/>
-    <p:sldLayoutId id="2147483669" r:id="rId9"/>
-    <p:sldLayoutId id="2147483670" r:id="rId10"/>
-    <p:sldLayoutId id="2147483671" r:id="rId11"/>
-    <p:sldLayoutId id="2147483672" r:id="rId12"/>
-    <p:sldLayoutId id="2147483673" r:id="rId13"/>
-  </p:sldLayoutIdLst>
-</p:sldMaster>
+  <p:clrMapOvr>
+    <a:masterClrMapping/>
+  </p:clrMapOvr>
+</p:sld>
 </file>
 
-<file path=ppt/slides/slide1.xml><?xml version="1.0" encoding="utf-8"?>
-<p:sld xmlns:a="http://schemas.openxmlformats.org/drawingml/2006/main" xmlns:p="http://schemas.openxmlformats.org/presentationml/2006/main" xmlns:r="http://schemas.openxmlformats.org/officeDocument/2006/relationships" xmlns:p14="http://schemas.microsoft.com/office/powerpoint/2010/main" xmlns:p15="http://schemas.microsoft.com/office/powerpoint/2012/main" xmlns:mc="http://schemas.openxmlformats.org/markup-compatibility/2006">
+<file path=ppt/slides/slide3.xml><?xml version="1.0" encoding="utf-8"?>
+<p:sld xmlns:a="http://schemas.openxmlformats.org/drawingml/2006/main" xmlns:r="http://schemas.openxmlformats.org/officeDocument/2006/relationships" xmlns:p="http://schemas.openxmlformats.org/presentationml/2006/main">
   <p:cSld>
     <p:spTree>
       <p:nvGrpSpPr>
@@ -4051,14 +4795,14 @@
       </p:grpSpPr>
       <p:sp>
         <p:nvSpPr>
-          <p:cNvPr id="84" name=""/>
+          <p:cNvPr id="90" name="TextBox 89"/>
           <p:cNvSpPr txBox="1"/>
           <p:nvPr/>
         </p:nvSpPr>
         <p:spPr>
           <a:xfrm>
-            <a:off x="720000" y="3060000"/>
-            <a:ext cx="8640000" cy="1080000"/>
+            <a:off x="720000" y="180000"/>
+            <a:ext cx="9000000" cy="1080000"/>
           </a:xfrm>
           <a:prstGeom prst="rect">
             <a:avLst/>
@@ -4069,38 +4813,33 @@
           </a:ln>
         </p:spPr>
         <p:txBody>
-          <a:bodyPr lIns="0" rIns="0" tIns="0" bIns="0" anchor="ctr">
-            <a:normAutofit/>
-          </a:bodyPr>
+          <a:bodyPr lIns="0" tIns="0" rIns="0" bIns="0" anchor="ctr">
+            <a:noAutofit/>
+          </a:bodyPr>
+          <a:lstStyle/>
           <a:p>
             <a:r>
-              <a:rPr b="1" lang="ru-RU" sz="3600" spc="-1" strike="noStrike">
+              <a:rPr lang="ru-RU" sz="3300" b="1" strike="noStrike" spc="-1" dirty="0">
                 <a:solidFill>
                   <a:srgbClr val="333333"/>
                 </a:solidFill>
                 <a:latin typeface="Noto Sans Regular"/>
               </a:rPr>
-              <a:t>PHHask</a:t>
+              <a:t>Что же произошло дальше?</a:t>
             </a:r>
-            <a:endParaRPr b="1" lang="ru-RU" sz="3600" spc="-1" strike="noStrike">
-              <a:solidFill>
-                <a:srgbClr val="333333"/>
-              </a:solidFill>
-              <a:latin typeface="Noto Sans Regular"/>
-            </a:endParaRPr>
-          </a:p>
-        </p:txBody>
-      </p:sp>
-      <p:sp>
-        <p:nvSpPr>
-          <p:cNvPr id="85" name=""/>
+          </a:p>
+        </p:txBody>
+      </p:sp>
+      <p:sp>
+        <p:nvSpPr>
+          <p:cNvPr id="91" name="TextBox 90"/>
           <p:cNvSpPr txBox="1"/>
           <p:nvPr/>
         </p:nvSpPr>
         <p:spPr>
           <a:xfrm>
-            <a:off x="720000" y="4205880"/>
-            <a:ext cx="8640000" cy="948600"/>
+            <a:off x="720000" y="1440000"/>
+            <a:ext cx="9000000" cy="3420000"/>
           </a:xfrm>
           <a:prstGeom prst="rect">
             <a:avLst/>
@@ -4111,32 +4850,159 @@
           </a:ln>
         </p:spPr>
         <p:txBody>
-          <a:bodyPr lIns="0" rIns="0" tIns="0" bIns="0" anchor="ctr">
-            <a:noAutofit/>
-          </a:bodyPr>
-          <a:p>
-            <a:pPr algn="ctr"/>
-            <a:endParaRPr b="0" lang="ru-RU" sz="3200" spc="-1" strike="noStrike">
-              <a:latin typeface="Noto Sans Regular"/>
-            </a:endParaRPr>
-          </a:p>
-        </p:txBody>
-      </p:sp>
+          <a:bodyPr lIns="0" tIns="0" rIns="0" bIns="0">
+            <a:noAutofit/>
+          </a:bodyPr>
+          <a:lstStyle/>
+          <a:p>
+            <a:endParaRPr lang="ru-RU" sz="2100" b="0" strike="noStrike" spc="-1">
+              <a:solidFill>
+                <a:srgbClr val="333333"/>
+              </a:solidFill>
+              <a:latin typeface="Noto Sans Regular"/>
+            </a:endParaRPr>
+          </a:p>
+        </p:txBody>
+      </p:sp>
+      <p:pic>
+        <p:nvPicPr>
+          <p:cNvPr id="92" name="Рисунок 91"/>
+          <p:cNvPicPr/>
+          <p:nvPr/>
+        </p:nvPicPr>
+        <p:blipFill>
+          <a:blip r:embed="rId2"/>
+          <a:stretch/>
+        </p:blipFill>
+        <p:spPr>
+          <a:xfrm>
+            <a:off x="900000" y="2723760"/>
+            <a:ext cx="5248080" cy="2676240"/>
+          </a:xfrm>
+          <a:prstGeom prst="rect">
+            <a:avLst/>
+          </a:prstGeom>
+          <a:ln w="10800">
+            <a:noFill/>
+          </a:ln>
+        </p:spPr>
+      </p:pic>
+      <p:pic>
+        <p:nvPicPr>
+          <p:cNvPr id="93" name="Рисунок 92"/>
+          <p:cNvPicPr/>
+          <p:nvPr/>
+        </p:nvPicPr>
+        <p:blipFill>
+          <a:blip r:embed="rId3"/>
+          <a:stretch/>
+        </p:blipFill>
+        <p:spPr>
+          <a:xfrm>
+            <a:off x="5760000" y="984240"/>
+            <a:ext cx="3669840" cy="3515760"/>
+          </a:xfrm>
+          <a:prstGeom prst="rect">
+            <a:avLst/>
+          </a:prstGeom>
+          <a:ln w="10800">
+            <a:noFill/>
+          </a:ln>
+        </p:spPr>
+      </p:pic>
     </p:spTree>
   </p:cSld>
-  <mc:AlternateContent>
-    <mc:Choice Requires="p14">
-      <p:transition spd="slow" p14:dur="2000"/>
-    </mc:Choice>
-    <mc:Fallback>
-      <p:transition spd="slow"/>
-    </mc:Fallback>
-  </mc:AlternateContent>
+  <p:clrMapOvr>
+    <a:masterClrMapping/>
+  </p:clrMapOvr>
+  <p:timing>
+    <p:tnLst>
+      <p:par>
+        <p:cTn id="1" dur="indefinite" restart="never" nodeType="tmRoot">
+          <p:childTnLst>
+            <p:seq concurrent="1" nextAc="seek">
+              <p:cTn id="2" dur="indefinite" nodeType="mainSeq">
+                <p:childTnLst>
+                  <p:par>
+                    <p:cTn id="3" fill="hold">
+                      <p:stCondLst>
+                        <p:cond delay="indefinite"/>
+                      </p:stCondLst>
+                      <p:childTnLst>
+                        <p:par>
+                          <p:cTn id="4" fill="hold">
+                            <p:stCondLst>
+                              <p:cond delay="0"/>
+                            </p:stCondLst>
+                            <p:childTnLst>
+                              <p:par>
+                                <p:cTn id="5" presetID="10" presetClass="entr" presetSubtype="0" fill="hold" nodeType="clickEffect">
+                                  <p:stCondLst>
+                                    <p:cond delay="0"/>
+                                  </p:stCondLst>
+                                  <p:childTnLst>
+                                    <p:set>
+                                      <p:cBhvr>
+                                        <p:cTn id="6" dur="1" fill="hold">
+                                          <p:stCondLst>
+                                            <p:cond delay="0"/>
+                                          </p:stCondLst>
+                                        </p:cTn>
+                                        <p:tgtEl>
+                                          <p:spTgt spid="92"/>
+                                        </p:tgtEl>
+                                        <p:attrNameLst>
+                                          <p:attrName>style.visibility</p:attrName>
+                                        </p:attrNameLst>
+                                      </p:cBhvr>
+                                      <p:to>
+                                        <p:strVal val="visible"/>
+                                      </p:to>
+                                    </p:set>
+                                    <p:animEffect transition="in" filter="fade">
+                                      <p:cBhvr>
+                                        <p:cTn id="7" dur="500"/>
+                                        <p:tgtEl>
+                                          <p:spTgt spid="92"/>
+                                        </p:tgtEl>
+                                      </p:cBhvr>
+                                    </p:animEffect>
+                                  </p:childTnLst>
+                                </p:cTn>
+                              </p:par>
+                            </p:childTnLst>
+                          </p:cTn>
+                        </p:par>
+                      </p:childTnLst>
+                    </p:cTn>
+                  </p:par>
+                </p:childTnLst>
+              </p:cTn>
+              <p:prevCondLst>
+                <p:cond evt="onPrev" delay="0">
+                  <p:tgtEl>
+                    <p:sldTgt/>
+                  </p:tgtEl>
+                </p:cond>
+              </p:prevCondLst>
+              <p:nextCondLst>
+                <p:cond evt="onNext" delay="0">
+                  <p:tgtEl>
+                    <p:sldTgt/>
+                  </p:tgtEl>
+                </p:cond>
+              </p:nextCondLst>
+            </p:seq>
+          </p:childTnLst>
+        </p:cTn>
+      </p:par>
+    </p:tnLst>
+  </p:timing>
 </p:sld>
 </file>
 
-<file path=ppt/slides/slide2.xml><?xml version="1.0" encoding="utf-8"?>
-<p:sld xmlns:a="http://schemas.openxmlformats.org/drawingml/2006/main" xmlns:p="http://schemas.openxmlformats.org/presentationml/2006/main" xmlns:r="http://schemas.openxmlformats.org/officeDocument/2006/relationships" xmlns:p14="http://schemas.microsoft.com/office/powerpoint/2010/main" xmlns:p15="http://schemas.microsoft.com/office/powerpoint/2012/main" xmlns:mc="http://schemas.openxmlformats.org/markup-compatibility/2006">
+<file path=ppt/slides/slide4.xml><?xml version="1.0" encoding="utf-8"?>
+<p:sld xmlns:a="http://schemas.openxmlformats.org/drawingml/2006/main" xmlns:r="http://schemas.openxmlformats.org/officeDocument/2006/relationships" xmlns:p="http://schemas.openxmlformats.org/presentationml/2006/main">
   <p:cSld>
     <p:spTree>
       <p:nvGrpSpPr>
@@ -4154,140 +5020,150 @@
       </p:grpSpPr>
       <p:sp>
         <p:nvSpPr>
-          <p:cNvPr id="86" name=""/>
-          <p:cNvSpPr txBox="1"/>
-          <p:nvPr/>
-        </p:nvSpPr>
-        <p:spPr>
-          <a:xfrm>
-            <a:off x="720000" y="225720"/>
-            <a:ext cx="8855640" cy="946800"/>
-          </a:xfrm>
-          <a:prstGeom prst="rect">
-            <a:avLst/>
-          </a:prstGeom>
-          <a:noFill/>
-          <a:ln w="0">
-            <a:noFill/>
-          </a:ln>
-        </p:spPr>
-        <p:txBody>
-          <a:bodyPr lIns="0" rIns="0" tIns="0" bIns="0" anchor="ctr">
-            <a:noAutofit/>
-          </a:bodyPr>
+          <p:cNvPr id="2" name="Заголовок 1">
+            <a:extLst>
+              <a:ext uri="{FF2B5EF4-FFF2-40B4-BE49-F238E27FC236}">
+                <a16:creationId xmlns:a16="http://schemas.microsoft.com/office/drawing/2014/main" id="{E6205D07-9D43-463A-8CF9-5883FED4CD50}"/>
+              </a:ext>
+            </a:extLst>
+          </p:cNvPr>
+          <p:cNvSpPr>
+            <a:spLocks noGrp="1"/>
+          </p:cNvSpPr>
+          <p:nvPr>
+            <p:ph type="title"/>
+          </p:nvPr>
+        </p:nvSpPr>
+        <p:spPr/>
+        <p:txBody>
+          <a:bodyPr/>
+          <a:lstStyle/>
           <a:p>
             <a:r>
-              <a:rPr b="1" lang="ru-RU" sz="3300" spc="-1" strike="noStrike">
-                <a:solidFill>
-                  <a:srgbClr val="333333"/>
-                </a:solidFill>
+              <a:rPr lang="ru-RU" sz="3200" b="1" dirty="0">
                 <a:latin typeface="Noto Sans Regular"/>
               </a:rPr>
-              <a:t>Вспомним прошлое</a:t>
+              <a:t>Что же мы использовали при создании сайта?</a:t>
             </a:r>
-            <a:endParaRPr b="1" lang="ru-RU" sz="3300" spc="-1" strike="noStrike">
-              <a:solidFill>
-                <a:srgbClr val="333333"/>
-              </a:solidFill>
-              <a:latin typeface="Noto Sans Regular"/>
-            </a:endParaRPr>
-          </a:p>
-        </p:txBody>
-      </p:sp>
-      <p:sp>
-        <p:nvSpPr>
-          <p:cNvPr id="87" name=""/>
-          <p:cNvSpPr txBox="1"/>
-          <p:nvPr/>
-        </p:nvSpPr>
-        <p:spPr>
-          <a:xfrm>
-            <a:off x="720000" y="1620000"/>
-            <a:ext cx="8640000" cy="3288600"/>
-          </a:xfrm>
-          <a:prstGeom prst="rect">
-            <a:avLst/>
-          </a:prstGeom>
-          <a:noFill/>
-          <a:ln w="0">
-            <a:noFill/>
-          </a:ln>
-        </p:spPr>
-        <p:txBody>
-          <a:bodyPr lIns="0" rIns="0" tIns="0" bIns="0">
-            <a:noAutofit/>
-          </a:bodyPr>
-          <a:p>
-            <a:endParaRPr b="0" lang="ru-RU" sz="2100" spc="-1" strike="noStrike">
-              <a:solidFill>
-                <a:srgbClr val="333333"/>
-              </a:solidFill>
-              <a:latin typeface="Noto Sans Regular"/>
-            </a:endParaRPr>
-          </a:p>
-        </p:txBody>
-      </p:sp>
-      <p:pic>
-        <p:nvPicPr>
-          <p:cNvPr id="88" name="" descr=""/>
-          <p:cNvPicPr/>
-          <p:nvPr/>
-        </p:nvPicPr>
-        <p:blipFill>
-          <a:blip r:embed="rId1"/>
-          <a:stretch/>
-        </p:blipFill>
-        <p:spPr>
-          <a:xfrm>
-            <a:off x="217440" y="1998000"/>
-            <a:ext cx="6442560" cy="3402000"/>
-          </a:xfrm>
-          <a:prstGeom prst="rect">
-            <a:avLst/>
-          </a:prstGeom>
-          <a:ln w="10800">
-            <a:noFill/>
-          </a:ln>
-        </p:spPr>
-      </p:pic>
-      <p:pic>
-        <p:nvPicPr>
-          <p:cNvPr id="89" name="" descr=""/>
-          <p:cNvPicPr/>
-          <p:nvPr/>
-        </p:nvPicPr>
-        <p:blipFill>
-          <a:blip r:embed="rId2"/>
-          <a:stretch/>
-        </p:blipFill>
-        <p:spPr>
-          <a:xfrm>
-            <a:off x="5855040" y="180000"/>
-            <a:ext cx="4044960" cy="4860000"/>
-          </a:xfrm>
-          <a:prstGeom prst="rect">
-            <a:avLst/>
-          </a:prstGeom>
-          <a:ln w="10800">
-            <a:noFill/>
-          </a:ln>
-        </p:spPr>
-      </p:pic>
+          </a:p>
+        </p:txBody>
+      </p:sp>
+      <p:sp>
+        <p:nvSpPr>
+          <p:cNvPr id="3" name="Текст 2">
+            <a:extLst>
+              <a:ext uri="{FF2B5EF4-FFF2-40B4-BE49-F238E27FC236}">
+                <a16:creationId xmlns:a16="http://schemas.microsoft.com/office/drawing/2014/main" id="{BF2FC56F-D6CD-4585-B86A-5EEA67D3C311}"/>
+              </a:ext>
+            </a:extLst>
+          </p:cNvPr>
+          <p:cNvSpPr>
+            <a:spLocks noGrp="1"/>
+          </p:cNvSpPr>
+          <p:nvPr>
+            <p:ph type="body"/>
+          </p:nvPr>
+        </p:nvSpPr>
+        <p:spPr/>
+        <p:txBody>
+          <a:bodyPr/>
+          <a:lstStyle/>
+          <a:p>
+            <a:r>
+              <a:rPr lang="en-US" sz="2400" dirty="0">
+                <a:latin typeface="Noto Sans Regular"/>
+              </a:rPr>
+              <a:t>Flask</a:t>
+            </a:r>
+          </a:p>
+          <a:p>
+            <a:r>
+              <a:rPr lang="en-US" sz="2400" dirty="0">
+                <a:latin typeface="Noto Sans Regular"/>
+              </a:rPr>
+              <a:t>Bootstrap</a:t>
+            </a:r>
+          </a:p>
+          <a:p>
+            <a:r>
+              <a:rPr lang="en-US" sz="2400" dirty="0" err="1">
+                <a:latin typeface="Noto Sans Regular"/>
+              </a:rPr>
+              <a:t>Jquery</a:t>
+            </a:r>
+            <a:endParaRPr lang="en-US" sz="2400" dirty="0">
+              <a:latin typeface="Noto Sans Regular"/>
+            </a:endParaRPr>
+          </a:p>
+          <a:p>
+            <a:r>
+              <a:rPr lang="en-US" sz="2400" dirty="0" err="1">
+                <a:latin typeface="Noto Sans Regular"/>
+              </a:rPr>
+              <a:t>SqlAlchemy</a:t>
+            </a:r>
+            <a:endParaRPr lang="en-US" sz="2400" dirty="0">
+              <a:latin typeface="Noto Sans Regular"/>
+            </a:endParaRPr>
+          </a:p>
+          <a:p>
+            <a:r>
+              <a:rPr lang="en-US" sz="2400" dirty="0" err="1">
+                <a:latin typeface="Noto Sans Regular"/>
+              </a:rPr>
+              <a:t>Numpy</a:t>
+            </a:r>
+            <a:endParaRPr lang="en-US" sz="2400" dirty="0">
+              <a:latin typeface="Noto Sans Regular"/>
+            </a:endParaRPr>
+          </a:p>
+          <a:p>
+            <a:r>
+              <a:rPr lang="en-US" sz="2400" dirty="0" err="1">
+                <a:latin typeface="Noto Sans Regular"/>
+              </a:rPr>
+              <a:t>Sympy</a:t>
+            </a:r>
+            <a:endParaRPr lang="en-US" sz="2400" dirty="0">
+              <a:latin typeface="Noto Sans Regular"/>
+            </a:endParaRPr>
+          </a:p>
+          <a:p>
+            <a:r>
+              <a:rPr lang="en-US" sz="2400" dirty="0">
+                <a:latin typeface="Noto Sans Regular"/>
+              </a:rPr>
+              <a:t>Js</a:t>
+            </a:r>
+          </a:p>
+          <a:p>
+            <a:r>
+              <a:rPr lang="en-US" sz="2400" dirty="0" err="1">
+                <a:latin typeface="Noto Sans Regular"/>
+              </a:rPr>
+              <a:t>MathJax</a:t>
+            </a:r>
+            <a:endParaRPr lang="en-US" sz="2400" dirty="0">
+              <a:latin typeface="Noto Sans Regular"/>
+            </a:endParaRPr>
+          </a:p>
+        </p:txBody>
+      </p:sp>
     </p:spTree>
+    <p:extLst>
+      <p:ext uri="{BB962C8B-B14F-4D97-AF65-F5344CB8AC3E}">
+        <p14:creationId xmlns:p14="http://schemas.microsoft.com/office/powerpoint/2010/main" val="2347747430"/>
+      </p:ext>
+    </p:extLst>
   </p:cSld>
-  <mc:AlternateContent>
-    <mc:Choice Requires="p14">
-      <p:transition spd="slow" p14:dur="2000"/>
-    </mc:Choice>
-    <mc:Fallback>
-      <p:transition spd="slow"/>
-    </mc:Fallback>
-  </mc:AlternateContent>
+  <p:clrMapOvr>
+    <a:masterClrMapping/>
+  </p:clrMapOvr>
 </p:sld>
 </file>
 
-<file path=ppt/slides/slide3.xml><?xml version="1.0" encoding="utf-8"?>
-<p:sld xmlns:a="http://schemas.openxmlformats.org/drawingml/2006/main" xmlns:p="http://schemas.openxmlformats.org/presentationml/2006/main" xmlns:r="http://schemas.openxmlformats.org/officeDocument/2006/relationships" xmlns:p14="http://schemas.microsoft.com/office/powerpoint/2010/main" xmlns:p15="http://schemas.microsoft.com/office/powerpoint/2012/main" xmlns:mc="http://schemas.openxmlformats.org/markup-compatibility/2006">
+<file path=ppt/slides/slide5.xml><?xml version="1.0" encoding="utf-8"?>
+<p:sld xmlns:a="http://schemas.openxmlformats.org/drawingml/2006/main" xmlns:r="http://schemas.openxmlformats.org/officeDocument/2006/relationships" xmlns:p="http://schemas.openxmlformats.org/presentationml/2006/main">
   <p:cSld>
     <p:spTree>
       <p:nvGrpSpPr>
@@ -4305,7 +5181,7 @@
       </p:grpSpPr>
       <p:sp>
         <p:nvSpPr>
-          <p:cNvPr id="90" name=""/>
+          <p:cNvPr id="94" name="TextBox 93"/>
           <p:cNvSpPr txBox="1"/>
           <p:nvPr/>
         </p:nvSpPr>
@@ -4323,31 +5199,26 @@
           </a:ln>
         </p:spPr>
         <p:txBody>
-          <a:bodyPr lIns="0" rIns="0" tIns="0" bIns="0" anchor="ctr">
-            <a:noAutofit/>
-          </a:bodyPr>
+          <a:bodyPr lIns="0" tIns="0" rIns="0" bIns="0" anchor="ctr">
+            <a:noAutofit/>
+          </a:bodyPr>
+          <a:lstStyle/>
           <a:p>
             <a:r>
-              <a:rPr b="1" lang="ru-RU" sz="3300" spc="-1" strike="noStrike">
+              <a:rPr lang="ru-RU" sz="3300" b="1" strike="noStrike" spc="-1">
                 <a:solidFill>
                   <a:srgbClr val="333333"/>
                 </a:solidFill>
                 <a:latin typeface="Noto Sans Regular"/>
               </a:rPr>
-              <a:t>Что же произошло дальше?</a:t>
+              <a:t>GitHub</a:t>
             </a:r>
-            <a:endParaRPr b="1" lang="ru-RU" sz="3300" spc="-1" strike="noStrike">
-              <a:solidFill>
-                <a:srgbClr val="333333"/>
-              </a:solidFill>
-              <a:latin typeface="Noto Sans Regular"/>
-            </a:endParaRPr>
-          </a:p>
-        </p:txBody>
-      </p:sp>
-      <p:sp>
-        <p:nvSpPr>
-          <p:cNvPr id="91" name=""/>
+          </a:p>
+        </p:txBody>
+      </p:sp>
+      <p:sp>
+        <p:nvSpPr>
+          <p:cNvPr id="95" name="TextBox 94"/>
           <p:cNvSpPr txBox="1"/>
           <p:nvPr/>
         </p:nvSpPr>
@@ -4365,11 +5236,12 @@
           </a:ln>
         </p:spPr>
         <p:txBody>
-          <a:bodyPr lIns="0" rIns="0" tIns="0" bIns="0">
-            <a:noAutofit/>
-          </a:bodyPr>
-          <a:p>
-            <a:endParaRPr b="0" lang="ru-RU" sz="2100" spc="-1" strike="noStrike">
+          <a:bodyPr lIns="0" tIns="0" rIns="0" bIns="0">
+            <a:noAutofit/>
+          </a:bodyPr>
+          <a:lstStyle/>
+          <a:p>
+            <a:endParaRPr lang="ru-RU" sz="2100" b="0" strike="noStrike" spc="-1">
               <a:solidFill>
                 <a:srgbClr val="333333"/>
               </a:solidFill>
@@ -4380,30 +5252,7 @@
       </p:sp>
       <p:pic>
         <p:nvPicPr>
-          <p:cNvPr id="92" name="" descr=""/>
-          <p:cNvPicPr/>
-          <p:nvPr/>
-        </p:nvPicPr>
-        <p:blipFill>
-          <a:blip r:embed="rId1"/>
-          <a:stretch/>
-        </p:blipFill>
-        <p:spPr>
-          <a:xfrm>
-            <a:off x="900000" y="2723760"/>
-            <a:ext cx="5248080" cy="2676240"/>
-          </a:xfrm>
-          <a:prstGeom prst="rect">
-            <a:avLst/>
-          </a:prstGeom>
-          <a:ln w="10800">
-            <a:noFill/>
-          </a:ln>
-        </p:spPr>
-      </p:pic>
-      <p:pic>
-        <p:nvPicPr>
-          <p:cNvPr id="93" name="" descr=""/>
+          <p:cNvPr id="96" name="Рисунок 95"/>
           <p:cNvPicPr/>
           <p:nvPr/>
         </p:nvPicPr>
@@ -4413,8 +5262,8 @@
         </p:blipFill>
         <p:spPr>
           <a:xfrm>
-            <a:off x="5760000" y="984240"/>
-            <a:ext cx="3669840" cy="3515760"/>
+            <a:off x="3243960" y="1404000"/>
+            <a:ext cx="3524040" cy="3524040"/>
           </a:xfrm>
           <a:prstGeom prst="rect">
             <a:avLst/>
@@ -4426,19 +5275,14 @@
       </p:pic>
     </p:spTree>
   </p:cSld>
-  <mc:AlternateContent>
-    <mc:Choice Requires="p14">
-      <p:transition spd="slow" p14:dur="2000"/>
-    </mc:Choice>
-    <mc:Fallback>
-      <p:transition spd="slow"/>
-    </mc:Fallback>
-  </mc:AlternateContent>
+  <p:clrMapOvr>
+    <a:masterClrMapping/>
+  </p:clrMapOvr>
 </p:sld>
 </file>
 
-<file path=ppt/slides/slide4.xml><?xml version="1.0" encoding="utf-8"?>
-<p:sld xmlns:a="http://schemas.openxmlformats.org/drawingml/2006/main" xmlns:p="http://schemas.openxmlformats.org/presentationml/2006/main" xmlns:r="http://schemas.openxmlformats.org/officeDocument/2006/relationships" xmlns:p14="http://schemas.microsoft.com/office/powerpoint/2010/main" xmlns:p15="http://schemas.microsoft.com/office/powerpoint/2012/main" xmlns:mc="http://schemas.openxmlformats.org/markup-compatibility/2006">
+<file path=ppt/slides/slide6.xml><?xml version="1.0" encoding="utf-8"?>
+<p:sld xmlns:a="http://schemas.openxmlformats.org/drawingml/2006/main" xmlns:r="http://schemas.openxmlformats.org/officeDocument/2006/relationships" xmlns:p="http://schemas.openxmlformats.org/presentationml/2006/main">
   <p:cSld>
     <p:spTree>
       <p:nvGrpSpPr>
@@ -4456,7 +5300,7 @@
       </p:grpSpPr>
       <p:sp>
         <p:nvSpPr>
-          <p:cNvPr id="94" name=""/>
+          <p:cNvPr id="97" name="TextBox 96"/>
           <p:cNvSpPr txBox="1"/>
           <p:nvPr/>
         </p:nvSpPr>
@@ -4474,38 +5318,33 @@
           </a:ln>
         </p:spPr>
         <p:txBody>
-          <a:bodyPr lIns="0" rIns="0" tIns="0" bIns="0" anchor="ctr">
-            <a:noAutofit/>
-          </a:bodyPr>
+          <a:bodyPr lIns="0" tIns="0" rIns="0" bIns="0" anchor="ctr">
+            <a:noAutofit/>
+          </a:bodyPr>
+          <a:lstStyle/>
           <a:p>
             <a:r>
-              <a:rPr b="1" lang="ru-RU" sz="3300" spc="-1" strike="noStrike">
+              <a:rPr lang="ru-RU" sz="3300" b="1" strike="noStrike" spc="-1">
                 <a:solidFill>
                   <a:srgbClr val="333333"/>
                 </a:solidFill>
                 <a:latin typeface="Noto Sans Regular"/>
               </a:rPr>
-              <a:t>GitHub</a:t>
+              <a:t>Давайте перейдём на сайт</a:t>
             </a:r>
-            <a:endParaRPr b="1" lang="ru-RU" sz="3300" spc="-1" strike="noStrike">
-              <a:solidFill>
-                <a:srgbClr val="333333"/>
-              </a:solidFill>
-              <a:latin typeface="Noto Sans Regular"/>
-            </a:endParaRPr>
-          </a:p>
-        </p:txBody>
-      </p:sp>
-      <p:sp>
-        <p:nvSpPr>
-          <p:cNvPr id="95" name=""/>
+          </a:p>
+        </p:txBody>
+      </p:sp>
+      <p:sp>
+        <p:nvSpPr>
+          <p:cNvPr id="98" name="TextBox 97"/>
           <p:cNvSpPr txBox="1"/>
           <p:nvPr/>
         </p:nvSpPr>
         <p:spPr>
           <a:xfrm>
-            <a:off x="720000" y="1440000"/>
-            <a:ext cx="9000000" cy="3420000"/>
+            <a:off x="3240000" y="4860000"/>
+            <a:ext cx="3420000" cy="360000"/>
           </a:xfrm>
           <a:prstGeom prst="rect">
             <a:avLst/>
@@ -4516,32 +5355,55 @@
           </a:ln>
         </p:spPr>
         <p:txBody>
-          <a:bodyPr lIns="0" rIns="0" tIns="0" bIns="0">
-            <a:noAutofit/>
-          </a:bodyPr>
-          <a:p>
-            <a:endParaRPr b="0" lang="ru-RU" sz="2100" spc="-1" strike="noStrike">
-              <a:solidFill>
-                <a:srgbClr val="333333"/>
-              </a:solidFill>
-              <a:latin typeface="Noto Sans Regular"/>
-            </a:endParaRPr>
+          <a:bodyPr lIns="0" tIns="0" rIns="0" bIns="0">
+            <a:noAutofit/>
+          </a:bodyPr>
+          <a:lstStyle/>
+          <a:p>
+            <a:pPr marL="108000" algn="ctr">
+              <a:spcAft>
+                <a:spcPts val="1060"/>
+              </a:spcAft>
+              <a:buClr>
+                <a:srgbClr val="EF2929"/>
+              </a:buClr>
+              <a:buSzPct val="45000"/>
+            </a:pPr>
+            <a:r>
+              <a:rPr lang="ru-RU" sz="2100" b="0" strike="noStrike" spc="-1" dirty="0">
+                <a:solidFill>
+                  <a:srgbClr val="333333"/>
+                </a:solidFill>
+                <a:latin typeface="Noto Sans Regular"/>
+                <a:hlinkClick r:id="rId2"/>
+              </a:rPr>
+              <a:t>www.phhask.space</a:t>
+            </a:r>
+            <a:r>
+              <a:rPr lang="ru-RU" sz="2100" b="0" strike="noStrike" spc="-1" dirty="0">
+                <a:solidFill>
+                  <a:srgbClr val="333333"/>
+                </a:solidFill>
+                <a:latin typeface="Noto Sans Regular"/>
+              </a:rPr>
+              <a:t> </a:t>
+            </a:r>
           </a:p>
         </p:txBody>
       </p:sp>
       <p:pic>
         <p:nvPicPr>
-          <p:cNvPr id="96" name="" descr=""/>
+          <p:cNvPr id="99" name="Рисунок 98"/>
           <p:cNvPicPr/>
           <p:nvPr/>
         </p:nvPicPr>
         <p:blipFill>
-          <a:blip r:embed="rId1"/>
+          <a:blip r:embed="rId3"/>
           <a:stretch/>
         </p:blipFill>
         <p:spPr>
           <a:xfrm>
-            <a:off x="3243960" y="1404000"/>
+            <a:off x="3240000" y="1260000"/>
             <a:ext cx="3524040" cy="3524040"/>
           </a:xfrm>
           <a:prstGeom prst="rect">
@@ -4554,19 +5416,14 @@
       </p:pic>
     </p:spTree>
   </p:cSld>
-  <mc:AlternateContent>
-    <mc:Choice Requires="p14">
-      <p:transition spd="slow" p14:dur="2000"/>
-    </mc:Choice>
-    <mc:Fallback>
-      <p:transition spd="slow"/>
-    </mc:Fallback>
-  </mc:AlternateContent>
+  <p:clrMapOvr>
+    <a:masterClrMapping/>
+  </p:clrMapOvr>
 </p:sld>
 </file>
 
-<file path=ppt/slides/slide5.xml><?xml version="1.0" encoding="utf-8"?>
-<p:sld xmlns:a="http://schemas.openxmlformats.org/drawingml/2006/main" xmlns:p="http://schemas.openxmlformats.org/presentationml/2006/main" xmlns:r="http://schemas.openxmlformats.org/officeDocument/2006/relationships" xmlns:p14="http://schemas.microsoft.com/office/powerpoint/2010/main" xmlns:p15="http://schemas.microsoft.com/office/powerpoint/2012/main" xmlns:mc="http://schemas.openxmlformats.org/markup-compatibility/2006">
+<file path=ppt/slides/slide7.xml><?xml version="1.0" encoding="utf-8"?>
+<p:sld xmlns:a="http://schemas.openxmlformats.org/drawingml/2006/main" xmlns:r="http://schemas.openxmlformats.org/officeDocument/2006/relationships" xmlns:p="http://schemas.openxmlformats.org/presentationml/2006/main">
   <p:cSld>
     <p:spTree>
       <p:nvGrpSpPr>
@@ -4584,7 +5441,7 @@
       </p:grpSpPr>
       <p:sp>
         <p:nvSpPr>
-          <p:cNvPr id="97" name=""/>
+          <p:cNvPr id="100" name="TextBox 99"/>
           <p:cNvSpPr txBox="1"/>
           <p:nvPr/>
         </p:nvSpPr>
@@ -4602,38 +5459,33 @@
           </a:ln>
         </p:spPr>
         <p:txBody>
-          <a:bodyPr lIns="0" rIns="0" tIns="0" bIns="0" anchor="ctr">
-            <a:noAutofit/>
-          </a:bodyPr>
+          <a:bodyPr lIns="0" tIns="0" rIns="0" bIns="0" anchor="ctr">
+            <a:noAutofit/>
+          </a:bodyPr>
+          <a:lstStyle/>
           <a:p>
             <a:r>
-              <a:rPr b="1" lang="ru-RU" sz="3300" spc="-1" strike="noStrike">
+              <a:rPr lang="ru-RU" sz="3300" b="1" strike="noStrike" spc="-1">
                 <a:solidFill>
                   <a:srgbClr val="333333"/>
                 </a:solidFill>
                 <a:latin typeface="Noto Sans Regular"/>
               </a:rPr>
-              <a:t>Давайте перейдём на сайт</a:t>
+              <a:t>Костыль или проблема с reg.ru</a:t>
             </a:r>
-            <a:endParaRPr b="1" lang="ru-RU" sz="3300" spc="-1" strike="noStrike">
-              <a:solidFill>
-                <a:srgbClr val="333333"/>
-              </a:solidFill>
-              <a:latin typeface="Noto Sans Regular"/>
-            </a:endParaRPr>
-          </a:p>
-        </p:txBody>
-      </p:sp>
-      <p:sp>
-        <p:nvSpPr>
-          <p:cNvPr id="98" name=""/>
+          </a:p>
+        </p:txBody>
+      </p:sp>
+      <p:sp>
+        <p:nvSpPr>
+          <p:cNvPr id="101" name="TextBox 100"/>
           <p:cNvSpPr txBox="1"/>
           <p:nvPr/>
         </p:nvSpPr>
         <p:spPr>
           <a:xfrm>
-            <a:off x="3240000" y="4860000"/>
-            <a:ext cx="3420000" cy="360000"/>
+            <a:off x="720000" y="1440000"/>
+            <a:ext cx="9000000" cy="3420000"/>
           </a:xfrm>
           <a:prstGeom prst="rect">
             <a:avLst/>
@@ -4644,52 +5496,37 @@
           </a:ln>
         </p:spPr>
         <p:txBody>
-          <a:bodyPr lIns="0" rIns="0" tIns="0" bIns="0">
-            <a:noAutofit/>
-          </a:bodyPr>
+          <a:bodyPr lIns="0" tIns="0" rIns="0" bIns="0">
+            <a:noAutofit/>
+          </a:bodyPr>
+          <a:lstStyle/>
           <a:p>
             <a:pPr marL="432000" indent="-324000">
               <a:spcAft>
                 <a:spcPts val="1060"/>
               </a:spcAft>
               <a:buClr>
-                <a:srgbClr val="ef2929"/>
+                <a:srgbClr val="EF2929"/>
               </a:buClr>
               <a:buSzPct val="45000"/>
               <a:buFont typeface="Wingdings" charset="2"/>
               <a:buChar char=""/>
             </a:pPr>
             <a:r>
-              <a:rPr b="0" lang="ru-RU" sz="2100" spc="-1" strike="noStrike">
-                <a:solidFill>
-                  <a:srgbClr val="333333"/>
-                </a:solidFill>
-                <a:latin typeface="Noto Sans Regular"/>
-                <a:hlinkClick r:id="rId1"/>
-              </a:rPr>
-              <a:t>www.phhask.space</a:t>
-            </a:r>
-            <a:r>
-              <a:rPr b="0" lang="ru-RU" sz="2100" spc="-1" strike="noStrike">
+              <a:rPr lang="ru-RU" sz="2100" b="0" strike="noStrike" spc="-1">
                 <a:solidFill>
                   <a:srgbClr val="333333"/>
                 </a:solidFill>
                 <a:latin typeface="Noto Sans Regular"/>
               </a:rPr>
-              <a:t> </a:t>
+              <a:t>На reg.ru для домена нельзя задать alias dns-запись, поэтому приходится использовать костыль.</a:t>
             </a:r>
-            <a:endParaRPr b="0" lang="ru-RU" sz="2100" spc="-1" strike="noStrike">
-              <a:solidFill>
-                <a:srgbClr val="333333"/>
-              </a:solidFill>
-              <a:latin typeface="Noto Sans Regular"/>
-            </a:endParaRPr>
           </a:p>
         </p:txBody>
       </p:sp>
       <p:pic>
         <p:nvPicPr>
-          <p:cNvPr id="99" name="" descr=""/>
+          <p:cNvPr id="102" name="Рисунок 101"/>
           <p:cNvPicPr/>
           <p:nvPr/>
         </p:nvPicPr>
@@ -4699,8 +5536,8 @@
         </p:blipFill>
         <p:spPr>
           <a:xfrm>
-            <a:off x="3240000" y="1260000"/>
-            <a:ext cx="3524040" cy="3524040"/>
+            <a:off x="1800000" y="2149200"/>
+            <a:ext cx="5614920" cy="3250800"/>
           </a:xfrm>
           <a:prstGeom prst="rect">
             <a:avLst/>
@@ -4712,19 +5549,14 @@
       </p:pic>
     </p:spTree>
   </p:cSld>
-  <mc:AlternateContent>
-    <mc:Choice Requires="p14">
-      <p:transition spd="slow" p14:dur="2000"/>
-    </mc:Choice>
-    <mc:Fallback>
-      <p:transition spd="slow"/>
-    </mc:Fallback>
-  </mc:AlternateContent>
+  <p:clrMapOvr>
+    <a:masterClrMapping/>
+  </p:clrMapOvr>
 </p:sld>
 </file>
 
-<file path=ppt/slides/slide6.xml><?xml version="1.0" encoding="utf-8"?>
-<p:sld xmlns:a="http://schemas.openxmlformats.org/drawingml/2006/main" xmlns:p="http://schemas.openxmlformats.org/presentationml/2006/main" xmlns:r="http://schemas.openxmlformats.org/officeDocument/2006/relationships" xmlns:p14="http://schemas.microsoft.com/office/powerpoint/2010/main" xmlns:p15="http://schemas.microsoft.com/office/powerpoint/2012/main" xmlns:mc="http://schemas.openxmlformats.org/markup-compatibility/2006">
+<file path=ppt/slides/slide8.xml><?xml version="1.0" encoding="utf-8"?>
+<p:sld xmlns:a="http://schemas.openxmlformats.org/drawingml/2006/main" xmlns:r="http://schemas.openxmlformats.org/officeDocument/2006/relationships" xmlns:p="http://schemas.openxmlformats.org/presentationml/2006/main">
   <p:cSld>
     <p:spTree>
       <p:nvGrpSpPr>
@@ -4742,7 +5574,7 @@
       </p:grpSpPr>
       <p:sp>
         <p:nvSpPr>
-          <p:cNvPr id="100" name=""/>
+          <p:cNvPr id="103" name="TextBox 102"/>
           <p:cNvSpPr txBox="1"/>
           <p:nvPr/>
         </p:nvSpPr>
@@ -4760,31 +5592,26 @@
           </a:ln>
         </p:spPr>
         <p:txBody>
-          <a:bodyPr lIns="0" rIns="0" tIns="0" bIns="0" anchor="ctr">
-            <a:noAutofit/>
-          </a:bodyPr>
+          <a:bodyPr lIns="0" tIns="0" rIns="0" bIns="0" anchor="ctr">
+            <a:noAutofit/>
+          </a:bodyPr>
+          <a:lstStyle/>
           <a:p>
             <a:r>
-              <a:rPr b="1" lang="ru-RU" sz="3300" spc="-1" strike="noStrike">
+              <a:rPr lang="ru-RU" sz="3300" b="1" strike="noStrike" spc="-1">
                 <a:solidFill>
                   <a:srgbClr val="333333"/>
                 </a:solidFill>
                 <a:latin typeface="Noto Sans Regular"/>
               </a:rPr>
-              <a:t>Костыль или проблема с reg.ru</a:t>
+              <a:t>Продолжение развитие</a:t>
             </a:r>
-            <a:endParaRPr b="1" lang="ru-RU" sz="3300" spc="-1" strike="noStrike">
-              <a:solidFill>
-                <a:srgbClr val="333333"/>
-              </a:solidFill>
-              <a:latin typeface="Noto Sans Regular"/>
-            </a:endParaRPr>
-          </a:p>
-        </p:txBody>
-      </p:sp>
-      <p:sp>
-        <p:nvSpPr>
-          <p:cNvPr id="101" name=""/>
+          </a:p>
+        </p:txBody>
+      </p:sp>
+      <p:sp>
+        <p:nvSpPr>
+          <p:cNvPr id="104" name="TextBox 103"/>
           <p:cNvSpPr txBox="1"/>
           <p:nvPr/>
         </p:nvSpPr>
@@ -4802,53 +5629,114 @@
           </a:ln>
         </p:spPr>
         <p:txBody>
-          <a:bodyPr lIns="0" rIns="0" tIns="0" bIns="0">
-            <a:noAutofit/>
-          </a:bodyPr>
+          <a:bodyPr lIns="0" tIns="0" rIns="0" bIns="0">
+            <a:noAutofit/>
+          </a:bodyPr>
+          <a:lstStyle/>
           <a:p>
             <a:pPr marL="432000" indent="-324000">
               <a:spcAft>
                 <a:spcPts val="1060"/>
               </a:spcAft>
               <a:buClr>
-                <a:srgbClr val="ef2929"/>
+                <a:srgbClr val="EF2929"/>
               </a:buClr>
               <a:buSzPct val="45000"/>
               <a:buFont typeface="Wingdings" charset="2"/>
               <a:buChar char=""/>
             </a:pPr>
             <a:r>
-              <a:rPr b="0" lang="ru-RU" sz="2100" spc="-1" strike="noStrike">
+              <a:rPr lang="ru-RU" sz="2100" b="0" strike="noStrike" spc="-1" dirty="0">
                 <a:solidFill>
                   <a:srgbClr val="333333"/>
                 </a:solidFill>
                 <a:latin typeface="Noto Sans Regular"/>
               </a:rPr>
-              <a:t>На reg.ru для домена нельзя задать alias dns-запись, поэтому приходится использовать костыль.</a:t>
+              <a:t>Добавление новых задач</a:t>
             </a:r>
-            <a:endParaRPr b="0" lang="ru-RU" sz="2100" spc="-1" strike="noStrike">
-              <a:solidFill>
-                <a:srgbClr val="333333"/>
-              </a:solidFill>
-              <a:latin typeface="Noto Sans Regular"/>
-            </a:endParaRPr>
+          </a:p>
+          <a:p>
+            <a:pPr marL="432000" indent="-324000">
+              <a:spcAft>
+                <a:spcPts val="1060"/>
+              </a:spcAft>
+              <a:buClr>
+                <a:srgbClr val="EF2929"/>
+              </a:buClr>
+              <a:buSzPct val="45000"/>
+              <a:buFont typeface="Wingdings" charset="2"/>
+              <a:buChar char=""/>
+            </a:pPr>
+            <a:r>
+              <a:rPr lang="ru-RU" sz="2100" b="0" strike="noStrike" spc="-1" dirty="0">
+                <a:solidFill>
+                  <a:srgbClr val="333333"/>
+                </a:solidFill>
+                <a:latin typeface="Noto Sans Regular"/>
+              </a:rPr>
+              <a:t>Сделать нормальный дизайн</a:t>
+            </a:r>
+          </a:p>
+          <a:p>
+            <a:pPr marL="432000" indent="-324000">
+              <a:spcAft>
+                <a:spcPts val="1060"/>
+              </a:spcAft>
+              <a:buClr>
+                <a:srgbClr val="EF2929"/>
+              </a:buClr>
+              <a:buSzPct val="45000"/>
+              <a:buFont typeface="Wingdings" charset="2"/>
+              <a:buChar char=""/>
+            </a:pPr>
+            <a:r>
+              <a:rPr lang="ru-RU" sz="2100" b="0" strike="noStrike" spc="-1" dirty="0">
+                <a:solidFill>
+                  <a:srgbClr val="333333"/>
+                </a:solidFill>
+                <a:latin typeface="Noto Sans Regular"/>
+              </a:rPr>
+              <a:t>Добавить рекламу</a:t>
+            </a:r>
+          </a:p>
+          <a:p>
+            <a:pPr marL="432000" indent="-324000">
+              <a:spcAft>
+                <a:spcPts val="1060"/>
+              </a:spcAft>
+              <a:buClr>
+                <a:srgbClr val="EF2929"/>
+              </a:buClr>
+              <a:buSzPct val="45000"/>
+              <a:buFont typeface="Wingdings" charset="2"/>
+              <a:buChar char=""/>
+            </a:pPr>
+            <a:r>
+              <a:rPr lang="ru-RU" sz="2100" b="0" strike="noStrike" spc="-1" dirty="0">
+                <a:solidFill>
+                  <a:srgbClr val="333333"/>
+                </a:solidFill>
+                <a:latin typeface="Noto Sans Regular"/>
+              </a:rPr>
+              <a:t>Рубить деньги</a:t>
+            </a:r>
           </a:p>
         </p:txBody>
       </p:sp>
       <p:pic>
         <p:nvPicPr>
-          <p:cNvPr id="102" name="" descr=""/>
+          <p:cNvPr id="105" name="Рисунок 104"/>
           <p:cNvPicPr/>
           <p:nvPr/>
         </p:nvPicPr>
         <p:blipFill>
-          <a:blip r:embed="rId1"/>
+          <a:blip r:embed="rId2"/>
           <a:stretch/>
         </p:blipFill>
         <p:spPr>
           <a:xfrm>
-            <a:off x="1800000" y="2149200"/>
-            <a:ext cx="5614920" cy="3250800"/>
+            <a:off x="4860000" y="2520000"/>
+            <a:ext cx="3598560" cy="2700000"/>
           </a:xfrm>
           <a:prstGeom prst="rect">
             <a:avLst/>
@@ -4860,19 +5748,341 @@
       </p:pic>
     </p:spTree>
   </p:cSld>
-  <mc:AlternateContent>
-    <mc:Choice Requires="p14">
-      <p:transition spd="slow" p14:dur="2000"/>
-    </mc:Choice>
-    <mc:Fallback>
-      <p:transition spd="slow"/>
-    </mc:Fallback>
-  </mc:AlternateContent>
+  <p:clrMapOvr>
+    <a:masterClrMapping/>
+  </p:clrMapOvr>
+  <p:timing>
+    <p:tnLst>
+      <p:par>
+        <p:cTn id="1" dur="indefinite" restart="never" nodeType="tmRoot">
+          <p:childTnLst>
+            <p:seq concurrent="1" nextAc="seek">
+              <p:cTn id="2" dur="indefinite" nodeType="mainSeq">
+                <p:childTnLst>
+                  <p:par>
+                    <p:cTn id="3" fill="hold">
+                      <p:stCondLst>
+                        <p:cond delay="indefinite"/>
+                      </p:stCondLst>
+                      <p:childTnLst>
+                        <p:par>
+                          <p:cTn id="4" fill="hold">
+                            <p:stCondLst>
+                              <p:cond delay="0"/>
+                            </p:stCondLst>
+                            <p:childTnLst>
+                              <p:par>
+                                <p:cTn id="5" presetID="10" presetClass="entr" presetSubtype="0" fill="hold" nodeType="clickEffect">
+                                  <p:stCondLst>
+                                    <p:cond delay="0"/>
+                                  </p:stCondLst>
+                                  <p:childTnLst>
+                                    <p:set>
+                                      <p:cBhvr>
+                                        <p:cTn id="6" dur="1" fill="hold">
+                                          <p:stCondLst>
+                                            <p:cond delay="0"/>
+                                          </p:stCondLst>
+                                        </p:cTn>
+                                        <p:tgtEl>
+                                          <p:spTgt spid="104">
+                                            <p:txEl>
+                                              <p:pRg st="0" end="0"/>
+                                            </p:txEl>
+                                          </p:spTgt>
+                                        </p:tgtEl>
+                                        <p:attrNameLst>
+                                          <p:attrName>style.visibility</p:attrName>
+                                        </p:attrNameLst>
+                                      </p:cBhvr>
+                                      <p:to>
+                                        <p:strVal val="visible"/>
+                                      </p:to>
+                                    </p:set>
+                                    <p:animEffect transition="in" filter="fade">
+                                      <p:cBhvr>
+                                        <p:cTn id="7" dur="500"/>
+                                        <p:tgtEl>
+                                          <p:spTgt spid="104">
+                                            <p:txEl>
+                                              <p:pRg st="0" end="0"/>
+                                            </p:txEl>
+                                          </p:spTgt>
+                                        </p:tgtEl>
+                                      </p:cBhvr>
+                                    </p:animEffect>
+                                  </p:childTnLst>
+                                </p:cTn>
+                              </p:par>
+                            </p:childTnLst>
+                          </p:cTn>
+                        </p:par>
+                      </p:childTnLst>
+                    </p:cTn>
+                  </p:par>
+                  <p:par>
+                    <p:cTn id="8" fill="hold">
+                      <p:stCondLst>
+                        <p:cond delay="indefinite"/>
+                      </p:stCondLst>
+                      <p:childTnLst>
+                        <p:par>
+                          <p:cTn id="9" fill="hold">
+                            <p:stCondLst>
+                              <p:cond delay="0"/>
+                            </p:stCondLst>
+                            <p:childTnLst>
+                              <p:par>
+                                <p:cTn id="10" presetID="10" presetClass="entr" presetSubtype="0" fill="hold" nodeType="clickEffect">
+                                  <p:stCondLst>
+                                    <p:cond delay="0"/>
+                                  </p:stCondLst>
+                                  <p:childTnLst>
+                                    <p:set>
+                                      <p:cBhvr>
+                                        <p:cTn id="11" dur="1" fill="hold">
+                                          <p:stCondLst>
+                                            <p:cond delay="0"/>
+                                          </p:stCondLst>
+                                        </p:cTn>
+                                        <p:tgtEl>
+                                          <p:spTgt spid="104">
+                                            <p:txEl>
+                                              <p:pRg st="1" end="1"/>
+                                            </p:txEl>
+                                          </p:spTgt>
+                                        </p:tgtEl>
+                                        <p:attrNameLst>
+                                          <p:attrName>style.visibility</p:attrName>
+                                        </p:attrNameLst>
+                                      </p:cBhvr>
+                                      <p:to>
+                                        <p:strVal val="visible"/>
+                                      </p:to>
+                                    </p:set>
+                                    <p:animEffect transition="in" filter="fade">
+                                      <p:cBhvr>
+                                        <p:cTn id="12" dur="500"/>
+                                        <p:tgtEl>
+                                          <p:spTgt spid="104">
+                                            <p:txEl>
+                                              <p:pRg st="1" end="1"/>
+                                            </p:txEl>
+                                          </p:spTgt>
+                                        </p:tgtEl>
+                                      </p:cBhvr>
+                                    </p:animEffect>
+                                  </p:childTnLst>
+                                </p:cTn>
+                              </p:par>
+                            </p:childTnLst>
+                          </p:cTn>
+                        </p:par>
+                      </p:childTnLst>
+                    </p:cTn>
+                  </p:par>
+                  <p:par>
+                    <p:cTn id="13" fill="hold">
+                      <p:stCondLst>
+                        <p:cond delay="indefinite"/>
+                      </p:stCondLst>
+                      <p:childTnLst>
+                        <p:par>
+                          <p:cTn id="14" fill="hold">
+                            <p:stCondLst>
+                              <p:cond delay="0"/>
+                            </p:stCondLst>
+                            <p:childTnLst>
+                              <p:par>
+                                <p:cTn id="15" presetID="10" presetClass="entr" presetSubtype="0" fill="hold" nodeType="clickEffect">
+                                  <p:stCondLst>
+                                    <p:cond delay="0"/>
+                                  </p:stCondLst>
+                                  <p:childTnLst>
+                                    <p:set>
+                                      <p:cBhvr>
+                                        <p:cTn id="16" dur="1" fill="hold">
+                                          <p:stCondLst>
+                                            <p:cond delay="0"/>
+                                          </p:stCondLst>
+                                        </p:cTn>
+                                        <p:tgtEl>
+                                          <p:spTgt spid="104">
+                                            <p:txEl>
+                                              <p:pRg st="2" end="2"/>
+                                            </p:txEl>
+                                          </p:spTgt>
+                                        </p:tgtEl>
+                                        <p:attrNameLst>
+                                          <p:attrName>style.visibility</p:attrName>
+                                        </p:attrNameLst>
+                                      </p:cBhvr>
+                                      <p:to>
+                                        <p:strVal val="visible"/>
+                                      </p:to>
+                                    </p:set>
+                                    <p:animEffect transition="in" filter="fade">
+                                      <p:cBhvr>
+                                        <p:cTn id="17" dur="500"/>
+                                        <p:tgtEl>
+                                          <p:spTgt spid="104">
+                                            <p:txEl>
+                                              <p:pRg st="2" end="2"/>
+                                            </p:txEl>
+                                          </p:spTgt>
+                                        </p:tgtEl>
+                                      </p:cBhvr>
+                                    </p:animEffect>
+                                  </p:childTnLst>
+                                </p:cTn>
+                              </p:par>
+                            </p:childTnLst>
+                          </p:cTn>
+                        </p:par>
+                      </p:childTnLst>
+                    </p:cTn>
+                  </p:par>
+                  <p:par>
+                    <p:cTn id="18" fill="hold">
+                      <p:stCondLst>
+                        <p:cond delay="indefinite"/>
+                      </p:stCondLst>
+                      <p:childTnLst>
+                        <p:par>
+                          <p:cTn id="19" fill="hold">
+                            <p:stCondLst>
+                              <p:cond delay="0"/>
+                            </p:stCondLst>
+                            <p:childTnLst>
+                              <p:par>
+                                <p:cTn id="20" presetID="10" presetClass="entr" presetSubtype="0" fill="hold" nodeType="clickEffect">
+                                  <p:stCondLst>
+                                    <p:cond delay="0"/>
+                                  </p:stCondLst>
+                                  <p:childTnLst>
+                                    <p:set>
+                                      <p:cBhvr>
+                                        <p:cTn id="21" dur="1" fill="hold">
+                                          <p:stCondLst>
+                                            <p:cond delay="0"/>
+                                          </p:stCondLst>
+                                        </p:cTn>
+                                        <p:tgtEl>
+                                          <p:spTgt spid="104">
+                                            <p:txEl>
+                                              <p:pRg st="3" end="3"/>
+                                            </p:txEl>
+                                          </p:spTgt>
+                                        </p:tgtEl>
+                                        <p:attrNameLst>
+                                          <p:attrName>style.visibility</p:attrName>
+                                        </p:attrNameLst>
+                                      </p:cBhvr>
+                                      <p:to>
+                                        <p:strVal val="visible"/>
+                                      </p:to>
+                                    </p:set>
+                                    <p:animEffect transition="in" filter="fade">
+                                      <p:cBhvr>
+                                        <p:cTn id="22" dur="500"/>
+                                        <p:tgtEl>
+                                          <p:spTgt spid="104">
+                                            <p:txEl>
+                                              <p:pRg st="3" end="3"/>
+                                            </p:txEl>
+                                          </p:spTgt>
+                                        </p:tgtEl>
+                                      </p:cBhvr>
+                                    </p:animEffect>
+                                  </p:childTnLst>
+                                </p:cTn>
+                              </p:par>
+                            </p:childTnLst>
+                          </p:cTn>
+                        </p:par>
+                      </p:childTnLst>
+                    </p:cTn>
+                  </p:par>
+                  <p:par>
+                    <p:cTn id="23" fill="hold">
+                      <p:stCondLst>
+                        <p:cond delay="indefinite"/>
+                      </p:stCondLst>
+                      <p:childTnLst>
+                        <p:par>
+                          <p:cTn id="24" fill="hold">
+                            <p:stCondLst>
+                              <p:cond delay="0"/>
+                            </p:stCondLst>
+                            <p:childTnLst>
+                              <p:par>
+                                <p:cTn id="25" presetID="10" presetClass="entr" presetSubtype="0" fill="hold" nodeType="clickEffect">
+                                  <p:stCondLst>
+                                    <p:cond delay="0"/>
+                                  </p:stCondLst>
+                                  <p:childTnLst>
+                                    <p:set>
+                                      <p:cBhvr>
+                                        <p:cTn id="26" dur="1" fill="hold">
+                                          <p:stCondLst>
+                                            <p:cond delay="0"/>
+                                          </p:stCondLst>
+                                        </p:cTn>
+                                        <p:tgtEl>
+                                          <p:spTgt spid="105"/>
+                                        </p:tgtEl>
+                                        <p:attrNameLst>
+                                          <p:attrName>style.visibility</p:attrName>
+                                        </p:attrNameLst>
+                                      </p:cBhvr>
+                                      <p:to>
+                                        <p:strVal val="visible"/>
+                                      </p:to>
+                                    </p:set>
+                                    <p:animEffect transition="in" filter="fade">
+                                      <p:cBhvr>
+                                        <p:cTn id="27" dur="500"/>
+                                        <p:tgtEl>
+                                          <p:spTgt spid="105"/>
+                                        </p:tgtEl>
+                                      </p:cBhvr>
+                                    </p:animEffect>
+                                  </p:childTnLst>
+                                </p:cTn>
+                              </p:par>
+                            </p:childTnLst>
+                          </p:cTn>
+                        </p:par>
+                      </p:childTnLst>
+                    </p:cTn>
+                  </p:par>
+                </p:childTnLst>
+              </p:cTn>
+              <p:prevCondLst>
+                <p:cond evt="onPrev" delay="0">
+                  <p:tgtEl>
+                    <p:sldTgt/>
+                  </p:tgtEl>
+                </p:cond>
+              </p:prevCondLst>
+              <p:nextCondLst>
+                <p:cond evt="onNext" delay="0">
+                  <p:tgtEl>
+                    <p:sldTgt/>
+                  </p:tgtEl>
+                </p:cond>
+              </p:nextCondLst>
+            </p:seq>
+          </p:childTnLst>
+        </p:cTn>
+      </p:par>
+    </p:tnLst>
+  </p:timing>
 </p:sld>
 </file>
 
-<file path=ppt/slides/slide7.xml><?xml version="1.0" encoding="utf-8"?>
-<p:sld xmlns:a="http://schemas.openxmlformats.org/drawingml/2006/main" xmlns:p="http://schemas.openxmlformats.org/presentationml/2006/main" xmlns:r="http://schemas.openxmlformats.org/officeDocument/2006/relationships" xmlns:p14="http://schemas.microsoft.com/office/powerpoint/2010/main" xmlns:p15="http://schemas.microsoft.com/office/powerpoint/2012/main" xmlns:mc="http://schemas.openxmlformats.org/markup-compatibility/2006">
+<file path=ppt/slides/slide9.xml><?xml version="1.0" encoding="utf-8"?>
+<p:sld xmlns:a="http://schemas.openxmlformats.org/drawingml/2006/main" xmlns:r="http://schemas.openxmlformats.org/officeDocument/2006/relationships" xmlns:p="http://schemas.openxmlformats.org/presentationml/2006/main">
   <p:cSld>
     <p:spTree>
       <p:nvGrpSpPr>
@@ -4890,7 +6100,7 @@
       </p:grpSpPr>
       <p:sp>
         <p:nvSpPr>
-          <p:cNvPr id="103" name=""/>
+          <p:cNvPr id="106" name="TextBox 105"/>
           <p:cNvSpPr txBox="1"/>
           <p:nvPr/>
         </p:nvSpPr>
@@ -4908,244 +6118,13 @@
           </a:ln>
         </p:spPr>
         <p:txBody>
-          <a:bodyPr lIns="0" rIns="0" tIns="0" bIns="0" anchor="ctr">
-            <a:noAutofit/>
-          </a:bodyPr>
+          <a:bodyPr lIns="0" tIns="0" rIns="0" bIns="0" anchor="ctr">
+            <a:noAutofit/>
+          </a:bodyPr>
+          <a:lstStyle/>
           <a:p>
             <a:r>
-              <a:rPr b="1" lang="ru-RU" sz="3300" spc="-1" strike="noStrike">
-                <a:solidFill>
-                  <a:srgbClr val="333333"/>
-                </a:solidFill>
-                <a:latin typeface="Noto Sans Regular"/>
-              </a:rPr>
-              <a:t>Продолжение развитие</a:t>
-            </a:r>
-            <a:endParaRPr b="1" lang="ru-RU" sz="3300" spc="-1" strike="noStrike">
-              <a:solidFill>
-                <a:srgbClr val="333333"/>
-              </a:solidFill>
-              <a:latin typeface="Noto Sans Regular"/>
-            </a:endParaRPr>
-          </a:p>
-        </p:txBody>
-      </p:sp>
-      <p:sp>
-        <p:nvSpPr>
-          <p:cNvPr id="104" name=""/>
-          <p:cNvSpPr txBox="1"/>
-          <p:nvPr/>
-        </p:nvSpPr>
-        <p:spPr>
-          <a:xfrm>
-            <a:off x="720000" y="1440000"/>
-            <a:ext cx="9000000" cy="3420000"/>
-          </a:xfrm>
-          <a:prstGeom prst="rect">
-            <a:avLst/>
-          </a:prstGeom>
-          <a:noFill/>
-          <a:ln w="0">
-            <a:noFill/>
-          </a:ln>
-        </p:spPr>
-        <p:txBody>
-          <a:bodyPr lIns="0" rIns="0" tIns="0" bIns="0">
-            <a:noAutofit/>
-          </a:bodyPr>
-          <a:p>
-            <a:pPr marL="432000" indent="-324000">
-              <a:spcAft>
-                <a:spcPts val="1060"/>
-              </a:spcAft>
-              <a:buClr>
-                <a:srgbClr val="ef2929"/>
-              </a:buClr>
-              <a:buSzPct val="45000"/>
-              <a:buFont typeface="Wingdings" charset="2"/>
-              <a:buChar char=""/>
-            </a:pPr>
-            <a:r>
-              <a:rPr b="0" lang="ru-RU" sz="2100" spc="-1" strike="noStrike">
-                <a:solidFill>
-                  <a:srgbClr val="333333"/>
-                </a:solidFill>
-                <a:latin typeface="Noto Sans Regular"/>
-              </a:rPr>
-              <a:t>Добавление новых задач</a:t>
-            </a:r>
-            <a:endParaRPr b="0" lang="ru-RU" sz="2100" spc="-1" strike="noStrike">
-              <a:solidFill>
-                <a:srgbClr val="333333"/>
-              </a:solidFill>
-              <a:latin typeface="Noto Sans Regular"/>
-            </a:endParaRPr>
-          </a:p>
-          <a:p>
-            <a:pPr marL="432000" indent="-324000">
-              <a:spcAft>
-                <a:spcPts val="1060"/>
-              </a:spcAft>
-              <a:buClr>
-                <a:srgbClr val="ef2929"/>
-              </a:buClr>
-              <a:buSzPct val="45000"/>
-              <a:buFont typeface="Wingdings" charset="2"/>
-              <a:buChar char=""/>
-            </a:pPr>
-            <a:r>
-              <a:rPr b="0" lang="ru-RU" sz="2100" spc="-1" strike="noStrike">
-                <a:solidFill>
-                  <a:srgbClr val="333333"/>
-                </a:solidFill>
-                <a:latin typeface="Noto Sans Regular"/>
-              </a:rPr>
-              <a:t>Сделать нормальный дизайн</a:t>
-            </a:r>
-            <a:endParaRPr b="0" lang="ru-RU" sz="2100" spc="-1" strike="noStrike">
-              <a:solidFill>
-                <a:srgbClr val="333333"/>
-              </a:solidFill>
-              <a:latin typeface="Noto Sans Regular"/>
-            </a:endParaRPr>
-          </a:p>
-          <a:p>
-            <a:pPr marL="432000" indent="-324000">
-              <a:spcAft>
-                <a:spcPts val="1060"/>
-              </a:spcAft>
-              <a:buClr>
-                <a:srgbClr val="ef2929"/>
-              </a:buClr>
-              <a:buSzPct val="45000"/>
-              <a:buFont typeface="Wingdings" charset="2"/>
-              <a:buChar char=""/>
-            </a:pPr>
-            <a:r>
-              <a:rPr b="0" lang="ru-RU" sz="2100" spc="-1" strike="noStrike">
-                <a:solidFill>
-                  <a:srgbClr val="333333"/>
-                </a:solidFill>
-                <a:latin typeface="Noto Sans Regular"/>
-              </a:rPr>
-              <a:t>Добавить рекламу</a:t>
-            </a:r>
-            <a:endParaRPr b="0" lang="ru-RU" sz="2100" spc="-1" strike="noStrike">
-              <a:solidFill>
-                <a:srgbClr val="333333"/>
-              </a:solidFill>
-              <a:latin typeface="Noto Sans Regular"/>
-            </a:endParaRPr>
-          </a:p>
-          <a:p>
-            <a:pPr marL="432000" indent="-324000">
-              <a:spcAft>
-                <a:spcPts val="1060"/>
-              </a:spcAft>
-              <a:buClr>
-                <a:srgbClr val="ef2929"/>
-              </a:buClr>
-              <a:buSzPct val="45000"/>
-              <a:buFont typeface="Wingdings" charset="2"/>
-              <a:buChar char=""/>
-            </a:pPr>
-            <a:r>
-              <a:rPr b="0" lang="ru-RU" sz="2100" spc="-1" strike="noStrike">
-                <a:solidFill>
-                  <a:srgbClr val="333333"/>
-                </a:solidFill>
-                <a:latin typeface="Noto Sans Regular"/>
-              </a:rPr>
-              <a:t>Рубить деньги</a:t>
-            </a:r>
-            <a:endParaRPr b="0" lang="ru-RU" sz="2100" spc="-1" strike="noStrike">
-              <a:solidFill>
-                <a:srgbClr val="333333"/>
-              </a:solidFill>
-              <a:latin typeface="Noto Sans Regular"/>
-            </a:endParaRPr>
-          </a:p>
-        </p:txBody>
-      </p:sp>
-      <p:pic>
-        <p:nvPicPr>
-          <p:cNvPr id="105" name="" descr=""/>
-          <p:cNvPicPr/>
-          <p:nvPr/>
-        </p:nvPicPr>
-        <p:blipFill>
-          <a:blip r:embed="rId1"/>
-          <a:stretch/>
-        </p:blipFill>
-        <p:spPr>
-          <a:xfrm>
-            <a:off x="4860000" y="2520000"/>
-            <a:ext cx="3598560" cy="2700000"/>
-          </a:xfrm>
-          <a:prstGeom prst="rect">
-            <a:avLst/>
-          </a:prstGeom>
-          <a:ln w="10800">
-            <a:noFill/>
-          </a:ln>
-        </p:spPr>
-      </p:pic>
-    </p:spTree>
-  </p:cSld>
-  <mc:AlternateContent>
-    <mc:Choice Requires="p14">
-      <p:transition spd="slow" p14:dur="2000"/>
-    </mc:Choice>
-    <mc:Fallback>
-      <p:transition spd="slow"/>
-    </mc:Fallback>
-  </mc:AlternateContent>
-</p:sld>
-</file>
-
-<file path=ppt/slides/slide8.xml><?xml version="1.0" encoding="utf-8"?>
-<p:sld xmlns:a="http://schemas.openxmlformats.org/drawingml/2006/main" xmlns:p="http://schemas.openxmlformats.org/presentationml/2006/main" xmlns:r="http://schemas.openxmlformats.org/officeDocument/2006/relationships" xmlns:p14="http://schemas.microsoft.com/office/powerpoint/2010/main" xmlns:p15="http://schemas.microsoft.com/office/powerpoint/2012/main" xmlns:mc="http://schemas.openxmlformats.org/markup-compatibility/2006">
-  <p:cSld>
-    <p:spTree>
-      <p:nvGrpSpPr>
-        <p:cNvPr id="1" name=""/>
-        <p:cNvGrpSpPr/>
-        <p:nvPr/>
-      </p:nvGrpSpPr>
-      <p:grpSpPr>
-        <a:xfrm>
-          <a:off x="0" y="0"/>
-          <a:ext cx="0" cy="0"/>
-          <a:chOff x="0" y="0"/>
-          <a:chExt cx="0" cy="0"/>
-        </a:xfrm>
-      </p:grpSpPr>
-      <p:sp>
-        <p:nvSpPr>
-          <p:cNvPr id="106" name=""/>
-          <p:cNvSpPr txBox="1"/>
-          <p:nvPr/>
-        </p:nvSpPr>
-        <p:spPr>
-          <a:xfrm>
-            <a:off x="720000" y="180000"/>
-            <a:ext cx="9000000" cy="1080000"/>
-          </a:xfrm>
-          <a:prstGeom prst="rect">
-            <a:avLst/>
-          </a:prstGeom>
-          <a:noFill/>
-          <a:ln w="0">
-            <a:noFill/>
-          </a:ln>
-        </p:spPr>
-        <p:txBody>
-          <a:bodyPr lIns="0" rIns="0" tIns="0" bIns="0" anchor="ctr">
-            <a:noAutofit/>
-          </a:bodyPr>
-          <a:p>
-            <a:r>
-              <a:rPr b="1" lang="ru-RU" sz="3300" spc="-1" strike="noStrike">
+              <a:rPr lang="ru-RU" sz="3300" b="1" strike="noStrike" spc="-1">
                 <a:solidFill>
                   <a:srgbClr val="333333"/>
                 </a:solidFill>
@@ -5153,18 +6132,12 @@
               </a:rPr>
               <a:t>Спасибо за внимание</a:t>
             </a:r>
-            <a:endParaRPr b="1" lang="ru-RU" sz="3300" spc="-1" strike="noStrike">
-              <a:solidFill>
-                <a:srgbClr val="333333"/>
-              </a:solidFill>
-              <a:latin typeface="Noto Sans Regular"/>
-            </a:endParaRPr>
-          </a:p>
-        </p:txBody>
-      </p:sp>
-      <p:sp>
-        <p:nvSpPr>
-          <p:cNvPr id="107" name=""/>
+          </a:p>
+        </p:txBody>
+      </p:sp>
+      <p:sp>
+        <p:nvSpPr>
+          <p:cNvPr id="107" name="TextBox 106"/>
           <p:cNvSpPr txBox="1"/>
           <p:nvPr/>
         </p:nvSpPr>
@@ -5182,11 +6155,12 @@
           </a:ln>
         </p:spPr>
         <p:txBody>
-          <a:bodyPr lIns="0" rIns="0" tIns="0" bIns="0">
-            <a:noAutofit/>
-          </a:bodyPr>
-          <a:p>
-            <a:endParaRPr b="0" lang="ru-RU" sz="2100" spc="-1" strike="noStrike">
+          <a:bodyPr lIns="0" tIns="0" rIns="0" bIns="0">
+            <a:noAutofit/>
+          </a:bodyPr>
+          <a:lstStyle/>
+          <a:p>
+            <a:endParaRPr lang="ru-RU" sz="2100" b="0" strike="noStrike" spc="-1">
               <a:solidFill>
                 <a:srgbClr val="333333"/>
               </a:solidFill>
@@ -5197,12 +6171,12 @@
       </p:sp>
       <p:pic>
         <p:nvPicPr>
-          <p:cNvPr id="108" name="" descr=""/>
+          <p:cNvPr id="108" name="Рисунок 107"/>
           <p:cNvPicPr/>
           <p:nvPr/>
         </p:nvPicPr>
         <p:blipFill>
-          <a:blip r:embed="rId1"/>
+          <a:blip r:embed="rId2"/>
           <a:stretch/>
         </p:blipFill>
         <p:spPr>
@@ -5220,14 +6194,9 @@
       </p:pic>
     </p:spTree>
   </p:cSld>
-  <mc:AlternateContent>
-    <mc:Choice Requires="p14">
-      <p:transition spd="slow" p14:dur="2000"/>
-    </mc:Choice>
-    <mc:Fallback>
-      <p:transition spd="slow"/>
-    </mc:Fallback>
-  </mc:AlternateContent>
+  <p:clrMapOvr>
+    <a:masterClrMapping/>
+  </p:clrMapOvr>
 </p:sld>
 </file>
 
@@ -5242,31 +6211,31 @@
         <a:sysClr val="window" lastClr="FFFFFF"/>
       </a:lt1>
       <a:dk2>
-        <a:srgbClr val="1f497d"/>
+        <a:srgbClr val="1F497D"/>
       </a:dk2>
       <a:lt2>
-        <a:srgbClr val="eeece1"/>
+        <a:srgbClr val="EEECE1"/>
       </a:lt2>
       <a:accent1>
-        <a:srgbClr val="4f81bd"/>
+        <a:srgbClr val="4F81BD"/>
       </a:accent1>
       <a:accent2>
-        <a:srgbClr val="c0504d"/>
+        <a:srgbClr val="C0504D"/>
       </a:accent2>
       <a:accent3>
-        <a:srgbClr val="9bbb59"/>
+        <a:srgbClr val="9BBB59"/>
       </a:accent3>
       <a:accent4>
-        <a:srgbClr val="8064a2"/>
+        <a:srgbClr val="8064A2"/>
       </a:accent4>
       <a:accent5>
-        <a:srgbClr val="4bacc6"/>
+        <a:srgbClr val="4BACC6"/>
       </a:accent5>
       <a:accent6>
-        <a:srgbClr val="f79646"/>
+        <a:srgbClr val="F79646"/>
       </a:accent6>
       <a:hlink>
-        <a:srgbClr val="0000ff"/>
+        <a:srgbClr val="0000FF"/>
       </a:hlink>
       <a:folHlink>
         <a:srgbClr val="800080"/>
@@ -5454,6 +6423,8 @@
       </a:bgFillStyleLst>
     </a:fmtScheme>
   </a:themeElements>
+  <a:objectDefaults/>
+  <a:extraClrSchemeLst/>
 </a:theme>
 </file>
 
@@ -5468,31 +6439,31 @@
         <a:sysClr val="window" lastClr="FFFFFF"/>
       </a:lt1>
       <a:dk2>
-        <a:srgbClr val="1f497d"/>
+        <a:srgbClr val="1F497D"/>
       </a:dk2>
       <a:lt2>
-        <a:srgbClr val="eeece1"/>
+        <a:srgbClr val="EEECE1"/>
       </a:lt2>
       <a:accent1>
-        <a:srgbClr val="4f81bd"/>
+        <a:srgbClr val="4F81BD"/>
       </a:accent1>
       <a:accent2>
-        <a:srgbClr val="c0504d"/>
+        <a:srgbClr val="C0504D"/>
       </a:accent2>
       <a:accent3>
-        <a:srgbClr val="9bbb59"/>
+        <a:srgbClr val="9BBB59"/>
       </a:accent3>
       <a:accent4>
-        <a:srgbClr val="8064a2"/>
+        <a:srgbClr val="8064A2"/>
       </a:accent4>
       <a:accent5>
-        <a:srgbClr val="4bacc6"/>
+        <a:srgbClr val="4BACC6"/>
       </a:accent5>
       <a:accent6>
-        <a:srgbClr val="f79646"/>
+        <a:srgbClr val="F79646"/>
       </a:accent6>
       <a:hlink>
-        <a:srgbClr val="0000ff"/>
+        <a:srgbClr val="0000FF"/>
       </a:hlink>
       <a:folHlink>
         <a:srgbClr val="800080"/>
@@ -5680,5 +6651,7 @@
       </a:bgFillStyleLst>
     </a:fmtScheme>
   </a:themeElements>
+  <a:objectDefaults/>
+  <a:extraClrSchemeLst/>
 </a:theme>
 </file>